--- a/Flow_Sol_product.pptx
+++ b/Flow_Sol_product.pptx
@@ -5,16 +5,20 @@
     <p:sldMasterId id="2147483648" r:id="rId1"/>
   </p:sldMasterIdLst>
   <p:notesMasterIdLst>
-    <p:notesMasterId r:id="rId9"/>
+    <p:notesMasterId r:id="rId13"/>
   </p:notesMasterIdLst>
   <p:sldIdLst>
     <p:sldId id="257" r:id="rId2"/>
     <p:sldId id="258" r:id="rId3"/>
-    <p:sldId id="259" r:id="rId4"/>
-    <p:sldId id="260" r:id="rId5"/>
-    <p:sldId id="261" r:id="rId6"/>
-    <p:sldId id="262" r:id="rId7"/>
-    <p:sldId id="263" r:id="rId8"/>
+    <p:sldId id="264" r:id="rId4"/>
+    <p:sldId id="266" r:id="rId5"/>
+    <p:sldId id="259" r:id="rId6"/>
+    <p:sldId id="265" r:id="rId7"/>
+    <p:sldId id="267" r:id="rId8"/>
+    <p:sldId id="260" r:id="rId9"/>
+    <p:sldId id="261" r:id="rId10"/>
+    <p:sldId id="262" r:id="rId11"/>
+    <p:sldId id="263" r:id="rId12"/>
   </p:sldIdLst>
   <p:sldSz cx="12192000" cy="6858000"/>
   <p:notesSz cx="6858000" cy="9144000"/>
@@ -203,7 +207,7 @@
           <a:p>
             <a:fld id="{08FAF89A-6EA3-4EEE-BA99-098773BC22A9}" type="datetimeFigureOut">
               <a:rPr lang="th-TH" smtClean="0"/>
-              <a:t>17/11/62</a:t>
+              <a:t>01/12/62</a:t>
             </a:fld>
             <a:endParaRPr lang="th-TH"/>
           </a:p>
@@ -497,7 +501,12 @@
             <p:ph type="sldImg"/>
           </p:nvPr>
         </p:nvSpPr>
-        <p:spPr/>
+        <p:spPr>
+          <a:xfrm>
+            <a:off x="685800" y="1143000"/>
+            <a:ext cx="5486400" cy="3086100"/>
+          </a:xfrm>
+        </p:spPr>
       </p:sp>
       <p:sp>
         <p:nvSpPr>
@@ -581,7 +590,12 @@
             <p:ph type="sldImg"/>
           </p:nvPr>
         </p:nvSpPr>
-        <p:spPr/>
+        <p:spPr>
+          <a:xfrm>
+            <a:off x="685800" y="1143000"/>
+            <a:ext cx="5486400" cy="3086100"/>
+          </a:xfrm>
+        </p:spPr>
       </p:sp>
       <p:sp>
         <p:nvSpPr>
@@ -723,7 +737,7 @@
           <a:p>
             <a:fld id="{9F955144-6B68-4839-8C7A-478D8BA738C2}" type="slidenum">
               <a:rPr lang="th-TH" smtClean="0"/>
-              <a:t>3</a:t>
+              <a:t>5</a:t>
             </a:fld>
             <a:endParaRPr lang="th-TH"/>
           </a:p>
@@ -733,6 +747,392 @@
     <p:extLst>
       <p:ext uri="{BB962C8B-B14F-4D97-AF65-F5344CB8AC3E}">
         <p14:creationId xmlns:p14="http://schemas.microsoft.com/office/powerpoint/2010/main" val="3719460333"/>
+      </p:ext>
+    </p:extLst>
+  </p:cSld>
+  <p:clrMapOvr>
+    <a:masterClrMapping/>
+  </p:clrMapOvr>
+</p:notes>
+</file>
+
+<file path=ppt/notesSlides/notesSlide3.xml><?xml version="1.0" encoding="utf-8"?>
+<p:notes xmlns:a="http://schemas.openxmlformats.org/drawingml/2006/main" xmlns:r="http://schemas.openxmlformats.org/officeDocument/2006/relationships" xmlns:p="http://schemas.openxmlformats.org/presentationml/2006/main">
+  <p:cSld>
+    <p:spTree>
+      <p:nvGrpSpPr>
+        <p:cNvPr id="1" name=""/>
+        <p:cNvGrpSpPr/>
+        <p:nvPr/>
+      </p:nvGrpSpPr>
+      <p:grpSpPr>
+        <a:xfrm>
+          <a:off x="0" y="0"/>
+          <a:ext cx="0" cy="0"/>
+          <a:chOff x="0" y="0"/>
+          <a:chExt cx="0" cy="0"/>
+        </a:xfrm>
+      </p:grpSpPr>
+      <p:sp>
+        <p:nvSpPr>
+          <p:cNvPr id="2" name="ตัวแทนรูปบนสไลด์ 1"/>
+          <p:cNvSpPr>
+            <a:spLocks noGrp="1" noRot="1" noChangeAspect="1"/>
+          </p:cNvSpPr>
+          <p:nvPr>
+            <p:ph type="sldImg"/>
+          </p:nvPr>
+        </p:nvSpPr>
+        <p:spPr>
+          <a:xfrm>
+            <a:off x="685800" y="1143000"/>
+            <a:ext cx="5486400" cy="3086100"/>
+          </a:xfrm>
+        </p:spPr>
+      </p:sp>
+      <p:sp>
+        <p:nvSpPr>
+          <p:cNvPr id="3" name="ตัวแทนบันทึกย่อ 2"/>
+          <p:cNvSpPr>
+            <a:spLocks noGrp="1"/>
+          </p:cNvSpPr>
+          <p:nvPr>
+            <p:ph type="body" idx="1"/>
+          </p:nvPr>
+        </p:nvSpPr>
+        <p:spPr/>
+        <p:txBody>
+          <a:bodyPr/>
+          <a:lstStyle/>
+          <a:p>
+            <a:pPr marL="0" marR="0" indent="0" algn="l" defTabSz="914400" rtl="0" eaLnBrk="1" fontAlgn="auto" latinLnBrk="0" hangingPunct="1">
+              <a:lnSpc>
+                <a:spcPct val="100000"/>
+              </a:lnSpc>
+              <a:spcBef>
+                <a:spcPts val="0"/>
+              </a:spcBef>
+              <a:spcAft>
+                <a:spcPts val="0"/>
+              </a:spcAft>
+              <a:buClrTx/>
+              <a:buSzTx/>
+              <a:buFontTx/>
+              <a:buNone/>
+              <a:tabLst/>
+              <a:defRPr/>
+            </a:pPr>
+            <a:r>
+              <a:rPr lang="th-TH" dirty="0"/>
+              <a:t>ซึ่ง </a:t>
+            </a:r>
+            <a:r>
+              <a:rPr lang="en-US" dirty="0"/>
+              <a:t>flow product </a:t>
+            </a:r>
+            <a:r>
+              <a:rPr lang="th-TH" dirty="0"/>
+              <a:t>ของเราก็คือเมื่อผู้ใช้ผู้ซึ่งเป็นเกษตรกรเข้ามาถามเกี่ยวกับเรื่องที่มีปัญหา </a:t>
+            </a:r>
+            <a:r>
+              <a:rPr lang="en-US" dirty="0" err="1"/>
+              <a:t>Dialogflow</a:t>
+            </a:r>
+            <a:r>
+              <a:rPr lang="en-US" dirty="0"/>
+              <a:t> </a:t>
+            </a:r>
+            <a:r>
+              <a:rPr lang="th-TH" dirty="0"/>
+              <a:t>จะทำการดึงข้อมูลจาก </a:t>
+            </a:r>
+            <a:r>
+              <a:rPr lang="en-US" dirty="0"/>
+              <a:t>database </a:t>
+            </a:r>
+            <a:r>
+              <a:rPr lang="th-TH" dirty="0"/>
+              <a:t>เพื่อตอบปัญหาหรือให้ข้อมูลให้แก่ผู้ใช้ และเราจะใช้</a:t>
+            </a:r>
+            <a:r>
+              <a:rPr lang="th-TH" baseline="0" dirty="0"/>
+              <a:t> </a:t>
+            </a:r>
+            <a:r>
+              <a:rPr lang="en-US" baseline="0" dirty="0"/>
+              <a:t>LINE Front end framework </a:t>
+            </a:r>
+            <a:r>
+              <a:rPr lang="th-TH" baseline="0" dirty="0"/>
+              <a:t>ในการ </a:t>
+            </a:r>
+            <a:r>
+              <a:rPr lang="en-US" baseline="0" dirty="0"/>
+              <a:t>integrate web app </a:t>
+            </a:r>
+            <a:r>
+              <a:rPr lang="th-TH" baseline="0" dirty="0"/>
+              <a:t>เข้ากับ </a:t>
+            </a:r>
+            <a:r>
+              <a:rPr lang="en-US" baseline="0" dirty="0"/>
+              <a:t>chat </a:t>
+            </a:r>
+            <a:r>
+              <a:rPr lang="th-TH" baseline="0" dirty="0"/>
+              <a:t>ใน </a:t>
+            </a:r>
+            <a:r>
+              <a:rPr lang="en-US" baseline="0" dirty="0"/>
+              <a:t>line </a:t>
+            </a:r>
+            <a:r>
+              <a:rPr lang="th-TH" baseline="0" dirty="0"/>
+              <a:t>โดย </a:t>
+            </a:r>
+            <a:r>
+              <a:rPr lang="en-US" baseline="0" dirty="0"/>
+              <a:t>web app </a:t>
+            </a:r>
+            <a:r>
+              <a:rPr lang="th-TH" baseline="0" dirty="0"/>
+              <a:t>จะทำการดึงข้อมูลราคาข้าวโพดจาก </a:t>
+            </a:r>
+            <a:r>
+              <a:rPr lang="en-US" baseline="0" dirty="0"/>
+              <a:t>database </a:t>
+            </a:r>
+            <a:r>
+              <a:rPr lang="th-TH" baseline="0" dirty="0"/>
+              <a:t>เพื่อเพิ่มความง่ายและสะดวกให้แก่เกษตรกรในการตรวจสอบข้อมูลราคา</a:t>
+            </a:r>
+            <a:endParaRPr lang="th-TH" dirty="0"/>
+          </a:p>
+          <a:p>
+            <a:endParaRPr lang="th-TH" dirty="0"/>
+          </a:p>
+        </p:txBody>
+      </p:sp>
+      <p:sp>
+        <p:nvSpPr>
+          <p:cNvPr id="4" name="ตัวแทนหมายเลขสไลด์ 3"/>
+          <p:cNvSpPr>
+            <a:spLocks noGrp="1"/>
+          </p:cNvSpPr>
+          <p:nvPr>
+            <p:ph type="sldNum" sz="quarter" idx="10"/>
+          </p:nvPr>
+        </p:nvSpPr>
+        <p:spPr/>
+        <p:txBody>
+          <a:bodyPr/>
+          <a:lstStyle/>
+          <a:p>
+            <a:fld id="{9F955144-6B68-4839-8C7A-478D8BA738C2}" type="slidenum">
+              <a:rPr lang="th-TH" smtClean="0"/>
+              <a:t>6</a:t>
+            </a:fld>
+            <a:endParaRPr lang="th-TH"/>
+          </a:p>
+        </p:txBody>
+      </p:sp>
+    </p:spTree>
+    <p:extLst>
+      <p:ext uri="{BB962C8B-B14F-4D97-AF65-F5344CB8AC3E}">
+        <p14:creationId xmlns:p14="http://schemas.microsoft.com/office/powerpoint/2010/main" val="2010130011"/>
+      </p:ext>
+    </p:extLst>
+  </p:cSld>
+  <p:clrMapOvr>
+    <a:masterClrMapping/>
+  </p:clrMapOvr>
+</p:notes>
+</file>
+
+<file path=ppt/notesSlides/notesSlide4.xml><?xml version="1.0" encoding="utf-8"?>
+<p:notes xmlns:a="http://schemas.openxmlformats.org/drawingml/2006/main" xmlns:r="http://schemas.openxmlformats.org/officeDocument/2006/relationships" xmlns:p="http://schemas.openxmlformats.org/presentationml/2006/main">
+  <p:cSld>
+    <p:spTree>
+      <p:nvGrpSpPr>
+        <p:cNvPr id="1" name=""/>
+        <p:cNvGrpSpPr/>
+        <p:nvPr/>
+      </p:nvGrpSpPr>
+      <p:grpSpPr>
+        <a:xfrm>
+          <a:off x="0" y="0"/>
+          <a:ext cx="0" cy="0"/>
+          <a:chOff x="0" y="0"/>
+          <a:chExt cx="0" cy="0"/>
+        </a:xfrm>
+      </p:grpSpPr>
+      <p:sp>
+        <p:nvSpPr>
+          <p:cNvPr id="2" name="ตัวแทนรูปบนสไลด์ 1"/>
+          <p:cNvSpPr>
+            <a:spLocks noGrp="1" noRot="1" noChangeAspect="1"/>
+          </p:cNvSpPr>
+          <p:nvPr>
+            <p:ph type="sldImg"/>
+          </p:nvPr>
+        </p:nvSpPr>
+        <p:spPr>
+          <a:xfrm>
+            <a:off x="685800" y="1143000"/>
+            <a:ext cx="5486400" cy="3086100"/>
+          </a:xfrm>
+        </p:spPr>
+      </p:sp>
+      <p:sp>
+        <p:nvSpPr>
+          <p:cNvPr id="3" name="ตัวแทนบันทึกย่อ 2"/>
+          <p:cNvSpPr>
+            <a:spLocks noGrp="1"/>
+          </p:cNvSpPr>
+          <p:nvPr>
+            <p:ph type="body" idx="1"/>
+          </p:nvPr>
+        </p:nvSpPr>
+        <p:spPr/>
+        <p:txBody>
+          <a:bodyPr/>
+          <a:lstStyle/>
+          <a:p>
+            <a:pPr marL="0" marR="0" indent="0" algn="l" defTabSz="914400" rtl="0" eaLnBrk="1" fontAlgn="auto" latinLnBrk="0" hangingPunct="1">
+              <a:lnSpc>
+                <a:spcPct val="100000"/>
+              </a:lnSpc>
+              <a:spcBef>
+                <a:spcPts val="0"/>
+              </a:spcBef>
+              <a:spcAft>
+                <a:spcPts val="0"/>
+              </a:spcAft>
+              <a:buClrTx/>
+              <a:buSzTx/>
+              <a:buFontTx/>
+              <a:buNone/>
+              <a:tabLst/>
+              <a:defRPr/>
+            </a:pPr>
+            <a:r>
+              <a:rPr lang="th-TH" dirty="0"/>
+              <a:t>ซึ่ง </a:t>
+            </a:r>
+            <a:r>
+              <a:rPr lang="en-US" dirty="0"/>
+              <a:t>flow product </a:t>
+            </a:r>
+            <a:r>
+              <a:rPr lang="th-TH" dirty="0"/>
+              <a:t>ของเราก็คือเมื่อผู้ใช้ผู้ซึ่งเป็นเกษตรกรเข้ามาถามเกี่ยวกับเรื่องที่มีปัญหา </a:t>
+            </a:r>
+            <a:r>
+              <a:rPr lang="en-US" dirty="0" err="1"/>
+              <a:t>Dialogflow</a:t>
+            </a:r>
+            <a:r>
+              <a:rPr lang="en-US" dirty="0"/>
+              <a:t> </a:t>
+            </a:r>
+            <a:r>
+              <a:rPr lang="th-TH" dirty="0"/>
+              <a:t>จะทำการดึงข้อมูลจาก </a:t>
+            </a:r>
+            <a:r>
+              <a:rPr lang="en-US" dirty="0"/>
+              <a:t>database </a:t>
+            </a:r>
+            <a:r>
+              <a:rPr lang="th-TH" dirty="0"/>
+              <a:t>เพื่อตอบปัญหาหรือให้ข้อมูลให้แก่ผู้ใช้ และเราจะใช้</a:t>
+            </a:r>
+            <a:r>
+              <a:rPr lang="th-TH" baseline="0" dirty="0"/>
+              <a:t> </a:t>
+            </a:r>
+            <a:r>
+              <a:rPr lang="en-US" baseline="0" dirty="0"/>
+              <a:t>LINE Front end framework </a:t>
+            </a:r>
+            <a:r>
+              <a:rPr lang="th-TH" baseline="0" dirty="0"/>
+              <a:t>ในการ </a:t>
+            </a:r>
+            <a:r>
+              <a:rPr lang="en-US" baseline="0" dirty="0"/>
+              <a:t>integrate web app </a:t>
+            </a:r>
+            <a:r>
+              <a:rPr lang="th-TH" baseline="0" dirty="0"/>
+              <a:t>เข้ากับ </a:t>
+            </a:r>
+            <a:r>
+              <a:rPr lang="en-US" baseline="0" dirty="0"/>
+              <a:t>chat </a:t>
+            </a:r>
+            <a:r>
+              <a:rPr lang="th-TH" baseline="0" dirty="0"/>
+              <a:t>ใน </a:t>
+            </a:r>
+            <a:r>
+              <a:rPr lang="en-US" baseline="0" dirty="0"/>
+              <a:t>line </a:t>
+            </a:r>
+            <a:r>
+              <a:rPr lang="th-TH" baseline="0" dirty="0"/>
+              <a:t>โดย </a:t>
+            </a:r>
+            <a:r>
+              <a:rPr lang="en-US" baseline="0" dirty="0"/>
+              <a:t>web app </a:t>
+            </a:r>
+            <a:r>
+              <a:rPr lang="th-TH" baseline="0" dirty="0"/>
+              <a:t>จะทำการดึงข้อมูลราคาข้าวโพดจาก </a:t>
+            </a:r>
+            <a:r>
+              <a:rPr lang="en-US" baseline="0" dirty="0"/>
+              <a:t>database </a:t>
+            </a:r>
+            <a:r>
+              <a:rPr lang="th-TH" baseline="0" dirty="0"/>
+              <a:t>เพื่อเพิ่มความง่ายและสะดวกให้แก่เกษตรกรในการตรวจสอบข้อมูลราคา</a:t>
+            </a:r>
+            <a:endParaRPr lang="th-TH" dirty="0"/>
+          </a:p>
+          <a:p>
+            <a:endParaRPr lang="th-TH" dirty="0"/>
+          </a:p>
+        </p:txBody>
+      </p:sp>
+      <p:sp>
+        <p:nvSpPr>
+          <p:cNvPr id="4" name="ตัวแทนหมายเลขสไลด์ 3"/>
+          <p:cNvSpPr>
+            <a:spLocks noGrp="1"/>
+          </p:cNvSpPr>
+          <p:nvPr>
+            <p:ph type="sldNum" sz="quarter" idx="10"/>
+          </p:nvPr>
+        </p:nvSpPr>
+        <p:spPr/>
+        <p:txBody>
+          <a:bodyPr/>
+          <a:lstStyle/>
+          <a:p>
+            <a:fld id="{9F955144-6B68-4839-8C7A-478D8BA738C2}" type="slidenum">
+              <a:rPr lang="th-TH" smtClean="0"/>
+              <a:t>7</a:t>
+            </a:fld>
+            <a:endParaRPr lang="th-TH"/>
+          </a:p>
+        </p:txBody>
+      </p:sp>
+    </p:spTree>
+    <p:extLst>
+      <p:ext uri="{BB962C8B-B14F-4D97-AF65-F5344CB8AC3E}">
+        <p14:creationId xmlns:p14="http://schemas.microsoft.com/office/powerpoint/2010/main" val="1624793055"/>
       </p:ext>
     </p:extLst>
   </p:cSld>
@@ -813,35 +1213,35 @@
               <a:buNone/>
               <a:defRPr sz="2400"/>
             </a:lvl1pPr>
-            <a:lvl2pPr marL="457200" indent="0" algn="ctr">
+            <a:lvl2pPr marL="457206" indent="0" algn="ctr">
               <a:buNone/>
               <a:defRPr sz="2000"/>
             </a:lvl2pPr>
-            <a:lvl3pPr marL="914400" indent="0" algn="ctr">
+            <a:lvl3pPr marL="914411" indent="0" algn="ctr">
               <a:buNone/>
               <a:defRPr sz="1800"/>
             </a:lvl3pPr>
-            <a:lvl4pPr marL="1371600" indent="0" algn="ctr">
+            <a:lvl4pPr marL="1371617" indent="0" algn="ctr">
               <a:buNone/>
               <a:defRPr sz="1600"/>
             </a:lvl4pPr>
-            <a:lvl5pPr marL="1828800" indent="0" algn="ctr">
+            <a:lvl5pPr marL="1828823" indent="0" algn="ctr">
               <a:buNone/>
               <a:defRPr sz="1600"/>
             </a:lvl5pPr>
-            <a:lvl6pPr marL="2286000" indent="0" algn="ctr">
+            <a:lvl6pPr marL="2286029" indent="0" algn="ctr">
               <a:buNone/>
               <a:defRPr sz="1600"/>
             </a:lvl6pPr>
-            <a:lvl7pPr marL="2743200" indent="0" algn="ctr">
+            <a:lvl7pPr marL="2743234" indent="0" algn="ctr">
               <a:buNone/>
               <a:defRPr sz="1600"/>
             </a:lvl7pPr>
-            <a:lvl8pPr marL="3200400" indent="0" algn="ctr">
+            <a:lvl8pPr marL="3200440" indent="0" algn="ctr">
               <a:buNone/>
               <a:defRPr sz="1600"/>
             </a:lvl8pPr>
-            <a:lvl9pPr marL="3657600" indent="0" algn="ctr">
+            <a:lvl9pPr marL="3657646" indent="0" algn="ctr">
               <a:buNone/>
               <a:defRPr sz="1600"/>
             </a:lvl9pPr>
@@ -871,7 +1271,7 @@
           <a:p>
             <a:fld id="{73D9AF9A-2256-41AC-8D5F-040F6AEE2DD7}" type="datetimeFigureOut">
               <a:rPr lang="th-TH" smtClean="0"/>
-              <a:t>17/11/62</a:t>
+              <a:t>01/12/62</a:t>
             </a:fld>
             <a:endParaRPr lang="th-TH"/>
           </a:p>
@@ -1039,7 +1439,7 @@
           <a:p>
             <a:fld id="{73D9AF9A-2256-41AC-8D5F-040F6AEE2DD7}" type="datetimeFigureOut">
               <a:rPr lang="th-TH" smtClean="0"/>
-              <a:t>17/11/62</a:t>
+              <a:t>01/12/62</a:t>
             </a:fld>
             <a:endParaRPr lang="th-TH"/>
           </a:p>
@@ -1129,7 +1529,7 @@
         </p:nvSpPr>
         <p:spPr>
           <a:xfrm>
-            <a:off x="8724900" y="365125"/>
+            <a:off x="8724899" y="365125"/>
             <a:ext cx="2628900" cy="5811838"/>
           </a:xfrm>
         </p:spPr>
@@ -1156,7 +1556,7 @@
         </p:nvSpPr>
         <p:spPr>
           <a:xfrm>
-            <a:off x="838200" y="365125"/>
+            <a:off x="838199" y="365125"/>
             <a:ext cx="7734300" cy="5811838"/>
           </a:xfrm>
         </p:spPr>
@@ -1217,7 +1617,7 @@
           <a:p>
             <a:fld id="{73D9AF9A-2256-41AC-8D5F-040F6AEE2DD7}" type="datetimeFigureOut">
               <a:rPr lang="th-TH" smtClean="0"/>
-              <a:t>17/11/62</a:t>
+              <a:t>01/12/62</a:t>
             </a:fld>
             <a:endParaRPr lang="th-TH"/>
           </a:p>
@@ -1385,7 +1785,7 @@
           <a:p>
             <a:fld id="{73D9AF9A-2256-41AC-8D5F-040F6AEE2DD7}" type="datetimeFigureOut">
               <a:rPr lang="th-TH" smtClean="0"/>
-              <a:t>17/11/62</a:t>
+              <a:t>01/12/62</a:t>
             </a:fld>
             <a:endParaRPr lang="th-TH"/>
           </a:p>
@@ -1475,7 +1875,7 @@
         </p:nvSpPr>
         <p:spPr>
           <a:xfrm>
-            <a:off x="831850" y="1709738"/>
+            <a:off x="831852" y="1709738"/>
             <a:ext cx="10515600" cy="2852737"/>
           </a:xfrm>
         </p:spPr>
@@ -1506,7 +1906,7 @@
         </p:nvSpPr>
         <p:spPr>
           <a:xfrm>
-            <a:off x="831850" y="4589463"/>
+            <a:off x="831852" y="4589464"/>
             <a:ext cx="10515600" cy="1500187"/>
           </a:xfrm>
         </p:spPr>
@@ -1523,7 +1923,7 @@
                 </a:solidFill>
               </a:defRPr>
             </a:lvl1pPr>
-            <a:lvl2pPr marL="457200" indent="0">
+            <a:lvl2pPr marL="457206" indent="0">
               <a:buNone/>
               <a:defRPr sz="2000">
                 <a:solidFill>
@@ -1533,7 +1933,7 @@
                 </a:solidFill>
               </a:defRPr>
             </a:lvl2pPr>
-            <a:lvl3pPr marL="914400" indent="0">
+            <a:lvl3pPr marL="914411" indent="0">
               <a:buNone/>
               <a:defRPr sz="1800">
                 <a:solidFill>
@@ -1543,7 +1943,7 @@
                 </a:solidFill>
               </a:defRPr>
             </a:lvl3pPr>
-            <a:lvl4pPr marL="1371600" indent="0">
+            <a:lvl4pPr marL="1371617" indent="0">
               <a:buNone/>
               <a:defRPr sz="1600">
                 <a:solidFill>
@@ -1553,7 +1953,7 @@
                 </a:solidFill>
               </a:defRPr>
             </a:lvl4pPr>
-            <a:lvl5pPr marL="1828800" indent="0">
+            <a:lvl5pPr marL="1828823" indent="0">
               <a:buNone/>
               <a:defRPr sz="1600">
                 <a:solidFill>
@@ -1563,7 +1963,7 @@
                 </a:solidFill>
               </a:defRPr>
             </a:lvl5pPr>
-            <a:lvl6pPr marL="2286000" indent="0">
+            <a:lvl6pPr marL="2286029" indent="0">
               <a:buNone/>
               <a:defRPr sz="1600">
                 <a:solidFill>
@@ -1573,7 +1973,7 @@
                 </a:solidFill>
               </a:defRPr>
             </a:lvl6pPr>
-            <a:lvl7pPr marL="2743200" indent="0">
+            <a:lvl7pPr marL="2743234" indent="0">
               <a:buNone/>
               <a:defRPr sz="1600">
                 <a:solidFill>
@@ -1583,7 +1983,7 @@
                 </a:solidFill>
               </a:defRPr>
             </a:lvl7pPr>
-            <a:lvl8pPr marL="3200400" indent="0">
+            <a:lvl8pPr marL="3200440" indent="0">
               <a:buNone/>
               <a:defRPr sz="1600">
                 <a:solidFill>
@@ -1593,7 +1993,7 @@
                 </a:solidFill>
               </a:defRPr>
             </a:lvl8pPr>
-            <a:lvl9pPr marL="3657600" indent="0">
+            <a:lvl9pPr marL="3657646" indent="0">
               <a:buNone/>
               <a:defRPr sz="1600">
                 <a:solidFill>
@@ -1630,7 +2030,7 @@
           <a:p>
             <a:fld id="{73D9AF9A-2256-41AC-8D5F-040F6AEE2DD7}" type="datetimeFigureOut">
               <a:rPr lang="th-TH" smtClean="0"/>
-              <a:t>17/11/62</a:t>
+              <a:t>01/12/62</a:t>
             </a:fld>
             <a:endParaRPr lang="th-TH"/>
           </a:p>
@@ -1742,7 +2142,7 @@
         </p:nvSpPr>
         <p:spPr>
           <a:xfrm>
-            <a:off x="838200" y="1825625"/>
+            <a:off x="838201" y="1825625"/>
             <a:ext cx="5181600" cy="4351338"/>
           </a:xfrm>
         </p:spPr>
@@ -1798,7 +2198,7 @@
         </p:nvSpPr>
         <p:spPr>
           <a:xfrm>
-            <a:off x="6172200" y="1825625"/>
+            <a:off x="6172201" y="1825625"/>
             <a:ext cx="5181600" cy="4351338"/>
           </a:xfrm>
         </p:spPr>
@@ -1859,7 +2259,7 @@
           <a:p>
             <a:fld id="{73D9AF9A-2256-41AC-8D5F-040F6AEE2DD7}" type="datetimeFigureOut">
               <a:rPr lang="th-TH" smtClean="0"/>
-              <a:t>17/11/62</a:t>
+              <a:t>01/12/62</a:t>
             </a:fld>
             <a:endParaRPr lang="th-TH"/>
           </a:p>
@@ -1949,7 +2349,7 @@
         </p:nvSpPr>
         <p:spPr>
           <a:xfrm>
-            <a:off x="839788" y="365125"/>
+            <a:off x="839789" y="365125"/>
             <a:ext cx="10515600" cy="1325563"/>
           </a:xfrm>
         </p:spPr>
@@ -1976,7 +2376,7 @@
         </p:nvSpPr>
         <p:spPr>
           <a:xfrm>
-            <a:off x="839788" y="1681163"/>
+            <a:off x="839789" y="1681163"/>
             <a:ext cx="5157787" cy="823912"/>
           </a:xfrm>
         </p:spPr>
@@ -1987,35 +2387,35 @@
               <a:buNone/>
               <a:defRPr sz="2400" b="1"/>
             </a:lvl1pPr>
-            <a:lvl2pPr marL="457200" indent="0">
+            <a:lvl2pPr marL="457206" indent="0">
               <a:buNone/>
               <a:defRPr sz="2000" b="1"/>
             </a:lvl2pPr>
-            <a:lvl3pPr marL="914400" indent="0">
+            <a:lvl3pPr marL="914411" indent="0">
               <a:buNone/>
               <a:defRPr sz="1800" b="1"/>
             </a:lvl3pPr>
-            <a:lvl4pPr marL="1371600" indent="0">
+            <a:lvl4pPr marL="1371617" indent="0">
               <a:buNone/>
               <a:defRPr sz="1600" b="1"/>
             </a:lvl4pPr>
-            <a:lvl5pPr marL="1828800" indent="0">
+            <a:lvl5pPr marL="1828823" indent="0">
               <a:buNone/>
               <a:defRPr sz="1600" b="1"/>
             </a:lvl5pPr>
-            <a:lvl6pPr marL="2286000" indent="0">
+            <a:lvl6pPr marL="2286029" indent="0">
               <a:buNone/>
               <a:defRPr sz="1600" b="1"/>
             </a:lvl6pPr>
-            <a:lvl7pPr marL="2743200" indent="0">
+            <a:lvl7pPr marL="2743234" indent="0">
               <a:buNone/>
               <a:defRPr sz="1600" b="1"/>
             </a:lvl7pPr>
-            <a:lvl8pPr marL="3200400" indent="0">
+            <a:lvl8pPr marL="3200440" indent="0">
               <a:buNone/>
               <a:defRPr sz="1600" b="1"/>
             </a:lvl8pPr>
-            <a:lvl9pPr marL="3657600" indent="0">
+            <a:lvl9pPr marL="3657646" indent="0">
               <a:buNone/>
               <a:defRPr sz="1600" b="1"/>
             </a:lvl9pPr>
@@ -2041,7 +2441,7 @@
         </p:nvSpPr>
         <p:spPr>
           <a:xfrm>
-            <a:off x="839788" y="2505075"/>
+            <a:off x="839789" y="2505076"/>
             <a:ext cx="5157787" cy="3684588"/>
           </a:xfrm>
         </p:spPr>
@@ -2097,7 +2497,7 @@
         </p:nvSpPr>
         <p:spPr>
           <a:xfrm>
-            <a:off x="6172200" y="1681163"/>
+            <a:off x="6172202" y="1681163"/>
             <a:ext cx="5183188" cy="823912"/>
           </a:xfrm>
         </p:spPr>
@@ -2108,35 +2508,35 @@
               <a:buNone/>
               <a:defRPr sz="2400" b="1"/>
             </a:lvl1pPr>
-            <a:lvl2pPr marL="457200" indent="0">
+            <a:lvl2pPr marL="457206" indent="0">
               <a:buNone/>
               <a:defRPr sz="2000" b="1"/>
             </a:lvl2pPr>
-            <a:lvl3pPr marL="914400" indent="0">
+            <a:lvl3pPr marL="914411" indent="0">
               <a:buNone/>
               <a:defRPr sz="1800" b="1"/>
             </a:lvl3pPr>
-            <a:lvl4pPr marL="1371600" indent="0">
+            <a:lvl4pPr marL="1371617" indent="0">
               <a:buNone/>
               <a:defRPr sz="1600" b="1"/>
             </a:lvl4pPr>
-            <a:lvl5pPr marL="1828800" indent="0">
+            <a:lvl5pPr marL="1828823" indent="0">
               <a:buNone/>
               <a:defRPr sz="1600" b="1"/>
             </a:lvl5pPr>
-            <a:lvl6pPr marL="2286000" indent="0">
+            <a:lvl6pPr marL="2286029" indent="0">
               <a:buNone/>
               <a:defRPr sz="1600" b="1"/>
             </a:lvl6pPr>
-            <a:lvl7pPr marL="2743200" indent="0">
+            <a:lvl7pPr marL="2743234" indent="0">
               <a:buNone/>
               <a:defRPr sz="1600" b="1"/>
             </a:lvl7pPr>
-            <a:lvl8pPr marL="3200400" indent="0">
+            <a:lvl8pPr marL="3200440" indent="0">
               <a:buNone/>
               <a:defRPr sz="1600" b="1"/>
             </a:lvl8pPr>
-            <a:lvl9pPr marL="3657600" indent="0">
+            <a:lvl9pPr marL="3657646" indent="0">
               <a:buNone/>
               <a:defRPr sz="1600" b="1"/>
             </a:lvl9pPr>
@@ -2162,7 +2562,7 @@
         </p:nvSpPr>
         <p:spPr>
           <a:xfrm>
-            <a:off x="6172200" y="2505075"/>
+            <a:off x="6172202" y="2505076"/>
             <a:ext cx="5183188" cy="3684588"/>
           </a:xfrm>
         </p:spPr>
@@ -2223,7 +2623,7 @@
           <a:p>
             <a:fld id="{73D9AF9A-2256-41AC-8D5F-040F6AEE2DD7}" type="datetimeFigureOut">
               <a:rPr lang="th-TH" smtClean="0"/>
-              <a:t>17/11/62</a:t>
+              <a:t>01/12/62</a:t>
             </a:fld>
             <a:endParaRPr lang="th-TH"/>
           </a:p>
@@ -2340,7 +2740,7 @@
           <a:p>
             <a:fld id="{73D9AF9A-2256-41AC-8D5F-040F6AEE2DD7}" type="datetimeFigureOut">
               <a:rPr lang="th-TH" smtClean="0"/>
-              <a:t>17/11/62</a:t>
+              <a:t>01/12/62</a:t>
             </a:fld>
             <a:endParaRPr lang="th-TH"/>
           </a:p>
@@ -2435,7 +2835,7 @@
           <a:p>
             <a:fld id="{73D9AF9A-2256-41AC-8D5F-040F6AEE2DD7}" type="datetimeFigureOut">
               <a:rPr lang="th-TH" smtClean="0"/>
-              <a:t>17/11/62</a:t>
+              <a:t>01/12/62</a:t>
             </a:fld>
             <a:endParaRPr lang="th-TH"/>
           </a:p>
@@ -2525,8 +2925,8 @@
         </p:nvSpPr>
         <p:spPr>
           <a:xfrm>
-            <a:off x="839788" y="457200"/>
-            <a:ext cx="3932237" cy="1600200"/>
+            <a:off x="839790" y="457200"/>
+            <a:ext cx="3932236" cy="1600200"/>
           </a:xfrm>
         </p:spPr>
         <p:txBody>
@@ -2557,7 +2957,7 @@
         <p:spPr>
           <a:xfrm>
             <a:off x="5183188" y="987425"/>
-            <a:ext cx="6172200" cy="4873625"/>
+            <a:ext cx="6172201" cy="4873625"/>
           </a:xfrm>
         </p:spPr>
         <p:txBody>
@@ -2640,8 +3040,8 @@
         </p:nvSpPr>
         <p:spPr>
           <a:xfrm>
-            <a:off x="839788" y="2057400"/>
-            <a:ext cx="3932237" cy="3811588"/>
+            <a:off x="839790" y="2057400"/>
+            <a:ext cx="3932236" cy="3811588"/>
           </a:xfrm>
         </p:spPr>
         <p:txBody>
@@ -2651,35 +3051,35 @@
               <a:buNone/>
               <a:defRPr sz="1600"/>
             </a:lvl1pPr>
-            <a:lvl2pPr marL="457200" indent="0">
+            <a:lvl2pPr marL="457206" indent="0">
               <a:buNone/>
               <a:defRPr sz="1400"/>
             </a:lvl2pPr>
-            <a:lvl3pPr marL="914400" indent="0">
+            <a:lvl3pPr marL="914411" indent="0">
               <a:buNone/>
               <a:defRPr sz="1200"/>
             </a:lvl3pPr>
-            <a:lvl4pPr marL="1371600" indent="0">
+            <a:lvl4pPr marL="1371617" indent="0">
               <a:buNone/>
               <a:defRPr sz="1000"/>
             </a:lvl4pPr>
-            <a:lvl5pPr marL="1828800" indent="0">
+            <a:lvl5pPr marL="1828823" indent="0">
               <a:buNone/>
               <a:defRPr sz="1000"/>
             </a:lvl5pPr>
-            <a:lvl6pPr marL="2286000" indent="0">
+            <a:lvl6pPr marL="2286029" indent="0">
               <a:buNone/>
               <a:defRPr sz="1000"/>
             </a:lvl6pPr>
-            <a:lvl7pPr marL="2743200" indent="0">
+            <a:lvl7pPr marL="2743234" indent="0">
               <a:buNone/>
               <a:defRPr sz="1000"/>
             </a:lvl7pPr>
-            <a:lvl8pPr marL="3200400" indent="0">
+            <a:lvl8pPr marL="3200440" indent="0">
               <a:buNone/>
               <a:defRPr sz="1000"/>
             </a:lvl8pPr>
-            <a:lvl9pPr marL="3657600" indent="0">
+            <a:lvl9pPr marL="3657646" indent="0">
               <a:buNone/>
               <a:defRPr sz="1000"/>
             </a:lvl9pPr>
@@ -2710,7 +3110,7 @@
           <a:p>
             <a:fld id="{73D9AF9A-2256-41AC-8D5F-040F6AEE2DD7}" type="datetimeFigureOut">
               <a:rPr lang="th-TH" smtClean="0"/>
-              <a:t>17/11/62</a:t>
+              <a:t>01/12/62</a:t>
             </a:fld>
             <a:endParaRPr lang="th-TH"/>
           </a:p>
@@ -2800,8 +3200,8 @@
         </p:nvSpPr>
         <p:spPr>
           <a:xfrm>
-            <a:off x="839788" y="457200"/>
-            <a:ext cx="3932237" cy="1600200"/>
+            <a:off x="839790" y="457200"/>
+            <a:ext cx="3932236" cy="1600200"/>
           </a:xfrm>
         </p:spPr>
         <p:txBody>
@@ -2832,7 +3232,7 @@
         <p:spPr>
           <a:xfrm>
             <a:off x="5183188" y="987425"/>
-            <a:ext cx="6172200" cy="4873625"/>
+            <a:ext cx="6172201" cy="4873625"/>
           </a:xfrm>
         </p:spPr>
         <p:txBody>
@@ -2842,35 +3242,35 @@
               <a:buNone/>
               <a:defRPr sz="3200"/>
             </a:lvl1pPr>
-            <a:lvl2pPr marL="457200" indent="0">
+            <a:lvl2pPr marL="457206" indent="0">
               <a:buNone/>
               <a:defRPr sz="2800"/>
             </a:lvl2pPr>
-            <a:lvl3pPr marL="914400" indent="0">
+            <a:lvl3pPr marL="914411" indent="0">
               <a:buNone/>
               <a:defRPr sz="2400"/>
             </a:lvl3pPr>
-            <a:lvl4pPr marL="1371600" indent="0">
+            <a:lvl4pPr marL="1371617" indent="0">
               <a:buNone/>
               <a:defRPr sz="2000"/>
             </a:lvl4pPr>
-            <a:lvl5pPr marL="1828800" indent="0">
+            <a:lvl5pPr marL="1828823" indent="0">
               <a:buNone/>
               <a:defRPr sz="2000"/>
             </a:lvl5pPr>
-            <a:lvl6pPr marL="2286000" indent="0">
+            <a:lvl6pPr marL="2286029" indent="0">
               <a:buNone/>
               <a:defRPr sz="2000"/>
             </a:lvl6pPr>
-            <a:lvl7pPr marL="2743200" indent="0">
+            <a:lvl7pPr marL="2743234" indent="0">
               <a:buNone/>
               <a:defRPr sz="2000"/>
             </a:lvl7pPr>
-            <a:lvl8pPr marL="3200400" indent="0">
+            <a:lvl8pPr marL="3200440" indent="0">
               <a:buNone/>
               <a:defRPr sz="2000"/>
             </a:lvl8pPr>
-            <a:lvl9pPr marL="3657600" indent="0">
+            <a:lvl9pPr marL="3657646" indent="0">
               <a:buNone/>
               <a:defRPr sz="2000"/>
             </a:lvl9pPr>
@@ -2892,8 +3292,8 @@
         </p:nvSpPr>
         <p:spPr>
           <a:xfrm>
-            <a:off x="839788" y="2057400"/>
-            <a:ext cx="3932237" cy="3811588"/>
+            <a:off x="839790" y="2057400"/>
+            <a:ext cx="3932236" cy="3811588"/>
           </a:xfrm>
         </p:spPr>
         <p:txBody>
@@ -2903,35 +3303,35 @@
               <a:buNone/>
               <a:defRPr sz="1600"/>
             </a:lvl1pPr>
-            <a:lvl2pPr marL="457200" indent="0">
+            <a:lvl2pPr marL="457206" indent="0">
               <a:buNone/>
               <a:defRPr sz="1400"/>
             </a:lvl2pPr>
-            <a:lvl3pPr marL="914400" indent="0">
+            <a:lvl3pPr marL="914411" indent="0">
               <a:buNone/>
               <a:defRPr sz="1200"/>
             </a:lvl3pPr>
-            <a:lvl4pPr marL="1371600" indent="0">
+            <a:lvl4pPr marL="1371617" indent="0">
               <a:buNone/>
               <a:defRPr sz="1000"/>
             </a:lvl4pPr>
-            <a:lvl5pPr marL="1828800" indent="0">
+            <a:lvl5pPr marL="1828823" indent="0">
               <a:buNone/>
               <a:defRPr sz="1000"/>
             </a:lvl5pPr>
-            <a:lvl6pPr marL="2286000" indent="0">
+            <a:lvl6pPr marL="2286029" indent="0">
               <a:buNone/>
               <a:defRPr sz="1000"/>
             </a:lvl6pPr>
-            <a:lvl7pPr marL="2743200" indent="0">
+            <a:lvl7pPr marL="2743234" indent="0">
               <a:buNone/>
               <a:defRPr sz="1000"/>
             </a:lvl7pPr>
-            <a:lvl8pPr marL="3200400" indent="0">
+            <a:lvl8pPr marL="3200440" indent="0">
               <a:buNone/>
               <a:defRPr sz="1000"/>
             </a:lvl8pPr>
-            <a:lvl9pPr marL="3657600" indent="0">
+            <a:lvl9pPr marL="3657646" indent="0">
               <a:buNone/>
               <a:defRPr sz="1000"/>
             </a:lvl9pPr>
@@ -2962,7 +3362,7 @@
           <a:p>
             <a:fld id="{73D9AF9A-2256-41AC-8D5F-040F6AEE2DD7}" type="datetimeFigureOut">
               <a:rPr lang="th-TH" smtClean="0"/>
-              <a:t>17/11/62</a:t>
+              <a:t>01/12/62</a:t>
             </a:fld>
             <a:endParaRPr lang="th-TH"/>
           </a:p>
@@ -3057,7 +3457,7 @@
         </p:nvSpPr>
         <p:spPr>
           <a:xfrm>
-            <a:off x="838200" y="365125"/>
+            <a:off x="838202" y="365125"/>
             <a:ext cx="10515600" cy="1325563"/>
           </a:xfrm>
           <a:prstGeom prst="rect">
@@ -3089,7 +3489,7 @@
         </p:nvSpPr>
         <p:spPr>
           <a:xfrm>
-            <a:off x="838200" y="1825625"/>
+            <a:off x="838202" y="1825625"/>
             <a:ext cx="10515600" cy="4351338"/>
           </a:xfrm>
           <a:prstGeom prst="rect">
@@ -3150,7 +3550,7 @@
         </p:nvSpPr>
         <p:spPr>
           <a:xfrm>
-            <a:off x="838200" y="6356350"/>
+            <a:off x="838201" y="6356351"/>
             <a:ext cx="2743200" cy="365125"/>
           </a:xfrm>
           <a:prstGeom prst="rect">
@@ -3173,7 +3573,7 @@
           <a:p>
             <a:fld id="{73D9AF9A-2256-41AC-8D5F-040F6AEE2DD7}" type="datetimeFigureOut">
               <a:rPr lang="th-TH" smtClean="0"/>
-              <a:t>17/11/62</a:t>
+              <a:t>01/12/62</a:t>
             </a:fld>
             <a:endParaRPr lang="th-TH"/>
           </a:p>
@@ -3191,7 +3591,7 @@
         </p:nvSpPr>
         <p:spPr>
           <a:xfrm>
-            <a:off x="4038600" y="6356350"/>
+            <a:off x="4038602" y="6356351"/>
             <a:ext cx="4114800" cy="365125"/>
           </a:xfrm>
           <a:prstGeom prst="rect">
@@ -3228,7 +3628,7 @@
         </p:nvSpPr>
         <p:spPr>
           <a:xfrm>
-            <a:off x="8610600" y="6356350"/>
+            <a:off x="8610601" y="6356351"/>
             <a:ext cx="2743200" cy="365125"/>
           </a:xfrm>
           <a:prstGeom prst="rect">
@@ -3280,7 +3680,7 @@
   </p:sldLayoutIdLst>
   <p:txStyles>
     <p:titleStyle>
-      <a:lvl1pPr algn="l" defTabSz="914400" rtl="0" eaLnBrk="1" latinLnBrk="0" hangingPunct="1">
+      <a:lvl1pPr algn="l" defTabSz="914411" rtl="0" eaLnBrk="1" latinLnBrk="0" hangingPunct="1">
         <a:lnSpc>
           <a:spcPct val="90000"/>
         </a:lnSpc>
@@ -3299,7 +3699,7 @@
       </a:lvl1pPr>
     </p:titleStyle>
     <p:bodyStyle>
-      <a:lvl1pPr marL="228600" indent="-228600" algn="l" defTabSz="914400" rtl="0" eaLnBrk="1" latinLnBrk="0" hangingPunct="1">
+      <a:lvl1pPr marL="228603" indent="-228603" algn="l" defTabSz="914411" rtl="0" eaLnBrk="1" latinLnBrk="0" hangingPunct="1">
         <a:lnSpc>
           <a:spcPct val="90000"/>
         </a:lnSpc>
@@ -3317,7 +3717,7 @@
           <a:cs typeface="+mn-cs"/>
         </a:defRPr>
       </a:lvl1pPr>
-      <a:lvl2pPr marL="685800" indent="-228600" algn="l" defTabSz="914400" rtl="0" eaLnBrk="1" latinLnBrk="0" hangingPunct="1">
+      <a:lvl2pPr marL="685808" indent="-228603" algn="l" defTabSz="914411" rtl="0" eaLnBrk="1" latinLnBrk="0" hangingPunct="1">
         <a:lnSpc>
           <a:spcPct val="90000"/>
         </a:lnSpc>
@@ -3335,7 +3735,7 @@
           <a:cs typeface="+mn-cs"/>
         </a:defRPr>
       </a:lvl2pPr>
-      <a:lvl3pPr marL="1143000" indent="-228600" algn="l" defTabSz="914400" rtl="0" eaLnBrk="1" latinLnBrk="0" hangingPunct="1">
+      <a:lvl3pPr marL="1143014" indent="-228603" algn="l" defTabSz="914411" rtl="0" eaLnBrk="1" latinLnBrk="0" hangingPunct="1">
         <a:lnSpc>
           <a:spcPct val="90000"/>
         </a:lnSpc>
@@ -3353,7 +3753,7 @@
           <a:cs typeface="+mn-cs"/>
         </a:defRPr>
       </a:lvl3pPr>
-      <a:lvl4pPr marL="1600200" indent="-228600" algn="l" defTabSz="914400" rtl="0" eaLnBrk="1" latinLnBrk="0" hangingPunct="1">
+      <a:lvl4pPr marL="1600220" indent="-228603" algn="l" defTabSz="914411" rtl="0" eaLnBrk="1" latinLnBrk="0" hangingPunct="1">
         <a:lnSpc>
           <a:spcPct val="90000"/>
         </a:lnSpc>
@@ -3371,7 +3771,7 @@
           <a:cs typeface="+mn-cs"/>
         </a:defRPr>
       </a:lvl4pPr>
-      <a:lvl5pPr marL="2057400" indent="-228600" algn="l" defTabSz="914400" rtl="0" eaLnBrk="1" latinLnBrk="0" hangingPunct="1">
+      <a:lvl5pPr marL="2057426" indent="-228603" algn="l" defTabSz="914411" rtl="0" eaLnBrk="1" latinLnBrk="0" hangingPunct="1">
         <a:lnSpc>
           <a:spcPct val="90000"/>
         </a:lnSpc>
@@ -3389,7 +3789,7 @@
           <a:cs typeface="+mn-cs"/>
         </a:defRPr>
       </a:lvl5pPr>
-      <a:lvl6pPr marL="2514600" indent="-228600" algn="l" defTabSz="914400" rtl="0" eaLnBrk="1" latinLnBrk="0" hangingPunct="1">
+      <a:lvl6pPr marL="2514632" indent="-228603" algn="l" defTabSz="914411" rtl="0" eaLnBrk="1" latinLnBrk="0" hangingPunct="1">
         <a:lnSpc>
           <a:spcPct val="90000"/>
         </a:lnSpc>
@@ -3407,7 +3807,7 @@
           <a:cs typeface="+mn-cs"/>
         </a:defRPr>
       </a:lvl6pPr>
-      <a:lvl7pPr marL="2971800" indent="-228600" algn="l" defTabSz="914400" rtl="0" eaLnBrk="1" latinLnBrk="0" hangingPunct="1">
+      <a:lvl7pPr marL="2971837" indent="-228603" algn="l" defTabSz="914411" rtl="0" eaLnBrk="1" latinLnBrk="0" hangingPunct="1">
         <a:lnSpc>
           <a:spcPct val="90000"/>
         </a:lnSpc>
@@ -3425,7 +3825,7 @@
           <a:cs typeface="+mn-cs"/>
         </a:defRPr>
       </a:lvl7pPr>
-      <a:lvl8pPr marL="3429000" indent="-228600" algn="l" defTabSz="914400" rtl="0" eaLnBrk="1" latinLnBrk="0" hangingPunct="1">
+      <a:lvl8pPr marL="3429043" indent="-228603" algn="l" defTabSz="914411" rtl="0" eaLnBrk="1" latinLnBrk="0" hangingPunct="1">
         <a:lnSpc>
           <a:spcPct val="90000"/>
         </a:lnSpc>
@@ -3443,7 +3843,7 @@
           <a:cs typeface="+mn-cs"/>
         </a:defRPr>
       </a:lvl8pPr>
-      <a:lvl9pPr marL="3886200" indent="-228600" algn="l" defTabSz="914400" rtl="0" eaLnBrk="1" latinLnBrk="0" hangingPunct="1">
+      <a:lvl9pPr marL="3886248" indent="-228603" algn="l" defTabSz="914411" rtl="0" eaLnBrk="1" latinLnBrk="0" hangingPunct="1">
         <a:lnSpc>
           <a:spcPct val="90000"/>
         </a:lnSpc>
@@ -3466,7 +3866,7 @@
       <a:defPPr>
         <a:defRPr lang="th-TH"/>
       </a:defPPr>
-      <a:lvl1pPr marL="0" algn="l" defTabSz="914400" rtl="0" eaLnBrk="1" latinLnBrk="0" hangingPunct="1">
+      <a:lvl1pPr marL="0" algn="l" defTabSz="914411" rtl="0" eaLnBrk="1" latinLnBrk="0" hangingPunct="1">
         <a:defRPr sz="2800" kern="1200">
           <a:solidFill>
             <a:schemeClr val="tx1"/>
@@ -3476,7 +3876,7 @@
           <a:cs typeface="+mn-cs"/>
         </a:defRPr>
       </a:lvl1pPr>
-      <a:lvl2pPr marL="457200" algn="l" defTabSz="914400" rtl="0" eaLnBrk="1" latinLnBrk="0" hangingPunct="1">
+      <a:lvl2pPr marL="457206" algn="l" defTabSz="914411" rtl="0" eaLnBrk="1" latinLnBrk="0" hangingPunct="1">
         <a:defRPr sz="2800" kern="1200">
           <a:solidFill>
             <a:schemeClr val="tx1"/>
@@ -3486,7 +3886,7 @@
           <a:cs typeface="+mn-cs"/>
         </a:defRPr>
       </a:lvl2pPr>
-      <a:lvl3pPr marL="914400" algn="l" defTabSz="914400" rtl="0" eaLnBrk="1" latinLnBrk="0" hangingPunct="1">
+      <a:lvl3pPr marL="914411" algn="l" defTabSz="914411" rtl="0" eaLnBrk="1" latinLnBrk="0" hangingPunct="1">
         <a:defRPr sz="2800" kern="1200">
           <a:solidFill>
             <a:schemeClr val="tx1"/>
@@ -3496,7 +3896,7 @@
           <a:cs typeface="+mn-cs"/>
         </a:defRPr>
       </a:lvl3pPr>
-      <a:lvl4pPr marL="1371600" algn="l" defTabSz="914400" rtl="0" eaLnBrk="1" latinLnBrk="0" hangingPunct="1">
+      <a:lvl4pPr marL="1371617" algn="l" defTabSz="914411" rtl="0" eaLnBrk="1" latinLnBrk="0" hangingPunct="1">
         <a:defRPr sz="2800" kern="1200">
           <a:solidFill>
             <a:schemeClr val="tx1"/>
@@ -3506,7 +3906,7 @@
           <a:cs typeface="+mn-cs"/>
         </a:defRPr>
       </a:lvl4pPr>
-      <a:lvl5pPr marL="1828800" algn="l" defTabSz="914400" rtl="0" eaLnBrk="1" latinLnBrk="0" hangingPunct="1">
+      <a:lvl5pPr marL="1828823" algn="l" defTabSz="914411" rtl="0" eaLnBrk="1" latinLnBrk="0" hangingPunct="1">
         <a:defRPr sz="2800" kern="1200">
           <a:solidFill>
             <a:schemeClr val="tx1"/>
@@ -3516,7 +3916,7 @@
           <a:cs typeface="+mn-cs"/>
         </a:defRPr>
       </a:lvl5pPr>
-      <a:lvl6pPr marL="2286000" algn="l" defTabSz="914400" rtl="0" eaLnBrk="1" latinLnBrk="0" hangingPunct="1">
+      <a:lvl6pPr marL="2286029" algn="l" defTabSz="914411" rtl="0" eaLnBrk="1" latinLnBrk="0" hangingPunct="1">
         <a:defRPr sz="2800" kern="1200">
           <a:solidFill>
             <a:schemeClr val="tx1"/>
@@ -3526,7 +3926,7 @@
           <a:cs typeface="+mn-cs"/>
         </a:defRPr>
       </a:lvl6pPr>
-      <a:lvl7pPr marL="2743200" algn="l" defTabSz="914400" rtl="0" eaLnBrk="1" latinLnBrk="0" hangingPunct="1">
+      <a:lvl7pPr marL="2743234" algn="l" defTabSz="914411" rtl="0" eaLnBrk="1" latinLnBrk="0" hangingPunct="1">
         <a:defRPr sz="2800" kern="1200">
           <a:solidFill>
             <a:schemeClr val="tx1"/>
@@ -3536,7 +3936,7 @@
           <a:cs typeface="+mn-cs"/>
         </a:defRPr>
       </a:lvl7pPr>
-      <a:lvl8pPr marL="3200400" algn="l" defTabSz="914400" rtl="0" eaLnBrk="1" latinLnBrk="0" hangingPunct="1">
+      <a:lvl8pPr marL="3200440" algn="l" defTabSz="914411" rtl="0" eaLnBrk="1" latinLnBrk="0" hangingPunct="1">
         <a:defRPr sz="2800" kern="1200">
           <a:solidFill>
             <a:schemeClr val="tx1"/>
@@ -3546,7 +3946,7 @@
           <a:cs typeface="+mn-cs"/>
         </a:defRPr>
       </a:lvl8pPr>
-      <a:lvl9pPr marL="3657600" algn="l" defTabSz="914400" rtl="0" eaLnBrk="1" latinLnBrk="0" hangingPunct="1">
+      <a:lvl9pPr marL="3657646" algn="l" defTabSz="914411" rtl="0" eaLnBrk="1" latinLnBrk="0" hangingPunct="1">
         <a:defRPr sz="2800" kern="1200">
           <a:solidFill>
             <a:schemeClr val="tx1"/>
@@ -3652,7 +4052,7 @@
         </p:nvSpPr>
         <p:spPr>
           <a:xfrm>
-            <a:off x="6207543" y="1497581"/>
+            <a:off x="6207544" y="1497582"/>
             <a:ext cx="1330814" cy="584775"/>
           </a:xfrm>
           <a:prstGeom prst="rect">
@@ -3698,7 +4098,7 @@
         </p:blipFill>
         <p:spPr>
           <a:xfrm>
-            <a:off x="6108707" y="5345532"/>
+            <a:off x="6108708" y="5345533"/>
             <a:ext cx="1035093" cy="862577"/>
           </a:xfrm>
           <a:prstGeom prst="rect">
@@ -3805,7 +4205,7 @@
         </p:nvSpPr>
         <p:spPr>
           <a:xfrm rot="16200000">
-            <a:off x="6180779" y="4049078"/>
+            <a:off x="6180780" y="4049078"/>
             <a:ext cx="1112611" cy="271732"/>
           </a:xfrm>
           <a:prstGeom prst="rightArrow">
@@ -3845,7 +4245,7 @@
         </p:nvSpPr>
         <p:spPr>
           <a:xfrm>
-            <a:off x="8003522" y="2435823"/>
+            <a:off x="8003522" y="2435824"/>
             <a:ext cx="1265556" cy="222345"/>
           </a:xfrm>
           <a:prstGeom prst="rightArrow">
@@ -3949,7 +4349,7 @@
         </p:nvSpPr>
         <p:spPr>
           <a:xfrm>
-            <a:off x="4133313" y="4760757"/>
+            <a:off x="4133313" y="4760758"/>
             <a:ext cx="4621778" cy="584775"/>
           </a:xfrm>
           <a:prstGeom prst="rect">
@@ -3994,7 +4394,7 @@
         </p:blipFill>
         <p:spPr>
           <a:xfrm>
-            <a:off x="6108707" y="2053647"/>
+            <a:off x="6108708" y="2053648"/>
             <a:ext cx="1501885" cy="1379385"/>
           </a:xfrm>
           <a:prstGeom prst="rect">
@@ -4128,6 +4528,1269 @@
 </p:sld>
 </file>
 
+<file path=ppt/slides/slide10.xml><?xml version="1.0" encoding="utf-8"?>
+<p:sld xmlns:a="http://schemas.openxmlformats.org/drawingml/2006/main" xmlns:r="http://schemas.openxmlformats.org/officeDocument/2006/relationships" xmlns:p="http://schemas.openxmlformats.org/presentationml/2006/main">
+  <p:cSld>
+    <p:spTree>
+      <p:nvGrpSpPr>
+        <p:cNvPr id="1" name=""/>
+        <p:cNvGrpSpPr/>
+        <p:nvPr/>
+      </p:nvGrpSpPr>
+      <p:grpSpPr>
+        <a:xfrm>
+          <a:off x="0" y="0"/>
+          <a:ext cx="0" cy="0"/>
+          <a:chOff x="0" y="0"/>
+          <a:chExt cx="0" cy="0"/>
+        </a:xfrm>
+      </p:grpSpPr>
+      <p:sp>
+        <p:nvSpPr>
+          <p:cNvPr id="4" name="สี่เหลี่ยมผืนผ้ามุมมน 3"/>
+          <p:cNvSpPr/>
+          <p:nvPr/>
+        </p:nvSpPr>
+        <p:spPr>
+          <a:xfrm>
+            <a:off x="5179771" y="222195"/>
+            <a:ext cx="1679755" cy="610820"/>
+          </a:xfrm>
+          <a:prstGeom prst="roundRect">
+            <a:avLst/>
+          </a:prstGeom>
+          <a:ln>
+            <a:noFill/>
+          </a:ln>
+        </p:spPr>
+        <p:style>
+          <a:lnRef idx="2">
+            <a:schemeClr val="accent6">
+              <a:shade val="50000"/>
+            </a:schemeClr>
+          </a:lnRef>
+          <a:fillRef idx="1">
+            <a:schemeClr val="accent6"/>
+          </a:fillRef>
+          <a:effectRef idx="0">
+            <a:schemeClr val="accent6"/>
+          </a:effectRef>
+          <a:fontRef idx="minor">
+            <a:schemeClr val="lt1"/>
+          </a:fontRef>
+        </p:style>
+        <p:txBody>
+          <a:bodyPr rtlCol="0" anchor="ctr"/>
+          <a:lstStyle/>
+          <a:p>
+            <a:pPr algn="ctr"/>
+            <a:r>
+              <a:rPr lang="th-TH" dirty="0"/>
+              <a:t>ความรู้ทั่วไป</a:t>
+            </a:r>
+          </a:p>
+        </p:txBody>
+      </p:sp>
+      <p:sp>
+        <p:nvSpPr>
+          <p:cNvPr id="5" name="สี่เหลี่ยมผืนผ้ามุมมน 4"/>
+          <p:cNvSpPr/>
+          <p:nvPr/>
+        </p:nvSpPr>
+        <p:spPr>
+          <a:xfrm>
+            <a:off x="2583785" y="1653544"/>
+            <a:ext cx="1068935" cy="577875"/>
+          </a:xfrm>
+          <a:prstGeom prst="roundRect">
+            <a:avLst/>
+          </a:prstGeom>
+          <a:ln>
+            <a:noFill/>
+          </a:ln>
+        </p:spPr>
+        <p:style>
+          <a:lnRef idx="2">
+            <a:schemeClr val="accent1">
+              <a:shade val="50000"/>
+            </a:schemeClr>
+          </a:lnRef>
+          <a:fillRef idx="1">
+            <a:schemeClr val="accent1"/>
+          </a:fillRef>
+          <a:effectRef idx="0">
+            <a:schemeClr val="accent1"/>
+          </a:effectRef>
+          <a:fontRef idx="minor">
+            <a:schemeClr val="lt1"/>
+          </a:fontRef>
+        </p:style>
+        <p:txBody>
+          <a:bodyPr rtlCol="0" anchor="ctr"/>
+          <a:lstStyle/>
+          <a:p>
+            <a:pPr algn="ctr"/>
+            <a:r>
+              <a:rPr lang="th-TH" dirty="0"/>
+              <a:t>ข้าว</a:t>
+            </a:r>
+          </a:p>
+        </p:txBody>
+      </p:sp>
+      <p:sp>
+        <p:nvSpPr>
+          <p:cNvPr id="6" name="สี่เหลี่ยมผืนผ้ามุมมน 5"/>
+          <p:cNvSpPr/>
+          <p:nvPr/>
+        </p:nvSpPr>
+        <p:spPr>
+          <a:xfrm>
+            <a:off x="8386575" y="1620599"/>
+            <a:ext cx="1068935" cy="610820"/>
+          </a:xfrm>
+          <a:prstGeom prst="roundRect">
+            <a:avLst/>
+          </a:prstGeom>
+          <a:ln>
+            <a:noFill/>
+          </a:ln>
+        </p:spPr>
+        <p:style>
+          <a:lnRef idx="2">
+            <a:schemeClr val="accent1">
+              <a:shade val="50000"/>
+            </a:schemeClr>
+          </a:lnRef>
+          <a:fillRef idx="1">
+            <a:schemeClr val="accent1"/>
+          </a:fillRef>
+          <a:effectRef idx="0">
+            <a:schemeClr val="accent1"/>
+          </a:effectRef>
+          <a:fontRef idx="minor">
+            <a:schemeClr val="lt1"/>
+          </a:fontRef>
+        </p:style>
+        <p:txBody>
+          <a:bodyPr rtlCol="0" anchor="ctr"/>
+          <a:lstStyle/>
+          <a:p>
+            <a:pPr algn="ctr"/>
+            <a:r>
+              <a:rPr lang="th-TH" dirty="0"/>
+              <a:t>ข้าวโพด</a:t>
+            </a:r>
+          </a:p>
+        </p:txBody>
+      </p:sp>
+      <p:sp>
+        <p:nvSpPr>
+          <p:cNvPr id="7" name="สี่เหลี่ยมผืนผ้ามุมมน 6"/>
+          <p:cNvSpPr/>
+          <p:nvPr/>
+        </p:nvSpPr>
+        <p:spPr>
+          <a:xfrm>
+            <a:off x="1056735" y="2938589"/>
+            <a:ext cx="1527050" cy="610820"/>
+          </a:xfrm>
+          <a:prstGeom prst="roundRect">
+            <a:avLst/>
+          </a:prstGeom>
+        </p:spPr>
+        <p:style>
+          <a:lnRef idx="3">
+            <a:schemeClr val="lt1"/>
+          </a:lnRef>
+          <a:fillRef idx="1">
+            <a:schemeClr val="accent4"/>
+          </a:fillRef>
+          <a:effectRef idx="1">
+            <a:schemeClr val="accent4"/>
+          </a:effectRef>
+          <a:fontRef idx="minor">
+            <a:schemeClr val="lt1"/>
+          </a:fontRef>
+        </p:style>
+        <p:txBody>
+          <a:bodyPr rtlCol="0" anchor="ctr"/>
+          <a:lstStyle/>
+          <a:p>
+            <a:pPr algn="ctr"/>
+            <a:r>
+              <a:rPr lang="th-TH" dirty="0">
+                <a:solidFill>
+                  <a:schemeClr val="tx1"/>
+                </a:solidFill>
+              </a:rPr>
+              <a:t>ข้าวหอมมะลิ</a:t>
+            </a:r>
+          </a:p>
+        </p:txBody>
+      </p:sp>
+      <p:sp>
+        <p:nvSpPr>
+          <p:cNvPr id="8" name="สี่เหลี่ยมผืนผ้ามุมมน 7"/>
+          <p:cNvSpPr/>
+          <p:nvPr/>
+        </p:nvSpPr>
+        <p:spPr>
+          <a:xfrm>
+            <a:off x="1056735" y="4321869"/>
+            <a:ext cx="1527050" cy="610820"/>
+          </a:xfrm>
+          <a:prstGeom prst="roundRect">
+            <a:avLst/>
+          </a:prstGeom>
+        </p:spPr>
+        <p:style>
+          <a:lnRef idx="3">
+            <a:schemeClr val="lt1"/>
+          </a:lnRef>
+          <a:fillRef idx="1">
+            <a:schemeClr val="accent4"/>
+          </a:fillRef>
+          <a:effectRef idx="1">
+            <a:schemeClr val="accent4"/>
+          </a:effectRef>
+          <a:fontRef idx="minor">
+            <a:schemeClr val="lt1"/>
+          </a:fontRef>
+        </p:style>
+        <p:txBody>
+          <a:bodyPr rtlCol="0" anchor="ctr"/>
+          <a:lstStyle/>
+          <a:p>
+            <a:pPr algn="ctr"/>
+            <a:r>
+              <a:rPr lang="th-TH" dirty="0">
+                <a:solidFill>
+                  <a:schemeClr val="tx1"/>
+                </a:solidFill>
+              </a:rPr>
+              <a:t>ข้าวเหนียว</a:t>
+            </a:r>
+          </a:p>
+        </p:txBody>
+      </p:sp>
+      <p:sp>
+        <p:nvSpPr>
+          <p:cNvPr id="9" name="สี่เหลี่ยมผืนผ้ามุมมน 8"/>
+          <p:cNvSpPr/>
+          <p:nvPr/>
+        </p:nvSpPr>
+        <p:spPr>
+          <a:xfrm>
+            <a:off x="3661598" y="4328708"/>
+            <a:ext cx="1527050" cy="610820"/>
+          </a:xfrm>
+          <a:prstGeom prst="roundRect">
+            <a:avLst/>
+          </a:prstGeom>
+        </p:spPr>
+        <p:style>
+          <a:lnRef idx="3">
+            <a:schemeClr val="lt1"/>
+          </a:lnRef>
+          <a:fillRef idx="1">
+            <a:schemeClr val="accent4"/>
+          </a:fillRef>
+          <a:effectRef idx="1">
+            <a:schemeClr val="accent4"/>
+          </a:effectRef>
+          <a:fontRef idx="minor">
+            <a:schemeClr val="lt1"/>
+          </a:fontRef>
+        </p:style>
+        <p:txBody>
+          <a:bodyPr rtlCol="0" anchor="ctr"/>
+          <a:lstStyle/>
+          <a:p>
+            <a:pPr algn="ctr"/>
+            <a:r>
+              <a:rPr lang="th-TH" dirty="0">
+                <a:solidFill>
+                  <a:schemeClr val="tx1"/>
+                </a:solidFill>
+              </a:rPr>
+              <a:t>ข้าวเปลือก</a:t>
+            </a:r>
+          </a:p>
+        </p:txBody>
+      </p:sp>
+      <p:sp>
+        <p:nvSpPr>
+          <p:cNvPr id="10" name="สี่เหลี่ยมผืนผ้ามุมมน 9"/>
+          <p:cNvSpPr/>
+          <p:nvPr/>
+        </p:nvSpPr>
+        <p:spPr>
+          <a:xfrm>
+            <a:off x="3585247" y="2938589"/>
+            <a:ext cx="1677853" cy="610820"/>
+          </a:xfrm>
+          <a:prstGeom prst="roundRect">
+            <a:avLst/>
+          </a:prstGeom>
+        </p:spPr>
+        <p:style>
+          <a:lnRef idx="3">
+            <a:schemeClr val="lt1"/>
+          </a:lnRef>
+          <a:fillRef idx="1">
+            <a:schemeClr val="accent4"/>
+          </a:fillRef>
+          <a:effectRef idx="1">
+            <a:schemeClr val="accent4"/>
+          </a:effectRef>
+          <a:fontRef idx="minor">
+            <a:schemeClr val="lt1"/>
+          </a:fontRef>
+        </p:style>
+        <p:txBody>
+          <a:bodyPr rtlCol="0" anchor="ctr"/>
+          <a:lstStyle/>
+          <a:p>
+            <a:pPr algn="ctr"/>
+            <a:r>
+              <a:rPr lang="th-TH" dirty="0">
+                <a:solidFill>
+                  <a:schemeClr val="tx1"/>
+                </a:solidFill>
+              </a:rPr>
+              <a:t>ข้าว</a:t>
+            </a:r>
+            <a:r>
+              <a:rPr lang="th-TH" dirty="0" err="1">
+                <a:solidFill>
+                  <a:schemeClr val="tx1"/>
+                </a:solidFill>
+              </a:rPr>
+              <a:t>ไรซ์</a:t>
+            </a:r>
+            <a:r>
+              <a:rPr lang="th-TH" dirty="0">
+                <a:solidFill>
+                  <a:schemeClr val="tx1"/>
+                </a:solidFill>
+              </a:rPr>
+              <a:t>เบอร์รี่</a:t>
+            </a:r>
+          </a:p>
+        </p:txBody>
+      </p:sp>
+      <p:sp>
+        <p:nvSpPr>
+          <p:cNvPr id="11" name="สี่เหลี่ยมผืนผ้ามุมมน 10"/>
+          <p:cNvSpPr/>
+          <p:nvPr/>
+        </p:nvSpPr>
+        <p:spPr>
+          <a:xfrm>
+            <a:off x="6248705" y="2938589"/>
+            <a:ext cx="2002926" cy="610820"/>
+          </a:xfrm>
+          <a:prstGeom prst="roundRect">
+            <a:avLst/>
+          </a:prstGeom>
+        </p:spPr>
+        <p:style>
+          <a:lnRef idx="3">
+            <a:schemeClr val="lt1"/>
+          </a:lnRef>
+          <a:fillRef idx="1">
+            <a:schemeClr val="accent2"/>
+          </a:fillRef>
+          <a:effectRef idx="1">
+            <a:schemeClr val="accent2"/>
+          </a:effectRef>
+          <a:fontRef idx="minor">
+            <a:schemeClr val="lt1"/>
+          </a:fontRef>
+        </p:style>
+        <p:txBody>
+          <a:bodyPr rtlCol="0" anchor="ctr"/>
+          <a:lstStyle/>
+          <a:p>
+            <a:pPr algn="ctr"/>
+            <a:r>
+              <a:rPr lang="th-TH" dirty="0"/>
+              <a:t>ข้าวโพดเลี้ยงสัตว์</a:t>
+            </a:r>
+          </a:p>
+        </p:txBody>
+      </p:sp>
+      <p:sp>
+        <p:nvSpPr>
+          <p:cNvPr id="12" name="สี่เหลี่ยมผืนผ้ามุมมน 11"/>
+          <p:cNvSpPr/>
+          <p:nvPr/>
+        </p:nvSpPr>
+        <p:spPr>
+          <a:xfrm>
+            <a:off x="9608215" y="2938589"/>
+            <a:ext cx="2002926" cy="610820"/>
+          </a:xfrm>
+          <a:prstGeom prst="roundRect">
+            <a:avLst/>
+          </a:prstGeom>
+        </p:spPr>
+        <p:style>
+          <a:lnRef idx="3">
+            <a:schemeClr val="lt1"/>
+          </a:lnRef>
+          <a:fillRef idx="1">
+            <a:schemeClr val="accent2"/>
+          </a:fillRef>
+          <a:effectRef idx="1">
+            <a:schemeClr val="accent2"/>
+          </a:effectRef>
+          <a:fontRef idx="minor">
+            <a:schemeClr val="lt1"/>
+          </a:fontRef>
+        </p:style>
+        <p:txBody>
+          <a:bodyPr rtlCol="0" anchor="ctr"/>
+          <a:lstStyle/>
+          <a:p>
+            <a:pPr algn="ctr"/>
+            <a:r>
+              <a:rPr lang="th-TH" dirty="0"/>
+              <a:t>ข้าวโพดหวาน</a:t>
+            </a:r>
+          </a:p>
+        </p:txBody>
+      </p:sp>
+      <p:sp>
+        <p:nvSpPr>
+          <p:cNvPr id="13" name="สี่เหลี่ยมผืนผ้ามุมมน 12"/>
+          <p:cNvSpPr/>
+          <p:nvPr/>
+        </p:nvSpPr>
+        <p:spPr>
+          <a:xfrm>
+            <a:off x="6776194" y="4179049"/>
+            <a:ext cx="1365465" cy="923817"/>
+          </a:xfrm>
+          <a:prstGeom prst="roundRect">
+            <a:avLst/>
+          </a:prstGeom>
+        </p:spPr>
+        <p:style>
+          <a:lnRef idx="3">
+            <a:schemeClr val="lt1"/>
+          </a:lnRef>
+          <a:fillRef idx="1">
+            <a:schemeClr val="accent2"/>
+          </a:fillRef>
+          <a:effectRef idx="1">
+            <a:schemeClr val="accent2"/>
+          </a:effectRef>
+          <a:fontRef idx="minor">
+            <a:schemeClr val="lt1"/>
+          </a:fontRef>
+        </p:style>
+        <p:txBody>
+          <a:bodyPr rtlCol="0" anchor="ctr"/>
+          <a:lstStyle/>
+          <a:p>
+            <a:pPr algn="ctr"/>
+            <a:r>
+              <a:rPr lang="th-TH" dirty="0"/>
+              <a:t>ข้าวโพดข้าวเหนียว</a:t>
+            </a:r>
+          </a:p>
+        </p:txBody>
+      </p:sp>
+      <p:sp>
+        <p:nvSpPr>
+          <p:cNvPr id="14" name="สี่เหลี่ยมผืนผ้ามุมมน 13"/>
+          <p:cNvSpPr/>
+          <p:nvPr/>
+        </p:nvSpPr>
+        <p:spPr>
+          <a:xfrm>
+            <a:off x="9608215" y="4337643"/>
+            <a:ext cx="2002926" cy="610820"/>
+          </a:xfrm>
+          <a:prstGeom prst="roundRect">
+            <a:avLst/>
+          </a:prstGeom>
+        </p:spPr>
+        <p:style>
+          <a:lnRef idx="3">
+            <a:schemeClr val="lt1"/>
+          </a:lnRef>
+          <a:fillRef idx="1">
+            <a:schemeClr val="accent2"/>
+          </a:fillRef>
+          <a:effectRef idx="1">
+            <a:schemeClr val="accent2"/>
+          </a:effectRef>
+          <a:fontRef idx="minor">
+            <a:schemeClr val="lt1"/>
+          </a:fontRef>
+        </p:style>
+        <p:txBody>
+          <a:bodyPr rtlCol="0" anchor="ctr"/>
+          <a:lstStyle/>
+          <a:p>
+            <a:pPr algn="ctr"/>
+            <a:r>
+              <a:rPr lang="th-TH" dirty="0"/>
+              <a:t>ข้าวโพดฝักอ่อน</a:t>
+            </a:r>
+          </a:p>
+        </p:txBody>
+      </p:sp>
+      <p:cxnSp>
+        <p:nvCxnSpPr>
+          <p:cNvPr id="21" name="ตัวเชื่อมต่อตรง 20"/>
+          <p:cNvCxnSpPr>
+            <a:stCxn id="4" idx="2"/>
+          </p:cNvCxnSpPr>
+          <p:nvPr/>
+        </p:nvCxnSpPr>
+        <p:spPr>
+          <a:xfrm flipH="1">
+            <a:off x="6019647" y="833016"/>
+            <a:ext cx="1" cy="305410"/>
+          </a:xfrm>
+          <a:prstGeom prst="line">
+            <a:avLst/>
+          </a:prstGeom>
+        </p:spPr>
+        <p:style>
+          <a:lnRef idx="1">
+            <a:schemeClr val="dk1"/>
+          </a:lnRef>
+          <a:fillRef idx="0">
+            <a:schemeClr val="dk1"/>
+          </a:fillRef>
+          <a:effectRef idx="0">
+            <a:schemeClr val="dk1"/>
+          </a:effectRef>
+          <a:fontRef idx="minor">
+            <a:schemeClr val="tx1"/>
+          </a:fontRef>
+        </p:style>
+      </p:cxnSp>
+      <p:cxnSp>
+        <p:nvCxnSpPr>
+          <p:cNvPr id="23" name="ตัวเชื่อมต่อตรง 22"/>
+          <p:cNvCxnSpPr/>
+          <p:nvPr/>
+        </p:nvCxnSpPr>
+        <p:spPr>
+          <a:xfrm>
+            <a:off x="3118252" y="1138425"/>
+            <a:ext cx="5802790" cy="0"/>
+          </a:xfrm>
+          <a:prstGeom prst="line">
+            <a:avLst/>
+          </a:prstGeom>
+        </p:spPr>
+        <p:style>
+          <a:lnRef idx="1">
+            <a:schemeClr val="dk1"/>
+          </a:lnRef>
+          <a:fillRef idx="0">
+            <a:schemeClr val="dk1"/>
+          </a:fillRef>
+          <a:effectRef idx="0">
+            <a:schemeClr val="dk1"/>
+          </a:effectRef>
+          <a:fontRef idx="minor">
+            <a:schemeClr val="tx1"/>
+          </a:fontRef>
+        </p:style>
+      </p:cxnSp>
+      <p:cxnSp>
+        <p:nvCxnSpPr>
+          <p:cNvPr id="25" name="ลูกศรเชื่อมต่อแบบตรง 24"/>
+          <p:cNvCxnSpPr>
+            <a:endCxn id="5" idx="0"/>
+          </p:cNvCxnSpPr>
+          <p:nvPr/>
+        </p:nvCxnSpPr>
+        <p:spPr>
+          <a:xfrm>
+            <a:off x="3118252" y="1138425"/>
+            <a:ext cx="1" cy="515119"/>
+          </a:xfrm>
+          <a:prstGeom prst="straightConnector1">
+            <a:avLst/>
+          </a:prstGeom>
+          <a:ln>
+            <a:tailEnd type="triangle"/>
+          </a:ln>
+        </p:spPr>
+        <p:style>
+          <a:lnRef idx="1">
+            <a:schemeClr val="dk1"/>
+          </a:lnRef>
+          <a:fillRef idx="0">
+            <a:schemeClr val="dk1"/>
+          </a:fillRef>
+          <a:effectRef idx="0">
+            <a:schemeClr val="dk1"/>
+          </a:effectRef>
+          <a:fontRef idx="minor">
+            <a:schemeClr val="tx1"/>
+          </a:fontRef>
+        </p:style>
+      </p:cxnSp>
+      <p:cxnSp>
+        <p:nvCxnSpPr>
+          <p:cNvPr id="27" name="ลูกศรเชื่อมต่อแบบตรง 26"/>
+          <p:cNvCxnSpPr>
+            <a:endCxn id="6" idx="0"/>
+          </p:cNvCxnSpPr>
+          <p:nvPr/>
+        </p:nvCxnSpPr>
+        <p:spPr>
+          <a:xfrm>
+            <a:off x="8921042" y="1138425"/>
+            <a:ext cx="1" cy="482174"/>
+          </a:xfrm>
+          <a:prstGeom prst="straightConnector1">
+            <a:avLst/>
+          </a:prstGeom>
+          <a:ln>
+            <a:tailEnd type="triangle"/>
+          </a:ln>
+        </p:spPr>
+        <p:style>
+          <a:lnRef idx="1">
+            <a:schemeClr val="dk1"/>
+          </a:lnRef>
+          <a:fillRef idx="0">
+            <a:schemeClr val="dk1"/>
+          </a:fillRef>
+          <a:effectRef idx="0">
+            <a:schemeClr val="dk1"/>
+          </a:effectRef>
+          <a:fontRef idx="minor">
+            <a:schemeClr val="tx1"/>
+          </a:fontRef>
+        </p:style>
+      </p:cxnSp>
+      <p:cxnSp>
+        <p:nvCxnSpPr>
+          <p:cNvPr id="31" name="ตัวเชื่อมต่อตรง 30"/>
+          <p:cNvCxnSpPr>
+            <a:stCxn id="5" idx="2"/>
+          </p:cNvCxnSpPr>
+          <p:nvPr/>
+        </p:nvCxnSpPr>
+        <p:spPr>
+          <a:xfrm flipH="1">
+            <a:off x="3118251" y="2231419"/>
+            <a:ext cx="2" cy="2395860"/>
+          </a:xfrm>
+          <a:prstGeom prst="line">
+            <a:avLst/>
+          </a:prstGeom>
+        </p:spPr>
+        <p:style>
+          <a:lnRef idx="1">
+            <a:schemeClr val="dk1"/>
+          </a:lnRef>
+          <a:fillRef idx="0">
+            <a:schemeClr val="dk1"/>
+          </a:fillRef>
+          <a:effectRef idx="0">
+            <a:schemeClr val="dk1"/>
+          </a:effectRef>
+          <a:fontRef idx="minor">
+            <a:schemeClr val="tx1"/>
+          </a:fontRef>
+        </p:style>
+      </p:cxnSp>
+      <p:cxnSp>
+        <p:nvCxnSpPr>
+          <p:cNvPr id="35" name="ลูกศรเชื่อมต่อแบบตรง 34"/>
+          <p:cNvCxnSpPr>
+            <a:endCxn id="10" idx="1"/>
+          </p:cNvCxnSpPr>
+          <p:nvPr/>
+        </p:nvCxnSpPr>
+        <p:spPr>
+          <a:xfrm>
+            <a:off x="3118252" y="3243999"/>
+            <a:ext cx="466995" cy="0"/>
+          </a:xfrm>
+          <a:prstGeom prst="straightConnector1">
+            <a:avLst/>
+          </a:prstGeom>
+          <a:ln>
+            <a:tailEnd type="triangle"/>
+          </a:ln>
+        </p:spPr>
+        <p:style>
+          <a:lnRef idx="1">
+            <a:schemeClr val="dk1"/>
+          </a:lnRef>
+          <a:fillRef idx="0">
+            <a:schemeClr val="dk1"/>
+          </a:fillRef>
+          <a:effectRef idx="0">
+            <a:schemeClr val="dk1"/>
+          </a:effectRef>
+          <a:fontRef idx="minor">
+            <a:schemeClr val="tx1"/>
+          </a:fontRef>
+        </p:style>
+      </p:cxnSp>
+      <p:cxnSp>
+        <p:nvCxnSpPr>
+          <p:cNvPr id="38" name="ลูกศรเชื่อมต่อแบบตรง 37"/>
+          <p:cNvCxnSpPr>
+            <a:endCxn id="7" idx="3"/>
+          </p:cNvCxnSpPr>
+          <p:nvPr/>
+        </p:nvCxnSpPr>
+        <p:spPr>
+          <a:xfrm flipH="1">
+            <a:off x="2583785" y="3243999"/>
+            <a:ext cx="534467" cy="0"/>
+          </a:xfrm>
+          <a:prstGeom prst="straightConnector1">
+            <a:avLst/>
+          </a:prstGeom>
+          <a:ln>
+            <a:tailEnd type="triangle"/>
+          </a:ln>
+        </p:spPr>
+        <p:style>
+          <a:lnRef idx="1">
+            <a:schemeClr val="dk1"/>
+          </a:lnRef>
+          <a:fillRef idx="0">
+            <a:schemeClr val="dk1"/>
+          </a:fillRef>
+          <a:effectRef idx="0">
+            <a:schemeClr val="dk1"/>
+          </a:effectRef>
+          <a:fontRef idx="minor">
+            <a:schemeClr val="tx1"/>
+          </a:fontRef>
+        </p:style>
+      </p:cxnSp>
+      <p:cxnSp>
+        <p:nvCxnSpPr>
+          <p:cNvPr id="49" name="ลูกศรเชื่อมต่อแบบตรง 48"/>
+          <p:cNvCxnSpPr>
+            <a:endCxn id="9" idx="1"/>
+          </p:cNvCxnSpPr>
+          <p:nvPr/>
+        </p:nvCxnSpPr>
+        <p:spPr>
+          <a:xfrm>
+            <a:off x="3111592" y="4634118"/>
+            <a:ext cx="550006" cy="0"/>
+          </a:xfrm>
+          <a:prstGeom prst="straightConnector1">
+            <a:avLst/>
+          </a:prstGeom>
+          <a:ln>
+            <a:tailEnd type="triangle"/>
+          </a:ln>
+        </p:spPr>
+        <p:style>
+          <a:lnRef idx="1">
+            <a:schemeClr val="dk1"/>
+          </a:lnRef>
+          <a:fillRef idx="0">
+            <a:schemeClr val="dk1"/>
+          </a:fillRef>
+          <a:effectRef idx="0">
+            <a:schemeClr val="dk1"/>
+          </a:effectRef>
+          <a:fontRef idx="minor">
+            <a:schemeClr val="tx1"/>
+          </a:fontRef>
+        </p:style>
+      </p:cxnSp>
+      <p:cxnSp>
+        <p:nvCxnSpPr>
+          <p:cNvPr id="51" name="ลูกศรเชื่อมต่อแบบตรง 50"/>
+          <p:cNvCxnSpPr>
+            <a:endCxn id="8" idx="3"/>
+          </p:cNvCxnSpPr>
+          <p:nvPr/>
+        </p:nvCxnSpPr>
+        <p:spPr>
+          <a:xfrm flipH="1" flipV="1">
+            <a:off x="2583785" y="4627279"/>
+            <a:ext cx="534466" cy="6839"/>
+          </a:xfrm>
+          <a:prstGeom prst="straightConnector1">
+            <a:avLst/>
+          </a:prstGeom>
+          <a:ln>
+            <a:tailEnd type="triangle"/>
+          </a:ln>
+        </p:spPr>
+        <p:style>
+          <a:lnRef idx="1">
+            <a:schemeClr val="dk1"/>
+          </a:lnRef>
+          <a:fillRef idx="0">
+            <a:schemeClr val="dk1"/>
+          </a:fillRef>
+          <a:effectRef idx="0">
+            <a:schemeClr val="dk1"/>
+          </a:effectRef>
+          <a:fontRef idx="minor">
+            <a:schemeClr val="tx1"/>
+          </a:fontRef>
+        </p:style>
+      </p:cxnSp>
+      <p:cxnSp>
+        <p:nvCxnSpPr>
+          <p:cNvPr id="57" name="ตัวเชื่อมต่อตรง 56"/>
+          <p:cNvCxnSpPr/>
+          <p:nvPr/>
+        </p:nvCxnSpPr>
+        <p:spPr>
+          <a:xfrm flipH="1">
+            <a:off x="8921042" y="2238258"/>
+            <a:ext cx="2" cy="2395860"/>
+          </a:xfrm>
+          <a:prstGeom prst="line">
+            <a:avLst/>
+          </a:prstGeom>
+        </p:spPr>
+        <p:style>
+          <a:lnRef idx="1">
+            <a:schemeClr val="dk1"/>
+          </a:lnRef>
+          <a:fillRef idx="0">
+            <a:schemeClr val="dk1"/>
+          </a:fillRef>
+          <a:effectRef idx="0">
+            <a:schemeClr val="dk1"/>
+          </a:effectRef>
+          <a:fontRef idx="minor">
+            <a:schemeClr val="tx1"/>
+          </a:fontRef>
+        </p:style>
+      </p:cxnSp>
+      <p:cxnSp>
+        <p:nvCxnSpPr>
+          <p:cNvPr id="58" name="ลูกศรเชื่อมต่อแบบตรง 57"/>
+          <p:cNvCxnSpPr>
+            <a:endCxn id="12" idx="1"/>
+          </p:cNvCxnSpPr>
+          <p:nvPr/>
+        </p:nvCxnSpPr>
+        <p:spPr>
+          <a:xfrm flipV="1">
+            <a:off x="8921043" y="3243999"/>
+            <a:ext cx="687172" cy="6839"/>
+          </a:xfrm>
+          <a:prstGeom prst="straightConnector1">
+            <a:avLst/>
+          </a:prstGeom>
+          <a:ln>
+            <a:tailEnd type="triangle"/>
+          </a:ln>
+        </p:spPr>
+        <p:style>
+          <a:lnRef idx="1">
+            <a:schemeClr val="dk1"/>
+          </a:lnRef>
+          <a:fillRef idx="0">
+            <a:schemeClr val="dk1"/>
+          </a:fillRef>
+          <a:effectRef idx="0">
+            <a:schemeClr val="dk1"/>
+          </a:effectRef>
+          <a:fontRef idx="minor">
+            <a:schemeClr val="tx1"/>
+          </a:fontRef>
+        </p:style>
+      </p:cxnSp>
+      <p:cxnSp>
+        <p:nvCxnSpPr>
+          <p:cNvPr id="59" name="ลูกศรเชื่อมต่อแบบตรง 58"/>
+          <p:cNvCxnSpPr>
+            <a:endCxn id="11" idx="3"/>
+          </p:cNvCxnSpPr>
+          <p:nvPr/>
+        </p:nvCxnSpPr>
+        <p:spPr>
+          <a:xfrm flipH="1" flipV="1">
+            <a:off x="8251631" y="3243999"/>
+            <a:ext cx="669413" cy="6839"/>
+          </a:xfrm>
+          <a:prstGeom prst="straightConnector1">
+            <a:avLst/>
+          </a:prstGeom>
+          <a:ln>
+            <a:tailEnd type="triangle"/>
+          </a:ln>
+        </p:spPr>
+        <p:style>
+          <a:lnRef idx="1">
+            <a:schemeClr val="dk1"/>
+          </a:lnRef>
+          <a:fillRef idx="0">
+            <a:schemeClr val="dk1"/>
+          </a:fillRef>
+          <a:effectRef idx="0">
+            <a:schemeClr val="dk1"/>
+          </a:effectRef>
+          <a:fontRef idx="minor">
+            <a:schemeClr val="tx1"/>
+          </a:fontRef>
+        </p:style>
+      </p:cxnSp>
+      <p:cxnSp>
+        <p:nvCxnSpPr>
+          <p:cNvPr id="60" name="ลูกศรเชื่อมต่อแบบตรง 59"/>
+          <p:cNvCxnSpPr>
+            <a:endCxn id="14" idx="1"/>
+          </p:cNvCxnSpPr>
+          <p:nvPr/>
+        </p:nvCxnSpPr>
+        <p:spPr>
+          <a:xfrm>
+            <a:off x="8914383" y="4640957"/>
+            <a:ext cx="693832" cy="2096"/>
+          </a:xfrm>
+          <a:prstGeom prst="straightConnector1">
+            <a:avLst/>
+          </a:prstGeom>
+          <a:ln>
+            <a:tailEnd type="triangle"/>
+          </a:ln>
+        </p:spPr>
+        <p:style>
+          <a:lnRef idx="1">
+            <a:schemeClr val="dk1"/>
+          </a:lnRef>
+          <a:fillRef idx="0">
+            <a:schemeClr val="dk1"/>
+          </a:fillRef>
+          <a:effectRef idx="0">
+            <a:schemeClr val="dk1"/>
+          </a:effectRef>
+          <a:fontRef idx="minor">
+            <a:schemeClr val="tx1"/>
+          </a:fontRef>
+        </p:style>
+      </p:cxnSp>
+      <p:cxnSp>
+        <p:nvCxnSpPr>
+          <p:cNvPr id="61" name="ลูกศรเชื่อมต่อแบบตรง 60"/>
+          <p:cNvCxnSpPr/>
+          <p:nvPr/>
+        </p:nvCxnSpPr>
+        <p:spPr>
+          <a:xfrm flipH="1" flipV="1">
+            <a:off x="8260787" y="4627279"/>
+            <a:ext cx="660255" cy="13679"/>
+          </a:xfrm>
+          <a:prstGeom prst="straightConnector1">
+            <a:avLst/>
+          </a:prstGeom>
+          <a:ln>
+            <a:tailEnd type="triangle"/>
+          </a:ln>
+        </p:spPr>
+        <p:style>
+          <a:lnRef idx="1">
+            <a:schemeClr val="dk1"/>
+          </a:lnRef>
+          <a:fillRef idx="0">
+            <a:schemeClr val="dk1"/>
+          </a:fillRef>
+          <a:effectRef idx="0">
+            <a:schemeClr val="dk1"/>
+          </a:effectRef>
+          <a:fontRef idx="minor">
+            <a:schemeClr val="tx1"/>
+          </a:fontRef>
+        </p:style>
+      </p:cxnSp>
+    </p:spTree>
+    <p:extLst>
+      <p:ext uri="{BB962C8B-B14F-4D97-AF65-F5344CB8AC3E}">
+        <p14:creationId xmlns:p14="http://schemas.microsoft.com/office/powerpoint/2010/main" val="1120545396"/>
+      </p:ext>
+    </p:extLst>
+  </p:cSld>
+  <p:clrMapOvr>
+    <a:masterClrMapping/>
+  </p:clrMapOvr>
+</p:sld>
+</file>
+
+<file path=ppt/slides/slide11.xml><?xml version="1.0" encoding="utf-8"?>
+<p:sld xmlns:a="http://schemas.openxmlformats.org/drawingml/2006/main" xmlns:r="http://schemas.openxmlformats.org/officeDocument/2006/relationships" xmlns:p="http://schemas.openxmlformats.org/presentationml/2006/main">
+  <p:cSld>
+    <p:spTree>
+      <p:nvGrpSpPr>
+        <p:cNvPr id="1" name=""/>
+        <p:cNvGrpSpPr/>
+        <p:nvPr/>
+      </p:nvGrpSpPr>
+      <p:grpSpPr>
+        <a:xfrm>
+          <a:off x="0" y="0"/>
+          <a:ext cx="0" cy="0"/>
+          <a:chOff x="0" y="0"/>
+          <a:chExt cx="0" cy="0"/>
+        </a:xfrm>
+      </p:grpSpPr>
+      <p:sp>
+        <p:nvSpPr>
+          <p:cNvPr id="4" name="สี่เหลี่ยมผืนผ้ามุมมน 3"/>
+          <p:cNvSpPr/>
+          <p:nvPr/>
+        </p:nvSpPr>
+        <p:spPr>
+          <a:xfrm>
+            <a:off x="5027066" y="374900"/>
+            <a:ext cx="2290575" cy="610820"/>
+          </a:xfrm>
+          <a:prstGeom prst="roundRect">
+            <a:avLst/>
+          </a:prstGeom>
+        </p:spPr>
+        <p:style>
+          <a:lnRef idx="3">
+            <a:schemeClr val="lt1"/>
+          </a:lnRef>
+          <a:fillRef idx="1">
+            <a:schemeClr val="accent1"/>
+          </a:fillRef>
+          <a:effectRef idx="1">
+            <a:schemeClr val="accent1"/>
+          </a:effectRef>
+          <a:fontRef idx="minor">
+            <a:schemeClr val="lt1"/>
+          </a:fontRef>
+        </p:style>
+        <p:txBody>
+          <a:bodyPr rtlCol="0" anchor="ctr"/>
+          <a:lstStyle/>
+          <a:p>
+            <a:pPr algn="ctr"/>
+            <a:r>
+              <a:rPr lang="th-TH" dirty="0"/>
+              <a:t>แนะนำ</a:t>
+            </a:r>
+            <a:r>
+              <a:rPr lang="th-TH" dirty="0" err="1"/>
+              <a:t>แอปพลิเค</a:t>
+            </a:r>
+            <a:r>
+              <a:rPr lang="th-TH" dirty="0"/>
+              <a:t>ชัน</a:t>
+            </a:r>
+          </a:p>
+        </p:txBody>
+      </p:sp>
+      <p:sp>
+        <p:nvSpPr>
+          <p:cNvPr id="5" name="สี่เหลี่ยมผืนผ้ามุมมน 4"/>
+          <p:cNvSpPr/>
+          <p:nvPr/>
+        </p:nvSpPr>
+        <p:spPr>
+          <a:xfrm>
+            <a:off x="2202022" y="2818180"/>
+            <a:ext cx="1068935" cy="577875"/>
+          </a:xfrm>
+          <a:prstGeom prst="roundRect">
+            <a:avLst/>
+          </a:prstGeom>
+          <a:ln/>
+        </p:spPr>
+        <p:style>
+          <a:lnRef idx="1">
+            <a:schemeClr val="accent1"/>
+          </a:lnRef>
+          <a:fillRef idx="2">
+            <a:schemeClr val="accent1"/>
+          </a:fillRef>
+          <a:effectRef idx="1">
+            <a:schemeClr val="accent1"/>
+          </a:effectRef>
+          <a:fontRef idx="minor">
+            <a:schemeClr val="dk1"/>
+          </a:fontRef>
+        </p:style>
+        <p:txBody>
+          <a:bodyPr rtlCol="0" anchor="ctr"/>
+          <a:lstStyle/>
+          <a:p>
+            <a:pPr algn="ctr"/>
+            <a:r>
+              <a:rPr lang="th-TH" dirty="0"/>
+              <a:t>ข้าว</a:t>
+            </a:r>
+          </a:p>
+        </p:txBody>
+      </p:sp>
+      <p:sp>
+        <p:nvSpPr>
+          <p:cNvPr id="6" name="สี่เหลี่ยมผืนผ้ามุมมน 5"/>
+          <p:cNvSpPr/>
+          <p:nvPr/>
+        </p:nvSpPr>
+        <p:spPr>
+          <a:xfrm>
+            <a:off x="9073747" y="2818180"/>
+            <a:ext cx="1068935" cy="610820"/>
+          </a:xfrm>
+          <a:prstGeom prst="roundRect">
+            <a:avLst/>
+          </a:prstGeom>
+          <a:ln/>
+        </p:spPr>
+        <p:style>
+          <a:lnRef idx="1">
+            <a:schemeClr val="accent1"/>
+          </a:lnRef>
+          <a:fillRef idx="2">
+            <a:schemeClr val="accent1"/>
+          </a:fillRef>
+          <a:effectRef idx="1">
+            <a:schemeClr val="accent1"/>
+          </a:effectRef>
+          <a:fontRef idx="minor">
+            <a:schemeClr val="dk1"/>
+          </a:fontRef>
+        </p:style>
+        <p:txBody>
+          <a:bodyPr rtlCol="0" anchor="ctr"/>
+          <a:lstStyle/>
+          <a:p>
+            <a:pPr algn="ctr"/>
+            <a:r>
+              <a:rPr lang="th-TH" dirty="0"/>
+              <a:t>ข้าวโพด</a:t>
+            </a:r>
+          </a:p>
+        </p:txBody>
+      </p:sp>
+      <p:cxnSp>
+        <p:nvCxnSpPr>
+          <p:cNvPr id="7" name="ตัวเชื่อมต่อตรง 6"/>
+          <p:cNvCxnSpPr/>
+          <p:nvPr/>
+        </p:nvCxnSpPr>
+        <p:spPr>
+          <a:xfrm flipH="1">
+            <a:off x="6096001" y="981145"/>
+            <a:ext cx="1" cy="305410"/>
+          </a:xfrm>
+          <a:prstGeom prst="line">
+            <a:avLst/>
+          </a:prstGeom>
+        </p:spPr>
+        <p:style>
+          <a:lnRef idx="1">
+            <a:schemeClr val="dk1"/>
+          </a:lnRef>
+          <a:fillRef idx="0">
+            <a:schemeClr val="dk1"/>
+          </a:fillRef>
+          <a:effectRef idx="0">
+            <a:schemeClr val="dk1"/>
+          </a:effectRef>
+          <a:fontRef idx="minor">
+            <a:schemeClr val="tx1"/>
+          </a:fontRef>
+        </p:style>
+      </p:cxnSp>
+      <p:cxnSp>
+        <p:nvCxnSpPr>
+          <p:cNvPr id="8" name="ตัวเชื่อมต่อตรง 7"/>
+          <p:cNvCxnSpPr/>
+          <p:nvPr/>
+        </p:nvCxnSpPr>
+        <p:spPr>
+          <a:xfrm>
+            <a:off x="3270957" y="3123590"/>
+            <a:ext cx="5802790" cy="0"/>
+          </a:xfrm>
+          <a:prstGeom prst="line">
+            <a:avLst/>
+          </a:prstGeom>
+        </p:spPr>
+        <p:style>
+          <a:lnRef idx="1">
+            <a:schemeClr val="dk1"/>
+          </a:lnRef>
+          <a:fillRef idx="0">
+            <a:schemeClr val="dk1"/>
+          </a:fillRef>
+          <a:effectRef idx="0">
+            <a:schemeClr val="dk1"/>
+          </a:effectRef>
+          <a:fontRef idx="minor">
+            <a:schemeClr val="tx1"/>
+          </a:fontRef>
+        </p:style>
+      </p:cxnSp>
+      <p:pic>
+        <p:nvPicPr>
+          <p:cNvPr id="11" name="รูปภาพ 10"/>
+          <p:cNvPicPr>
+            <a:picLocks noChangeAspect="1"/>
+          </p:cNvPicPr>
+          <p:nvPr/>
+        </p:nvPicPr>
+        <p:blipFill>
+          <a:blip r:embed="rId2" cstate="print">
+            <a:extLst>
+              <a:ext uri="{28A0092B-C50C-407E-A947-70E740481C1C}">
+                <a14:useLocalDpi xmlns:a14="http://schemas.microsoft.com/office/drawing/2010/main" val="0"/>
+              </a:ext>
+            </a:extLst>
+          </a:blip>
+          <a:stretch>
+            <a:fillRect/>
+          </a:stretch>
+        </p:blipFill>
+        <p:spPr>
+          <a:xfrm>
+            <a:off x="5068929" y="1286555"/>
+            <a:ext cx="2206846" cy="3921750"/>
+          </a:xfrm>
+          <a:prstGeom prst="rect">
+            <a:avLst/>
+          </a:prstGeom>
+          <a:ln>
+            <a:noFill/>
+          </a:ln>
+          <a:effectLst>
+            <a:outerShdw blurRad="190500" algn="tl" rotWithShape="0">
+              <a:srgbClr val="000000">
+                <a:alpha val="70000"/>
+              </a:srgbClr>
+            </a:outerShdw>
+          </a:effectLst>
+        </p:spPr>
+      </p:pic>
+    </p:spTree>
+    <p:extLst>
+      <p:ext uri="{BB962C8B-B14F-4D97-AF65-F5344CB8AC3E}">
+        <p14:creationId xmlns:p14="http://schemas.microsoft.com/office/powerpoint/2010/main" val="3849718184"/>
+      </p:ext>
+    </p:extLst>
+  </p:cSld>
+  <p:clrMapOvr>
+    <a:masterClrMapping/>
+  </p:clrMapOvr>
+</p:sld>
+</file>
+
 <file path=ppt/slides/slide2.xml><?xml version="1.0" encoding="utf-8"?>
 <p:sld xmlns:a="http://schemas.openxmlformats.org/drawingml/2006/main" xmlns:r="http://schemas.openxmlformats.org/officeDocument/2006/relationships" xmlns:p="http://schemas.openxmlformats.org/presentationml/2006/main">
   <p:cSld>
@@ -4177,8 +5840,8 @@
         </p:nvSpPr>
         <p:spPr>
           <a:xfrm>
-            <a:off x="7710391" y="4810272"/>
-            <a:ext cx="3365024" cy="769441"/>
+            <a:off x="7710391" y="4810273"/>
+            <a:ext cx="3424335" cy="769441"/>
           </a:xfrm>
           <a:prstGeom prst="rect">
             <a:avLst/>
@@ -4233,7 +5896,7 @@
         <p:spPr>
           <a:xfrm>
             <a:off x="8277517" y="1784615"/>
-            <a:ext cx="2145139" cy="400110"/>
+            <a:ext cx="2114681" cy="400110"/>
           </a:xfrm>
           <a:prstGeom prst="rect">
             <a:avLst/>
@@ -4512,7 +6175,7 @@
         </p:nvSpPr>
         <p:spPr>
           <a:xfrm>
-            <a:off x="6313936" y="3453727"/>
+            <a:off x="6313937" y="3453727"/>
             <a:ext cx="1109277" cy="400110"/>
           </a:xfrm>
           <a:prstGeom prst="rect">
@@ -4571,7 +6234,7 @@
         </p:nvCxnSpPr>
         <p:spPr>
           <a:xfrm flipH="1">
-            <a:off x="7408746" y="739534"/>
+            <a:off x="7408747" y="739534"/>
             <a:ext cx="1780224" cy="12013"/>
           </a:xfrm>
           <a:prstGeom prst="straightConnector1">
@@ -4676,7 +6339,7 @@
         </p:nvCxnSpPr>
         <p:spPr>
           <a:xfrm flipH="1">
-            <a:off x="6313936" y="3149267"/>
+            <a:off x="6313937" y="3149268"/>
             <a:ext cx="1963581" cy="1581025"/>
           </a:xfrm>
           <a:prstGeom prst="straightConnector1">
@@ -4864,10 +6527,69 @@
       </p:grpSpPr>
       <p:pic>
         <p:nvPicPr>
-          <p:cNvPr id="24" name="Picture 23" descr="A screenshot of a cell phone&#10;&#10;Description automatically generated">
+          <p:cNvPr id="4" name="รูปภาพ 3"/>
+          <p:cNvPicPr>
+            <a:picLocks noChangeAspect="1"/>
+          </p:cNvPicPr>
+          <p:nvPr/>
+        </p:nvPicPr>
+        <p:blipFill>
+          <a:blip r:embed="rId2"/>
+          <a:stretch>
+            <a:fillRect/>
+          </a:stretch>
+        </p:blipFill>
+        <p:spPr>
+          <a:xfrm>
+            <a:off x="1820260" y="1811330"/>
+            <a:ext cx="2316404" cy="985703"/>
+          </a:xfrm>
+          <a:prstGeom prst="rect">
+            <a:avLst/>
+          </a:prstGeom>
+        </p:spPr>
+      </p:pic>
+      <p:sp>
+        <p:nvSpPr>
+          <p:cNvPr id="6" name="สี่เหลี่ยมผืนผ้า 5"/>
+          <p:cNvSpPr/>
+          <p:nvPr/>
+        </p:nvSpPr>
+        <p:spPr>
+          <a:xfrm>
+            <a:off x="1905892" y="1411220"/>
+            <a:ext cx="2114681" cy="400110"/>
+          </a:xfrm>
+          <a:prstGeom prst="rect">
+            <a:avLst/>
+          </a:prstGeom>
+        </p:spPr>
+        <p:txBody>
+          <a:bodyPr wrap="none">
+            <a:spAutoFit/>
+          </a:bodyPr>
+          <a:lstStyle/>
+          <a:p>
+            <a:r>
+              <a:rPr lang="en-US" sz="2000" dirty="0">
+                <a:latin typeface="Adobe Gothic Std B" panose="020B0800000000000000" pitchFamily="34" charset="-128"/>
+                <a:ea typeface="Adobe Gothic Std B" panose="020B0800000000000000" pitchFamily="34" charset="-128"/>
+              </a:rPr>
+              <a:t>Web Application</a:t>
+            </a:r>
+            <a:endParaRPr lang="th-TH" sz="2000" dirty="0">
+              <a:latin typeface="Adobe Gothic Std B" panose="020B0800000000000000" pitchFamily="34" charset="-128"/>
+              <a:ea typeface="Adobe Gothic Std B" panose="020B0800000000000000" pitchFamily="34" charset="-128"/>
+            </a:endParaRPr>
+          </a:p>
+        </p:txBody>
+      </p:sp>
+      <p:pic>
+        <p:nvPicPr>
+          <p:cNvPr id="7" name="รูปภาพ 12" descr="รูปภาพประกอบด้วย เวกเตอร์กราฟิก&#10;&#10;คำอธิบายที่สร้างขึ้นโดยมีความน่าเชื่อถือสูงมาก">
             <a:extLst>
               <a:ext uri="{FF2B5EF4-FFF2-40B4-BE49-F238E27FC236}">
-                <a16:creationId xmlns:a16="http://schemas.microsoft.com/office/drawing/2014/main" id="{3B551D16-0AB2-45C0-83F6-ED6772BA71C6}"/>
+                <a16:creationId xmlns:a16="http://schemas.microsoft.com/office/drawing/2014/main" id="{51186A60-307E-49BF-BD41-51A44573B153}"/>
               </a:ext>
             </a:extLst>
           </p:cNvPr>
@@ -4876,30 +6598,35 @@
           </p:cNvPicPr>
           <p:nvPr/>
         </p:nvPicPr>
-        <p:blipFill rotWithShape="1">
-          <a:blip r:embed="rId3">
-            <a:extLst>
-              <a:ext uri="{28A0092B-C50C-407E-A947-70E740481C1C}">
-                <a14:useLocalDpi xmlns:a14="http://schemas.microsoft.com/office/drawing/2010/main" val="0"/>
-              </a:ext>
-            </a:extLst>
-          </a:blip>
-          <a:srcRect l="7232" r="8413"/>
-          <a:stretch/>
+        <p:blipFill>
+          <a:blip r:embed="rId3"/>
+          <a:stretch>
+            <a:fillRect/>
+          </a:stretch>
         </p:blipFill>
         <p:spPr>
           <a:xfrm>
-            <a:off x="3194019" y="536529"/>
-            <a:ext cx="8675411" cy="5784942"/>
+            <a:off x="9735403" y="4577586"/>
+            <a:ext cx="1095228" cy="1095228"/>
           </a:xfrm>
           <a:prstGeom prst="rect">
             <a:avLst/>
           </a:prstGeom>
+          <a:ln>
+            <a:noFill/>
+          </a:ln>
+          <a:effectLst>
+            <a:outerShdw blurRad="190500" algn="tl" rotWithShape="0">
+              <a:srgbClr val="000000">
+                <a:alpha val="70000"/>
+              </a:srgbClr>
+            </a:outerShdw>
+          </a:effectLst>
         </p:spPr>
       </p:pic>
       <p:pic>
         <p:nvPicPr>
-          <p:cNvPr id="6" name="รูปภาพ 5"/>
+          <p:cNvPr id="15" name="รูปภาพ 14"/>
           <p:cNvPicPr>
             <a:picLocks noChangeAspect="1"/>
           </p:cNvPicPr>
@@ -4919,6 +6646,881 @@
         </p:blipFill>
         <p:spPr>
           <a:xfrm>
+            <a:off x="5791615" y="4777097"/>
+            <a:ext cx="2619826" cy="693333"/>
+          </a:xfrm>
+          <a:prstGeom prst="rect">
+            <a:avLst/>
+          </a:prstGeom>
+        </p:spPr>
+      </p:pic>
+      <p:cxnSp>
+        <p:nvCxnSpPr>
+          <p:cNvPr id="64" name="ลูกศรเชื่อมต่อแบบตรง 63"/>
+          <p:cNvCxnSpPr/>
+          <p:nvPr/>
+        </p:nvCxnSpPr>
+        <p:spPr>
+          <a:xfrm>
+            <a:off x="8556936" y="5123762"/>
+            <a:ext cx="936599" cy="0"/>
+          </a:xfrm>
+          <a:prstGeom prst="straightConnector1">
+            <a:avLst/>
+          </a:prstGeom>
+          <a:ln>
+            <a:solidFill>
+              <a:schemeClr val="tx1"/>
+            </a:solidFill>
+            <a:headEnd type="triangle"/>
+            <a:tailEnd type="triangle"/>
+          </a:ln>
+        </p:spPr>
+        <p:style>
+          <a:lnRef idx="1">
+            <a:schemeClr val="accent1"/>
+          </a:lnRef>
+          <a:fillRef idx="0">
+            <a:schemeClr val="accent1"/>
+          </a:fillRef>
+          <a:effectRef idx="0">
+            <a:schemeClr val="accent1"/>
+          </a:effectRef>
+          <a:fontRef idx="minor">
+            <a:schemeClr val="tx1"/>
+          </a:fontRef>
+        </p:style>
+      </p:cxnSp>
+      <p:sp>
+        <p:nvSpPr>
+          <p:cNvPr id="70" name="กล่องข้อความ 69"/>
+          <p:cNvSpPr txBox="1"/>
+          <p:nvPr/>
+        </p:nvSpPr>
+        <p:spPr>
+          <a:xfrm>
+            <a:off x="8470596" y="5272704"/>
+            <a:ext cx="1264807" cy="400110"/>
+          </a:xfrm>
+          <a:prstGeom prst="rect">
+            <a:avLst/>
+          </a:prstGeom>
+          <a:noFill/>
+        </p:spPr>
+        <p:txBody>
+          <a:bodyPr wrap="square" rtlCol="0">
+            <a:spAutoFit/>
+          </a:bodyPr>
+          <a:lstStyle/>
+          <a:p>
+            <a:r>
+              <a:rPr lang="en-US" sz="2000" dirty="0">
+                <a:latin typeface="Adobe Garamond Pro" panose="02020502060506020403" pitchFamily="18" charset="0"/>
+              </a:rPr>
+              <a:t>Response</a:t>
+            </a:r>
+            <a:endParaRPr lang="th-TH" sz="2000" dirty="0">
+              <a:latin typeface="Adobe Garamond Pro" panose="02020502060506020403" pitchFamily="18" charset="0"/>
+            </a:endParaRPr>
+          </a:p>
+        </p:txBody>
+      </p:sp>
+      <p:sp>
+        <p:nvSpPr>
+          <p:cNvPr id="77" name="กล่องข้อความ 76"/>
+          <p:cNvSpPr txBox="1"/>
+          <p:nvPr/>
+        </p:nvSpPr>
+        <p:spPr>
+          <a:xfrm>
+            <a:off x="7122001" y="3652558"/>
+            <a:ext cx="678391" cy="400110"/>
+          </a:xfrm>
+          <a:prstGeom prst="rect">
+            <a:avLst/>
+          </a:prstGeom>
+          <a:noFill/>
+        </p:spPr>
+        <p:txBody>
+          <a:bodyPr wrap="none" rtlCol="0">
+            <a:spAutoFit/>
+          </a:bodyPr>
+          <a:lstStyle/>
+          <a:p>
+            <a:r>
+              <a:rPr lang="en-US" sz="2000" dirty="0">
+                <a:latin typeface="Adobe Garamond Pro" panose="02020502060506020403" pitchFamily="18" charset="0"/>
+              </a:rPr>
+              <a:t>Read</a:t>
+            </a:r>
+            <a:endParaRPr lang="th-TH" dirty="0">
+              <a:latin typeface="Adobe Garamond Pro" panose="02020502060506020403" pitchFamily="18" charset="0"/>
+            </a:endParaRPr>
+          </a:p>
+        </p:txBody>
+      </p:sp>
+      <p:pic>
+        <p:nvPicPr>
+          <p:cNvPr id="2" name="Picture 2" descr="ผลการค้นหารูปภาพสำหรับ googlesheet">
+            <a:extLst>
+              <a:ext uri="{FF2B5EF4-FFF2-40B4-BE49-F238E27FC236}">
+                <a16:creationId xmlns:a16="http://schemas.microsoft.com/office/drawing/2014/main" id="{A4D88859-D476-4518-9CCF-0A05FFC678DD}"/>
+              </a:ext>
+            </a:extLst>
+          </p:cNvPr>
+          <p:cNvPicPr>
+            <a:picLocks noChangeAspect="1" noChangeArrowheads="1"/>
+          </p:cNvPicPr>
+          <p:nvPr/>
+        </p:nvPicPr>
+        <p:blipFill>
+          <a:blip r:embed="rId5">
+            <a:extLst>
+              <a:ext uri="{28A0092B-C50C-407E-A947-70E740481C1C}">
+                <a14:useLocalDpi xmlns:a14="http://schemas.microsoft.com/office/drawing/2010/main" val="0"/>
+              </a:ext>
+            </a:extLst>
+          </a:blip>
+          <a:srcRect/>
+          <a:stretch>
+            <a:fillRect/>
+          </a:stretch>
+        </p:blipFill>
+        <p:spPr bwMode="auto">
+          <a:xfrm>
+            <a:off x="6554116" y="1443836"/>
+            <a:ext cx="1135769" cy="1135769"/>
+          </a:xfrm>
+          <a:prstGeom prst="rect">
+            <a:avLst/>
+          </a:prstGeom>
+          <a:noFill/>
+          <a:extLst>
+            <a:ext uri="{909E8E84-426E-40DD-AFC4-6F175D3DCCD1}">
+              <a14:hiddenFill xmlns:a14="http://schemas.microsoft.com/office/drawing/2010/main">
+                <a:solidFill>
+                  <a:srgbClr val="FFFFFF"/>
+                </a:solidFill>
+              </a14:hiddenFill>
+            </a:ext>
+          </a:extLst>
+        </p:spPr>
+      </p:pic>
+      <p:sp>
+        <p:nvSpPr>
+          <p:cNvPr id="23" name="กล่องข้อความ 76">
+            <a:extLst>
+              <a:ext uri="{FF2B5EF4-FFF2-40B4-BE49-F238E27FC236}">
+                <a16:creationId xmlns:a16="http://schemas.microsoft.com/office/drawing/2014/main" id="{EC5D2FA2-4540-434B-9F0F-88F2063561AD}"/>
+              </a:ext>
+            </a:extLst>
+          </p:cNvPr>
+          <p:cNvSpPr txBox="1"/>
+          <p:nvPr/>
+        </p:nvSpPr>
+        <p:spPr>
+          <a:xfrm>
+            <a:off x="6417125" y="2551817"/>
+            <a:ext cx="1535998" cy="400110"/>
+          </a:xfrm>
+          <a:prstGeom prst="rect">
+            <a:avLst/>
+          </a:prstGeom>
+          <a:noFill/>
+        </p:spPr>
+        <p:txBody>
+          <a:bodyPr wrap="none" rtlCol="0">
+            <a:spAutoFit/>
+          </a:bodyPr>
+          <a:lstStyle/>
+          <a:p>
+            <a:r>
+              <a:rPr lang="en-US" sz="2000" dirty="0">
+                <a:latin typeface="Adobe Garamond Pro" panose="02020502060506020403" pitchFamily="18" charset="0"/>
+              </a:rPr>
+              <a:t>Google Sheet</a:t>
+            </a:r>
+            <a:endParaRPr lang="th-TH" dirty="0">
+              <a:latin typeface="Adobe Garamond Pro" panose="02020502060506020403" pitchFamily="18" charset="0"/>
+            </a:endParaRPr>
+          </a:p>
+        </p:txBody>
+      </p:sp>
+      <p:cxnSp>
+        <p:nvCxnSpPr>
+          <p:cNvPr id="10" name="Straight Arrow Connector 9">
+            <a:extLst>
+              <a:ext uri="{FF2B5EF4-FFF2-40B4-BE49-F238E27FC236}">
+                <a16:creationId xmlns:a16="http://schemas.microsoft.com/office/drawing/2014/main" id="{5C3550D9-1964-43F3-9BE9-896D21D62307}"/>
+              </a:ext>
+            </a:extLst>
+          </p:cNvPr>
+          <p:cNvCxnSpPr>
+            <a:cxnSpLocks/>
+          </p:cNvCxnSpPr>
+          <p:nvPr/>
+        </p:nvCxnSpPr>
+        <p:spPr>
+          <a:xfrm flipV="1">
+            <a:off x="7066070" y="3126806"/>
+            <a:ext cx="0" cy="1596556"/>
+          </a:xfrm>
+          <a:prstGeom prst="straightConnector1">
+            <a:avLst/>
+          </a:prstGeom>
+          <a:ln>
+            <a:tailEnd type="triangle"/>
+          </a:ln>
+        </p:spPr>
+        <p:style>
+          <a:lnRef idx="1">
+            <a:schemeClr val="dk1"/>
+          </a:lnRef>
+          <a:fillRef idx="0">
+            <a:schemeClr val="dk1"/>
+          </a:fillRef>
+          <a:effectRef idx="0">
+            <a:schemeClr val="dk1"/>
+          </a:effectRef>
+          <a:fontRef idx="minor">
+            <a:schemeClr val="tx1"/>
+          </a:fontRef>
+        </p:style>
+      </p:cxnSp>
+      <p:sp>
+        <p:nvSpPr>
+          <p:cNvPr id="25" name="กล่องข้อความ 76">
+            <a:extLst>
+              <a:ext uri="{FF2B5EF4-FFF2-40B4-BE49-F238E27FC236}">
+                <a16:creationId xmlns:a16="http://schemas.microsoft.com/office/drawing/2014/main" id="{BEC76D19-D418-4A06-9D92-DC551B4616F3}"/>
+              </a:ext>
+            </a:extLst>
+          </p:cNvPr>
+          <p:cNvSpPr txBox="1"/>
+          <p:nvPr/>
+        </p:nvSpPr>
+        <p:spPr>
+          <a:xfrm>
+            <a:off x="4568799" y="1773657"/>
+            <a:ext cx="1652953" cy="400110"/>
+          </a:xfrm>
+          <a:prstGeom prst="rect">
+            <a:avLst/>
+          </a:prstGeom>
+          <a:noFill/>
+        </p:spPr>
+        <p:txBody>
+          <a:bodyPr wrap="none" rtlCol="0">
+            <a:spAutoFit/>
+          </a:bodyPr>
+          <a:lstStyle/>
+          <a:p>
+            <a:r>
+              <a:rPr lang="en-US" sz="2000" dirty="0">
+                <a:latin typeface="Adobe Garamond Pro" panose="02020502060506020403" pitchFamily="18" charset="0"/>
+              </a:rPr>
+              <a:t>Create/CRUD</a:t>
+            </a:r>
+            <a:endParaRPr lang="th-TH" dirty="0">
+              <a:latin typeface="Adobe Garamond Pro" panose="02020502060506020403" pitchFamily="18" charset="0"/>
+            </a:endParaRPr>
+          </a:p>
+        </p:txBody>
+      </p:sp>
+      <p:cxnSp>
+        <p:nvCxnSpPr>
+          <p:cNvPr id="16" name="Straight Arrow Connector 15">
+            <a:extLst>
+              <a:ext uri="{FF2B5EF4-FFF2-40B4-BE49-F238E27FC236}">
+                <a16:creationId xmlns:a16="http://schemas.microsoft.com/office/drawing/2014/main" id="{75AB2F6E-023A-4DF8-B39D-2AB6AD2DA00F}"/>
+              </a:ext>
+            </a:extLst>
+          </p:cNvPr>
+          <p:cNvCxnSpPr>
+            <a:cxnSpLocks/>
+          </p:cNvCxnSpPr>
+          <p:nvPr/>
+        </p:nvCxnSpPr>
+        <p:spPr>
+          <a:xfrm>
+            <a:off x="4305085" y="2207360"/>
+            <a:ext cx="2112041" cy="0"/>
+          </a:xfrm>
+          <a:prstGeom prst="straightConnector1">
+            <a:avLst/>
+          </a:prstGeom>
+          <a:ln w="12700">
+            <a:solidFill>
+              <a:schemeClr val="tx1"/>
+            </a:solidFill>
+            <a:headEnd type="triangle"/>
+            <a:tailEnd type="triangle"/>
+          </a:ln>
+        </p:spPr>
+        <p:style>
+          <a:lnRef idx="1">
+            <a:schemeClr val="accent1"/>
+          </a:lnRef>
+          <a:fillRef idx="0">
+            <a:schemeClr val="accent1"/>
+          </a:fillRef>
+          <a:effectRef idx="0">
+            <a:schemeClr val="accent1"/>
+          </a:effectRef>
+          <a:fontRef idx="minor">
+            <a:schemeClr val="tx1"/>
+          </a:fontRef>
+        </p:style>
+      </p:cxnSp>
+    </p:spTree>
+    <p:extLst>
+      <p:ext uri="{BB962C8B-B14F-4D97-AF65-F5344CB8AC3E}">
+        <p14:creationId xmlns:p14="http://schemas.microsoft.com/office/powerpoint/2010/main" val="1512776663"/>
+      </p:ext>
+    </p:extLst>
+  </p:cSld>
+  <p:clrMapOvr>
+    <a:masterClrMapping/>
+  </p:clrMapOvr>
+</p:sld>
+</file>
+
+<file path=ppt/slides/slide4.xml><?xml version="1.0" encoding="utf-8"?>
+<p:sld xmlns:a="http://schemas.openxmlformats.org/drawingml/2006/main" xmlns:r="http://schemas.openxmlformats.org/officeDocument/2006/relationships" xmlns:p="http://schemas.openxmlformats.org/presentationml/2006/main">
+  <p:cSld>
+    <p:spTree>
+      <p:nvGrpSpPr>
+        <p:cNvPr id="1" name=""/>
+        <p:cNvGrpSpPr/>
+        <p:nvPr/>
+      </p:nvGrpSpPr>
+      <p:grpSpPr>
+        <a:xfrm>
+          <a:off x="0" y="0"/>
+          <a:ext cx="0" cy="0"/>
+          <a:chOff x="0" y="0"/>
+          <a:chExt cx="0" cy="0"/>
+        </a:xfrm>
+      </p:grpSpPr>
+      <p:pic>
+        <p:nvPicPr>
+          <p:cNvPr id="4" name="รูปภาพ 3"/>
+          <p:cNvPicPr>
+            <a:picLocks noChangeAspect="1"/>
+          </p:cNvPicPr>
+          <p:nvPr/>
+        </p:nvPicPr>
+        <p:blipFill>
+          <a:blip r:embed="rId2"/>
+          <a:stretch>
+            <a:fillRect/>
+          </a:stretch>
+        </p:blipFill>
+        <p:spPr>
+          <a:xfrm>
+            <a:off x="1820260" y="1811330"/>
+            <a:ext cx="2316404" cy="985703"/>
+          </a:xfrm>
+          <a:prstGeom prst="rect">
+            <a:avLst/>
+          </a:prstGeom>
+        </p:spPr>
+      </p:pic>
+      <p:sp>
+        <p:nvSpPr>
+          <p:cNvPr id="6" name="สี่เหลี่ยมผืนผ้า 5"/>
+          <p:cNvSpPr/>
+          <p:nvPr/>
+        </p:nvSpPr>
+        <p:spPr>
+          <a:xfrm>
+            <a:off x="2045568" y="1411220"/>
+            <a:ext cx="1858009" cy="400110"/>
+          </a:xfrm>
+          <a:prstGeom prst="rect">
+            <a:avLst/>
+          </a:prstGeom>
+        </p:spPr>
+        <p:txBody>
+          <a:bodyPr wrap="none">
+            <a:spAutoFit/>
+          </a:bodyPr>
+          <a:lstStyle/>
+          <a:p>
+            <a:r>
+              <a:rPr lang="en-US" sz="2000" dirty="0">
+                <a:latin typeface="Adobe Garamond Pro" panose="02020502060506020403"/>
+                <a:ea typeface="Adobe Gothic Std B" panose="020B0800000000000000" pitchFamily="34" charset="-128"/>
+              </a:rPr>
+              <a:t>Web Application</a:t>
+            </a:r>
+            <a:endParaRPr lang="th-TH" sz="2000" dirty="0">
+              <a:latin typeface="Adobe Garamond Pro" panose="02020502060506020403"/>
+              <a:ea typeface="Adobe Gothic Std B" panose="020B0800000000000000" pitchFamily="34" charset="-128"/>
+            </a:endParaRPr>
+          </a:p>
+        </p:txBody>
+      </p:sp>
+      <p:pic>
+        <p:nvPicPr>
+          <p:cNvPr id="7" name="รูปภาพ 12" descr="รูปภาพประกอบด้วย เวกเตอร์กราฟิก&#10;&#10;คำอธิบายที่สร้างขึ้นโดยมีความน่าเชื่อถือสูงมาก">
+            <a:extLst>
+              <a:ext uri="{FF2B5EF4-FFF2-40B4-BE49-F238E27FC236}">
+                <a16:creationId xmlns:a16="http://schemas.microsoft.com/office/drawing/2014/main" id="{51186A60-307E-49BF-BD41-51A44573B153}"/>
+              </a:ext>
+            </a:extLst>
+          </p:cNvPr>
+          <p:cNvPicPr>
+            <a:picLocks noChangeAspect="1"/>
+          </p:cNvPicPr>
+          <p:nvPr/>
+        </p:nvPicPr>
+        <p:blipFill>
+          <a:blip r:embed="rId3"/>
+          <a:stretch>
+            <a:fillRect/>
+          </a:stretch>
+        </p:blipFill>
+        <p:spPr>
+          <a:xfrm>
+            <a:off x="9735403" y="4577586"/>
+            <a:ext cx="1095228" cy="1095228"/>
+          </a:xfrm>
+          <a:prstGeom prst="rect">
+            <a:avLst/>
+          </a:prstGeom>
+          <a:ln>
+            <a:noFill/>
+          </a:ln>
+          <a:effectLst>
+            <a:outerShdw blurRad="190500" algn="tl" rotWithShape="0">
+              <a:srgbClr val="000000">
+                <a:alpha val="70000"/>
+              </a:srgbClr>
+            </a:outerShdw>
+          </a:effectLst>
+        </p:spPr>
+      </p:pic>
+      <p:pic>
+        <p:nvPicPr>
+          <p:cNvPr id="15" name="รูปภาพ 14"/>
+          <p:cNvPicPr>
+            <a:picLocks noChangeAspect="1"/>
+          </p:cNvPicPr>
+          <p:nvPr/>
+        </p:nvPicPr>
+        <p:blipFill>
+          <a:blip r:embed="rId4" cstate="print">
+            <a:extLst>
+              <a:ext uri="{28A0092B-C50C-407E-A947-70E740481C1C}">
+                <a14:useLocalDpi xmlns:a14="http://schemas.microsoft.com/office/drawing/2010/main" val="0"/>
+              </a:ext>
+            </a:extLst>
+          </a:blip>
+          <a:stretch>
+            <a:fillRect/>
+          </a:stretch>
+        </p:blipFill>
+        <p:spPr>
+          <a:xfrm>
+            <a:off x="5791615" y="4777097"/>
+            <a:ext cx="2619826" cy="693333"/>
+          </a:xfrm>
+          <a:prstGeom prst="rect">
+            <a:avLst/>
+          </a:prstGeom>
+        </p:spPr>
+      </p:pic>
+      <p:cxnSp>
+        <p:nvCxnSpPr>
+          <p:cNvPr id="64" name="ลูกศรเชื่อมต่อแบบตรง 63"/>
+          <p:cNvCxnSpPr/>
+          <p:nvPr/>
+        </p:nvCxnSpPr>
+        <p:spPr>
+          <a:xfrm>
+            <a:off x="8556936" y="5123762"/>
+            <a:ext cx="936599" cy="0"/>
+          </a:xfrm>
+          <a:prstGeom prst="straightConnector1">
+            <a:avLst/>
+          </a:prstGeom>
+          <a:ln>
+            <a:solidFill>
+              <a:schemeClr val="tx1"/>
+            </a:solidFill>
+            <a:headEnd type="triangle"/>
+            <a:tailEnd type="triangle"/>
+          </a:ln>
+        </p:spPr>
+        <p:style>
+          <a:lnRef idx="1">
+            <a:schemeClr val="accent1"/>
+          </a:lnRef>
+          <a:fillRef idx="0">
+            <a:schemeClr val="accent1"/>
+          </a:fillRef>
+          <a:effectRef idx="0">
+            <a:schemeClr val="accent1"/>
+          </a:effectRef>
+          <a:fontRef idx="minor">
+            <a:schemeClr val="tx1"/>
+          </a:fontRef>
+        </p:style>
+      </p:cxnSp>
+      <p:sp>
+        <p:nvSpPr>
+          <p:cNvPr id="70" name="กล่องข้อความ 69"/>
+          <p:cNvSpPr txBox="1"/>
+          <p:nvPr/>
+        </p:nvSpPr>
+        <p:spPr>
+          <a:xfrm>
+            <a:off x="8470596" y="5272704"/>
+            <a:ext cx="1264807" cy="400110"/>
+          </a:xfrm>
+          <a:prstGeom prst="rect">
+            <a:avLst/>
+          </a:prstGeom>
+          <a:noFill/>
+        </p:spPr>
+        <p:txBody>
+          <a:bodyPr wrap="square" rtlCol="0">
+            <a:spAutoFit/>
+          </a:bodyPr>
+          <a:lstStyle/>
+          <a:p>
+            <a:r>
+              <a:rPr lang="en-US" sz="2000" dirty="0">
+                <a:latin typeface="Adobe Garamond Pro" panose="02020502060506020403" pitchFamily="18" charset="0"/>
+              </a:rPr>
+              <a:t>Response</a:t>
+            </a:r>
+            <a:endParaRPr lang="th-TH" sz="2000" dirty="0">
+              <a:latin typeface="Adobe Garamond Pro" panose="02020502060506020403" pitchFamily="18" charset="0"/>
+            </a:endParaRPr>
+          </a:p>
+        </p:txBody>
+      </p:sp>
+      <p:sp>
+        <p:nvSpPr>
+          <p:cNvPr id="77" name="กล่องข้อความ 76"/>
+          <p:cNvSpPr txBox="1"/>
+          <p:nvPr/>
+        </p:nvSpPr>
+        <p:spPr>
+          <a:xfrm>
+            <a:off x="7122001" y="3652558"/>
+            <a:ext cx="678391" cy="400110"/>
+          </a:xfrm>
+          <a:prstGeom prst="rect">
+            <a:avLst/>
+          </a:prstGeom>
+          <a:noFill/>
+        </p:spPr>
+        <p:txBody>
+          <a:bodyPr wrap="none" rtlCol="0">
+            <a:spAutoFit/>
+          </a:bodyPr>
+          <a:lstStyle/>
+          <a:p>
+            <a:r>
+              <a:rPr lang="en-US" sz="2000" dirty="0">
+                <a:latin typeface="Adobe Garamond Pro" panose="02020502060506020403" pitchFamily="18" charset="0"/>
+              </a:rPr>
+              <a:t>Read</a:t>
+            </a:r>
+            <a:endParaRPr lang="th-TH" dirty="0">
+              <a:latin typeface="Adobe Garamond Pro" panose="02020502060506020403" pitchFamily="18" charset="0"/>
+            </a:endParaRPr>
+          </a:p>
+        </p:txBody>
+      </p:sp>
+      <p:sp>
+        <p:nvSpPr>
+          <p:cNvPr id="23" name="กล่องข้อความ 76">
+            <a:extLst>
+              <a:ext uri="{FF2B5EF4-FFF2-40B4-BE49-F238E27FC236}">
+                <a16:creationId xmlns:a16="http://schemas.microsoft.com/office/drawing/2014/main" id="{EC5D2FA2-4540-434B-9F0F-88F2063561AD}"/>
+              </a:ext>
+            </a:extLst>
+          </p:cNvPr>
+          <p:cNvSpPr txBox="1"/>
+          <p:nvPr/>
+        </p:nvSpPr>
+        <p:spPr>
+          <a:xfrm>
+            <a:off x="6312930" y="2544387"/>
+            <a:ext cx="1744388" cy="400110"/>
+          </a:xfrm>
+          <a:prstGeom prst="rect">
+            <a:avLst/>
+          </a:prstGeom>
+          <a:noFill/>
+        </p:spPr>
+        <p:txBody>
+          <a:bodyPr wrap="none" rtlCol="0">
+            <a:spAutoFit/>
+          </a:bodyPr>
+          <a:lstStyle/>
+          <a:p>
+            <a:r>
+              <a:rPr lang="en-US" sz="2000" dirty="0">
+                <a:latin typeface="Adobe Garamond Pro" panose="02020502060506020403" pitchFamily="18" charset="0"/>
+              </a:rPr>
+              <a:t>Cloud </a:t>
+            </a:r>
+            <a:r>
+              <a:rPr lang="en-US" sz="2000" dirty="0" err="1">
+                <a:latin typeface="Adobe Garamond Pro" panose="02020502060506020403" pitchFamily="18" charset="0"/>
+              </a:rPr>
+              <a:t>Firestore</a:t>
+            </a:r>
+            <a:endParaRPr lang="th-TH" dirty="0">
+              <a:latin typeface="Adobe Garamond Pro" panose="02020502060506020403" pitchFamily="18" charset="0"/>
+            </a:endParaRPr>
+          </a:p>
+        </p:txBody>
+      </p:sp>
+      <p:cxnSp>
+        <p:nvCxnSpPr>
+          <p:cNvPr id="10" name="Straight Arrow Connector 9">
+            <a:extLst>
+              <a:ext uri="{FF2B5EF4-FFF2-40B4-BE49-F238E27FC236}">
+                <a16:creationId xmlns:a16="http://schemas.microsoft.com/office/drawing/2014/main" id="{5C3550D9-1964-43F3-9BE9-896D21D62307}"/>
+              </a:ext>
+            </a:extLst>
+          </p:cNvPr>
+          <p:cNvCxnSpPr>
+            <a:cxnSpLocks/>
+          </p:cNvCxnSpPr>
+          <p:nvPr/>
+        </p:nvCxnSpPr>
+        <p:spPr>
+          <a:xfrm flipV="1">
+            <a:off x="7066070" y="3126806"/>
+            <a:ext cx="0" cy="1596556"/>
+          </a:xfrm>
+          <a:prstGeom prst="straightConnector1">
+            <a:avLst/>
+          </a:prstGeom>
+          <a:ln>
+            <a:tailEnd type="triangle"/>
+          </a:ln>
+        </p:spPr>
+        <p:style>
+          <a:lnRef idx="1">
+            <a:schemeClr val="dk1"/>
+          </a:lnRef>
+          <a:fillRef idx="0">
+            <a:schemeClr val="dk1"/>
+          </a:fillRef>
+          <a:effectRef idx="0">
+            <a:schemeClr val="dk1"/>
+          </a:effectRef>
+          <a:fontRef idx="minor">
+            <a:schemeClr val="tx1"/>
+          </a:fontRef>
+        </p:style>
+      </p:cxnSp>
+      <p:sp>
+        <p:nvSpPr>
+          <p:cNvPr id="25" name="กล่องข้อความ 76">
+            <a:extLst>
+              <a:ext uri="{FF2B5EF4-FFF2-40B4-BE49-F238E27FC236}">
+                <a16:creationId xmlns:a16="http://schemas.microsoft.com/office/drawing/2014/main" id="{BEC76D19-D418-4A06-9D92-DC551B4616F3}"/>
+              </a:ext>
+            </a:extLst>
+          </p:cNvPr>
+          <p:cNvSpPr txBox="1"/>
+          <p:nvPr/>
+        </p:nvSpPr>
+        <p:spPr>
+          <a:xfrm>
+            <a:off x="4909707" y="1804096"/>
+            <a:ext cx="881908" cy="400110"/>
+          </a:xfrm>
+          <a:prstGeom prst="rect">
+            <a:avLst/>
+          </a:prstGeom>
+          <a:noFill/>
+        </p:spPr>
+        <p:txBody>
+          <a:bodyPr wrap="none" rtlCol="0">
+            <a:spAutoFit/>
+          </a:bodyPr>
+          <a:lstStyle/>
+          <a:p>
+            <a:r>
+              <a:rPr lang="en-US" sz="2000" dirty="0">
+                <a:latin typeface="Adobe Garamond Pro" panose="02020502060506020403" pitchFamily="18" charset="0"/>
+              </a:rPr>
+              <a:t>CRUD</a:t>
+            </a:r>
+            <a:endParaRPr lang="th-TH" dirty="0">
+              <a:latin typeface="Adobe Garamond Pro" panose="02020502060506020403" pitchFamily="18" charset="0"/>
+            </a:endParaRPr>
+          </a:p>
+        </p:txBody>
+      </p:sp>
+      <p:pic>
+        <p:nvPicPr>
+          <p:cNvPr id="3" name="Picture 2">
+            <a:extLst>
+              <a:ext uri="{FF2B5EF4-FFF2-40B4-BE49-F238E27FC236}">
+                <a16:creationId xmlns:a16="http://schemas.microsoft.com/office/drawing/2014/main" id="{A52E3CB3-7B71-4DF5-88D7-9B4D8E20B193}"/>
+              </a:ext>
+            </a:extLst>
+          </p:cNvPr>
+          <p:cNvPicPr>
+            <a:picLocks noChangeAspect="1"/>
+          </p:cNvPicPr>
+          <p:nvPr/>
+        </p:nvPicPr>
+        <p:blipFill rotWithShape="1">
+          <a:blip r:embed="rId5"/>
+          <a:srcRect l="6302" t="-1569" r="62957" b="-1"/>
+          <a:stretch/>
+        </p:blipFill>
+        <p:spPr>
+          <a:xfrm>
+            <a:off x="6741595" y="1555462"/>
+            <a:ext cx="887057" cy="897381"/>
+          </a:xfrm>
+          <a:prstGeom prst="rect">
+            <a:avLst/>
+          </a:prstGeom>
+        </p:spPr>
+      </p:pic>
+      <p:cxnSp>
+        <p:nvCxnSpPr>
+          <p:cNvPr id="8" name="Straight Arrow Connector 7">
+            <a:extLst>
+              <a:ext uri="{FF2B5EF4-FFF2-40B4-BE49-F238E27FC236}">
+                <a16:creationId xmlns:a16="http://schemas.microsoft.com/office/drawing/2014/main" id="{6A8C4564-6823-4F4B-BC66-3AB3BE906BDA}"/>
+              </a:ext>
+            </a:extLst>
+          </p:cNvPr>
+          <p:cNvCxnSpPr/>
+          <p:nvPr/>
+        </p:nvCxnSpPr>
+        <p:spPr>
+          <a:xfrm>
+            <a:off x="4416245" y="2304181"/>
+            <a:ext cx="1832460" cy="0"/>
+          </a:xfrm>
+          <a:prstGeom prst="straightConnector1">
+            <a:avLst/>
+          </a:prstGeom>
+          <a:ln w="12700">
+            <a:solidFill>
+              <a:schemeClr val="tx1"/>
+            </a:solidFill>
+            <a:tailEnd type="triangle"/>
+          </a:ln>
+        </p:spPr>
+        <p:style>
+          <a:lnRef idx="1">
+            <a:schemeClr val="accent1"/>
+          </a:lnRef>
+          <a:fillRef idx="0">
+            <a:schemeClr val="accent1"/>
+          </a:fillRef>
+          <a:effectRef idx="0">
+            <a:schemeClr val="accent1"/>
+          </a:effectRef>
+          <a:fontRef idx="minor">
+            <a:schemeClr val="tx1"/>
+          </a:fontRef>
+        </p:style>
+      </p:cxnSp>
+    </p:spTree>
+    <p:extLst>
+      <p:ext uri="{BB962C8B-B14F-4D97-AF65-F5344CB8AC3E}">
+        <p14:creationId xmlns:p14="http://schemas.microsoft.com/office/powerpoint/2010/main" val="1179428157"/>
+      </p:ext>
+    </p:extLst>
+  </p:cSld>
+  <p:clrMapOvr>
+    <a:masterClrMapping/>
+  </p:clrMapOvr>
+</p:sld>
+</file>
+
+<file path=ppt/slides/slide5.xml><?xml version="1.0" encoding="utf-8"?>
+<p:sld xmlns:a="http://schemas.openxmlformats.org/drawingml/2006/main" xmlns:r="http://schemas.openxmlformats.org/officeDocument/2006/relationships" xmlns:p="http://schemas.openxmlformats.org/presentationml/2006/main">
+  <p:cSld>
+    <p:spTree>
+      <p:nvGrpSpPr>
+        <p:cNvPr id="1" name=""/>
+        <p:cNvGrpSpPr/>
+        <p:nvPr/>
+      </p:nvGrpSpPr>
+      <p:grpSpPr>
+        <a:xfrm>
+          <a:off x="0" y="0"/>
+          <a:ext cx="0" cy="0"/>
+          <a:chOff x="0" y="0"/>
+          <a:chExt cx="0" cy="0"/>
+        </a:xfrm>
+      </p:grpSpPr>
+      <p:pic>
+        <p:nvPicPr>
+          <p:cNvPr id="24" name="Picture 23" descr="A screenshot of a cell phone&#10;&#10;Description automatically generated">
+            <a:extLst>
+              <a:ext uri="{FF2B5EF4-FFF2-40B4-BE49-F238E27FC236}">
+                <a16:creationId xmlns:a16="http://schemas.microsoft.com/office/drawing/2014/main" id="{3B551D16-0AB2-45C0-83F6-ED6772BA71C6}"/>
+              </a:ext>
+            </a:extLst>
+          </p:cNvPr>
+          <p:cNvPicPr>
+            <a:picLocks noChangeAspect="1"/>
+          </p:cNvPicPr>
+          <p:nvPr/>
+        </p:nvPicPr>
+        <p:blipFill rotWithShape="1">
+          <a:blip r:embed="rId3">
+            <a:extLst>
+              <a:ext uri="{28A0092B-C50C-407E-A947-70E740481C1C}">
+                <a14:useLocalDpi xmlns:a14="http://schemas.microsoft.com/office/drawing/2010/main" val="0"/>
+              </a:ext>
+            </a:extLst>
+          </a:blip>
+          <a:srcRect l="7232" r="8413"/>
+          <a:stretch/>
+        </p:blipFill>
+        <p:spPr>
+          <a:xfrm>
+            <a:off x="3194020" y="536530"/>
+            <a:ext cx="8675411" cy="5784942"/>
+          </a:xfrm>
+          <a:prstGeom prst="rect">
+            <a:avLst/>
+          </a:prstGeom>
+        </p:spPr>
+      </p:pic>
+      <p:pic>
+        <p:nvPicPr>
+          <p:cNvPr id="6" name="รูปภาพ 5"/>
+          <p:cNvPicPr>
+            <a:picLocks noChangeAspect="1"/>
+          </p:cNvPicPr>
+          <p:nvPr/>
+        </p:nvPicPr>
+        <p:blipFill>
+          <a:blip r:embed="rId4" cstate="print">
+            <a:extLst>
+              <a:ext uri="{28A0092B-C50C-407E-A947-70E740481C1C}">
+                <a14:useLocalDpi xmlns:a14="http://schemas.microsoft.com/office/drawing/2010/main" val="0"/>
+              </a:ext>
+            </a:extLst>
+          </a:blip>
+          <a:stretch>
+            <a:fillRect/>
+          </a:stretch>
+        </p:blipFill>
+        <p:spPr>
+          <a:xfrm>
             <a:off x="7883797" y="5482324"/>
             <a:ext cx="1020580" cy="1020580"/>
           </a:xfrm>
@@ -4936,7 +7538,7 @@
         <p:spPr>
           <a:xfrm>
             <a:off x="8075570" y="6473876"/>
-            <a:ext cx="718466" cy="400110"/>
+            <a:ext cx="739305" cy="400110"/>
           </a:xfrm>
           <a:prstGeom prst="rect">
             <a:avLst/>
@@ -4975,7 +7577,7 @@
         </p:nvCxnSpPr>
         <p:spPr>
           <a:xfrm flipH="1" flipV="1">
-            <a:off x="7100025" y="5623242"/>
+            <a:off x="7100025" y="5623243"/>
             <a:ext cx="3622" cy="501921"/>
           </a:xfrm>
           <a:prstGeom prst="straightConnector1">
@@ -5013,7 +7615,7 @@
         </p:nvCxnSpPr>
         <p:spPr>
           <a:xfrm>
-            <a:off x="7100025" y="6118632"/>
+            <a:off x="7100025" y="6118633"/>
             <a:ext cx="783772" cy="6531"/>
           </a:xfrm>
           <a:prstGeom prst="line">
@@ -5115,7 +7717,7 @@
         <p:spPr>
           <a:xfrm>
             <a:off x="614216" y="2749847"/>
-            <a:ext cx="1895071" cy="400110"/>
+            <a:ext cx="1903085" cy="400110"/>
           </a:xfrm>
           <a:prstGeom prst="rect">
             <a:avLst/>
@@ -5250,7 +7852,7 @@
 </p:sld>
 </file>
 
-<file path=ppt/slides/slide4.xml><?xml version="1.0" encoding="utf-8"?>
+<file path=ppt/slides/slide6.xml><?xml version="1.0" encoding="utf-8"?>
 <p:sld xmlns:a="http://schemas.openxmlformats.org/drawingml/2006/main" xmlns:r="http://schemas.openxmlformats.org/officeDocument/2006/relationships" xmlns:p="http://schemas.openxmlformats.org/presentationml/2006/main">
   <p:cSld>
     <p:spTree>
@@ -5267,6 +7869,870 @@
           <a:chExt cx="0" cy="0"/>
         </a:xfrm>
       </p:grpSpPr>
+      <p:pic>
+        <p:nvPicPr>
+          <p:cNvPr id="18" name="Picture 17" descr="A screenshot of a cell phone&#10;&#10;Description automatically generated">
+            <a:extLst>
+              <a:ext uri="{FF2B5EF4-FFF2-40B4-BE49-F238E27FC236}">
+                <a16:creationId xmlns:a16="http://schemas.microsoft.com/office/drawing/2014/main" id="{A276D42C-656F-4DD1-B172-9CD2FB394FE9}"/>
+              </a:ext>
+            </a:extLst>
+          </p:cNvPr>
+          <p:cNvPicPr>
+            <a:picLocks noChangeAspect="1"/>
+          </p:cNvPicPr>
+          <p:nvPr/>
+        </p:nvPicPr>
+        <p:blipFill rotWithShape="1">
+          <a:blip r:embed="rId3">
+            <a:extLst>
+              <a:ext uri="{28A0092B-C50C-407E-A947-70E740481C1C}">
+                <a14:useLocalDpi xmlns:a14="http://schemas.microsoft.com/office/drawing/2010/main" val="0"/>
+              </a:ext>
+            </a:extLst>
+          </a:blip>
+          <a:srcRect l="15030" t="17974" r="9100" b="14024"/>
+          <a:stretch/>
+        </p:blipFill>
+        <p:spPr>
+          <a:xfrm>
+            <a:off x="1644193" y="1178607"/>
+            <a:ext cx="9250143" cy="4663565"/>
+          </a:xfrm>
+          <a:prstGeom prst="rect">
+            <a:avLst/>
+          </a:prstGeom>
+        </p:spPr>
+      </p:pic>
+      <p:pic>
+        <p:nvPicPr>
+          <p:cNvPr id="6" name="รูปภาพ 5"/>
+          <p:cNvPicPr>
+            <a:picLocks noChangeAspect="1"/>
+          </p:cNvPicPr>
+          <p:nvPr/>
+        </p:nvPicPr>
+        <p:blipFill>
+          <a:blip r:embed="rId4" cstate="print">
+            <a:extLst>
+              <a:ext uri="{28A0092B-C50C-407E-A947-70E740481C1C}">
+                <a14:useLocalDpi xmlns:a14="http://schemas.microsoft.com/office/drawing/2010/main" val="0"/>
+              </a:ext>
+            </a:extLst>
+          </a:blip>
+          <a:stretch>
+            <a:fillRect/>
+          </a:stretch>
+        </p:blipFill>
+        <p:spPr>
+          <a:xfrm>
+            <a:off x="9580991" y="927524"/>
+            <a:ext cx="1020580" cy="1020580"/>
+          </a:xfrm>
+          <a:prstGeom prst="rect">
+            <a:avLst/>
+          </a:prstGeom>
+        </p:spPr>
+      </p:pic>
+      <p:sp>
+        <p:nvSpPr>
+          <p:cNvPr id="7" name="กล่องข้อความ 6"/>
+          <p:cNvSpPr txBox="1"/>
+          <p:nvPr/>
+        </p:nvSpPr>
+        <p:spPr>
+          <a:xfrm>
+            <a:off x="9780871" y="1982374"/>
+            <a:ext cx="651140" cy="400110"/>
+          </a:xfrm>
+          <a:prstGeom prst="rect">
+            <a:avLst/>
+          </a:prstGeom>
+          <a:noFill/>
+        </p:spPr>
+        <p:txBody>
+          <a:bodyPr wrap="none" rtlCol="0">
+            <a:spAutoFit/>
+          </a:bodyPr>
+          <a:lstStyle/>
+          <a:p>
+            <a:r>
+              <a:rPr lang="en-US" sz="2000" dirty="0">
+                <a:latin typeface="Adobe Garamond Pro" panose="02020502060506020403"/>
+                <a:ea typeface="Adobe Gothic Std B" panose="020B0800000000000000" pitchFamily="34" charset="-128"/>
+                <a:cs typeface="JasmineUPC" panose="02020603050405020304" pitchFamily="18" charset="-34"/>
+              </a:rPr>
+              <a:t>User</a:t>
+            </a:r>
+            <a:endParaRPr lang="th-TH" sz="2000" dirty="0">
+              <a:latin typeface="Adobe Garamond Pro" panose="02020502060506020403"/>
+              <a:ea typeface="Adobe Gothic Std B" panose="020B0800000000000000" pitchFamily="34" charset="-128"/>
+              <a:cs typeface="JasmineUPC" panose="02020603050405020304" pitchFamily="18" charset="-34"/>
+            </a:endParaRPr>
+          </a:p>
+        </p:txBody>
+      </p:sp>
+      <p:sp>
+        <p:nvSpPr>
+          <p:cNvPr id="16" name="กล่องข้อความ 15"/>
+          <p:cNvSpPr txBox="1"/>
+          <p:nvPr/>
+        </p:nvSpPr>
+        <p:spPr>
+          <a:xfrm>
+            <a:off x="10091281" y="3176061"/>
+            <a:ext cx="610820" cy="400110"/>
+          </a:xfrm>
+          <a:prstGeom prst="rect">
+            <a:avLst/>
+          </a:prstGeom>
+          <a:noFill/>
+        </p:spPr>
+        <p:txBody>
+          <a:bodyPr wrap="square" rtlCol="0">
+            <a:spAutoFit/>
+          </a:bodyPr>
+          <a:lstStyle/>
+          <a:p>
+            <a:r>
+              <a:rPr lang="en-US" sz="2000" dirty="0">
+                <a:latin typeface="Adobe Garamond Pro" panose="02020502060506020403" pitchFamily="18" charset="0"/>
+                <a:cs typeface="JasmineUPC" panose="02020603050405020304" pitchFamily="18" charset="-34"/>
+              </a:rPr>
+              <a:t>Use</a:t>
+            </a:r>
+            <a:endParaRPr lang="th-TH" sz="2000" dirty="0">
+              <a:latin typeface="Adobe Garamond Pro" panose="02020502060506020403" pitchFamily="18" charset="0"/>
+              <a:cs typeface="JasmineUPC" panose="02020603050405020304" pitchFamily="18" charset="-34"/>
+            </a:endParaRPr>
+          </a:p>
+        </p:txBody>
+      </p:sp>
+      <p:pic>
+        <p:nvPicPr>
+          <p:cNvPr id="2" name="รูปภาพ 1"/>
+          <p:cNvPicPr>
+            <a:picLocks noChangeAspect="1"/>
+          </p:cNvPicPr>
+          <p:nvPr/>
+        </p:nvPicPr>
+        <p:blipFill>
+          <a:blip r:embed="rId5" cstate="print">
+            <a:extLst>
+              <a:ext uri="{28A0092B-C50C-407E-A947-70E740481C1C}">
+                <a14:useLocalDpi xmlns:a14="http://schemas.microsoft.com/office/drawing/2010/main" val="0"/>
+              </a:ext>
+            </a:extLst>
+          </a:blip>
+          <a:stretch>
+            <a:fillRect/>
+          </a:stretch>
+        </p:blipFill>
+        <p:spPr>
+          <a:xfrm>
+            <a:off x="2096090" y="4564546"/>
+            <a:ext cx="1390608" cy="1083715"/>
+          </a:xfrm>
+          <a:prstGeom prst="rect">
+            <a:avLst/>
+          </a:prstGeom>
+        </p:spPr>
+      </p:pic>
+      <p:sp>
+        <p:nvSpPr>
+          <p:cNvPr id="3" name="สี่เหลี่ยมผืนผ้า 2"/>
+          <p:cNvSpPr/>
+          <p:nvPr/>
+        </p:nvSpPr>
+        <p:spPr>
+          <a:xfrm>
+            <a:off x="1972965" y="5696156"/>
+            <a:ext cx="1636858" cy="400110"/>
+          </a:xfrm>
+          <a:prstGeom prst="rect">
+            <a:avLst/>
+          </a:prstGeom>
+        </p:spPr>
+        <p:txBody>
+          <a:bodyPr wrap="none">
+            <a:spAutoFit/>
+          </a:bodyPr>
+          <a:lstStyle/>
+          <a:p>
+            <a:r>
+              <a:rPr lang="en-US" sz="2000" dirty="0" err="1">
+                <a:latin typeface="Adobe Garamond Pro" panose="02020502060506020403"/>
+                <a:ea typeface="Adobe Gothic Std B" panose="020B0800000000000000" pitchFamily="34" charset="-128"/>
+              </a:rPr>
+              <a:t>F</a:t>
+            </a:r>
+            <a:r>
+              <a:rPr lang="th-TH" sz="2000" dirty="0" err="1">
+                <a:latin typeface="Adobe Garamond Pro" panose="02020502060506020403"/>
+                <a:ea typeface="Adobe Gothic Std B" panose="020B0800000000000000" pitchFamily="34" charset="-128"/>
+              </a:rPr>
+              <a:t>armer</a:t>
+            </a:r>
+            <a:r>
+              <a:rPr lang="th-TH" sz="2000" dirty="0">
+                <a:latin typeface="Adobe Garamond Pro" panose="02020502060506020403"/>
+                <a:ea typeface="Adobe Gothic Std B" panose="020B0800000000000000" pitchFamily="34" charset="-128"/>
+              </a:rPr>
+              <a:t> </a:t>
+            </a:r>
+            <a:r>
+              <a:rPr lang="en-US" sz="2000" dirty="0" err="1">
+                <a:latin typeface="Adobe Garamond Pro" panose="02020502060506020403"/>
+                <a:ea typeface="Adobe Gothic Std B" panose="020B0800000000000000" pitchFamily="34" charset="-128"/>
+              </a:rPr>
+              <a:t>L</a:t>
+            </a:r>
+            <a:r>
+              <a:rPr lang="th-TH" sz="2000" dirty="0" err="1">
+                <a:latin typeface="Adobe Garamond Pro" panose="02020502060506020403"/>
+                <a:ea typeface="Adobe Gothic Std B" panose="020B0800000000000000" pitchFamily="34" charset="-128"/>
+              </a:rPr>
+              <a:t>eader</a:t>
+            </a:r>
+            <a:endParaRPr lang="th-TH" sz="2000" dirty="0">
+              <a:latin typeface="Adobe Garamond Pro" panose="02020502060506020403"/>
+              <a:ea typeface="Adobe Gothic Std B" panose="020B0800000000000000" pitchFamily="34" charset="-128"/>
+            </a:endParaRPr>
+          </a:p>
+        </p:txBody>
+      </p:sp>
+      <p:sp>
+        <p:nvSpPr>
+          <p:cNvPr id="8" name="สี่เหลี่ยมผืนผ้า 7"/>
+          <p:cNvSpPr/>
+          <p:nvPr/>
+        </p:nvSpPr>
+        <p:spPr>
+          <a:xfrm>
+            <a:off x="1817100" y="3392125"/>
+            <a:ext cx="906915" cy="400110"/>
+          </a:xfrm>
+          <a:prstGeom prst="rect">
+            <a:avLst/>
+          </a:prstGeom>
+        </p:spPr>
+        <p:txBody>
+          <a:bodyPr wrap="square">
+            <a:spAutoFit/>
+          </a:bodyPr>
+          <a:lstStyle/>
+          <a:p>
+            <a:r>
+              <a:rPr lang="en-US" sz="2000" dirty="0">
+                <a:latin typeface="Adobe Garamond Pro" panose="02020502060506020403" pitchFamily="18" charset="0"/>
+              </a:rPr>
+              <a:t>Fill out</a:t>
+            </a:r>
+          </a:p>
+        </p:txBody>
+      </p:sp>
+      <p:cxnSp>
+        <p:nvCxnSpPr>
+          <p:cNvPr id="11" name="Straight Arrow Connector 10">
+            <a:extLst>
+              <a:ext uri="{FF2B5EF4-FFF2-40B4-BE49-F238E27FC236}">
+                <a16:creationId xmlns:a16="http://schemas.microsoft.com/office/drawing/2014/main" id="{FAC6DBC2-B9F1-4B92-82ED-5BECCCCA2927}"/>
+              </a:ext>
+            </a:extLst>
+          </p:cNvPr>
+          <p:cNvCxnSpPr/>
+          <p:nvPr/>
+        </p:nvCxnSpPr>
+        <p:spPr>
+          <a:xfrm>
+            <a:off x="10066330" y="2383345"/>
+            <a:ext cx="0" cy="1985543"/>
+          </a:xfrm>
+          <a:prstGeom prst="straightConnector1">
+            <a:avLst/>
+          </a:prstGeom>
+          <a:ln w="12700">
+            <a:solidFill>
+              <a:schemeClr val="tx1"/>
+            </a:solidFill>
+            <a:tailEnd type="triangle"/>
+          </a:ln>
+        </p:spPr>
+        <p:style>
+          <a:lnRef idx="1">
+            <a:schemeClr val="accent1"/>
+          </a:lnRef>
+          <a:fillRef idx="0">
+            <a:schemeClr val="accent1"/>
+          </a:fillRef>
+          <a:effectRef idx="0">
+            <a:schemeClr val="accent1"/>
+          </a:effectRef>
+          <a:fontRef idx="minor">
+            <a:schemeClr val="tx1"/>
+          </a:fontRef>
+        </p:style>
+      </p:cxnSp>
+      <p:cxnSp>
+        <p:nvCxnSpPr>
+          <p:cNvPr id="14" name="Straight Arrow Connector 13">
+            <a:extLst>
+              <a:ext uri="{FF2B5EF4-FFF2-40B4-BE49-F238E27FC236}">
+                <a16:creationId xmlns:a16="http://schemas.microsoft.com/office/drawing/2014/main" id="{05448465-D2F7-419B-B4AB-0694053EB1DA}"/>
+              </a:ext>
+            </a:extLst>
+          </p:cNvPr>
+          <p:cNvCxnSpPr/>
+          <p:nvPr/>
+        </p:nvCxnSpPr>
+        <p:spPr>
+          <a:xfrm flipV="1">
+            <a:off x="2736490" y="2818180"/>
+            <a:ext cx="0" cy="1548000"/>
+          </a:xfrm>
+          <a:prstGeom prst="straightConnector1">
+            <a:avLst/>
+          </a:prstGeom>
+          <a:ln w="12700">
+            <a:solidFill>
+              <a:schemeClr val="tx1"/>
+            </a:solidFill>
+            <a:tailEnd type="triangle"/>
+          </a:ln>
+        </p:spPr>
+        <p:style>
+          <a:lnRef idx="1">
+            <a:schemeClr val="accent1"/>
+          </a:lnRef>
+          <a:fillRef idx="0">
+            <a:schemeClr val="accent1"/>
+          </a:fillRef>
+          <a:effectRef idx="0">
+            <a:schemeClr val="accent1"/>
+          </a:effectRef>
+          <a:fontRef idx="minor">
+            <a:schemeClr val="tx1"/>
+          </a:fontRef>
+        </p:style>
+      </p:cxnSp>
+    </p:spTree>
+    <p:extLst>
+      <p:ext uri="{BB962C8B-B14F-4D97-AF65-F5344CB8AC3E}">
+        <p14:creationId xmlns:p14="http://schemas.microsoft.com/office/powerpoint/2010/main" val="186423966"/>
+      </p:ext>
+    </p:extLst>
+  </p:cSld>
+  <p:clrMapOvr>
+    <a:masterClrMapping/>
+  </p:clrMapOvr>
+</p:sld>
+</file>
+
+<file path=ppt/slides/slide7.xml><?xml version="1.0" encoding="utf-8"?>
+<p:sld xmlns:a="http://schemas.openxmlformats.org/drawingml/2006/main" xmlns:r="http://schemas.openxmlformats.org/officeDocument/2006/relationships" xmlns:p="http://schemas.openxmlformats.org/presentationml/2006/main">
+  <p:cSld>
+    <p:spTree>
+      <p:nvGrpSpPr>
+        <p:cNvPr id="1" name=""/>
+        <p:cNvGrpSpPr/>
+        <p:nvPr/>
+      </p:nvGrpSpPr>
+      <p:grpSpPr>
+        <a:xfrm>
+          <a:off x="0" y="0"/>
+          <a:ext cx="0" cy="0"/>
+          <a:chOff x="0" y="0"/>
+          <a:chExt cx="0" cy="0"/>
+        </a:xfrm>
+      </p:grpSpPr>
+      <p:pic>
+        <p:nvPicPr>
+          <p:cNvPr id="9" name="Picture 8" descr="A screenshot of a cell phone&#10;&#10;Description automatically generated">
+            <a:extLst>
+              <a:ext uri="{FF2B5EF4-FFF2-40B4-BE49-F238E27FC236}">
+                <a16:creationId xmlns:a16="http://schemas.microsoft.com/office/drawing/2014/main" id="{0681B3CB-828D-4F34-BF8F-0394A0A46501}"/>
+              </a:ext>
+            </a:extLst>
+          </p:cNvPr>
+          <p:cNvPicPr>
+            <a:picLocks noChangeAspect="1"/>
+          </p:cNvPicPr>
+          <p:nvPr/>
+        </p:nvPicPr>
+        <p:blipFill rotWithShape="1">
+          <a:blip r:embed="rId3">
+            <a:extLst>
+              <a:ext uri="{28A0092B-C50C-407E-A947-70E740481C1C}">
+                <a14:useLocalDpi xmlns:a14="http://schemas.microsoft.com/office/drawing/2010/main" val="0"/>
+              </a:ext>
+            </a:extLst>
+          </a:blip>
+          <a:srcRect l="15713" t="18826" r="9920" b="14373"/>
+          <a:stretch/>
+        </p:blipFill>
+        <p:spPr>
+          <a:xfrm>
+            <a:off x="2117659" y="2348282"/>
+            <a:ext cx="7663421" cy="3872082"/>
+          </a:xfrm>
+          <a:prstGeom prst="rect">
+            <a:avLst/>
+          </a:prstGeom>
+        </p:spPr>
+      </p:pic>
+      <p:pic>
+        <p:nvPicPr>
+          <p:cNvPr id="6" name="รูปภาพ 5"/>
+          <p:cNvPicPr>
+            <a:picLocks noChangeAspect="1"/>
+          </p:cNvPicPr>
+          <p:nvPr/>
+        </p:nvPicPr>
+        <p:blipFill>
+          <a:blip r:embed="rId4" cstate="print">
+            <a:extLst>
+              <a:ext uri="{28A0092B-C50C-407E-A947-70E740481C1C}">
+                <a14:useLocalDpi xmlns:a14="http://schemas.microsoft.com/office/drawing/2010/main" val="0"/>
+              </a:ext>
+            </a:extLst>
+          </a:blip>
+          <a:stretch>
+            <a:fillRect/>
+          </a:stretch>
+        </p:blipFill>
+        <p:spPr>
+          <a:xfrm>
+            <a:off x="8606439" y="1566645"/>
+            <a:ext cx="1020580" cy="1020580"/>
+          </a:xfrm>
+          <a:prstGeom prst="rect">
+            <a:avLst/>
+          </a:prstGeom>
+        </p:spPr>
+      </p:pic>
+      <p:sp>
+        <p:nvSpPr>
+          <p:cNvPr id="7" name="กล่องข้อความ 6"/>
+          <p:cNvSpPr txBox="1"/>
+          <p:nvPr/>
+        </p:nvSpPr>
+        <p:spPr>
+          <a:xfrm>
+            <a:off x="8791159" y="2562825"/>
+            <a:ext cx="651140" cy="400110"/>
+          </a:xfrm>
+          <a:prstGeom prst="rect">
+            <a:avLst/>
+          </a:prstGeom>
+          <a:noFill/>
+        </p:spPr>
+        <p:txBody>
+          <a:bodyPr wrap="none" rtlCol="0">
+            <a:spAutoFit/>
+          </a:bodyPr>
+          <a:lstStyle/>
+          <a:p>
+            <a:r>
+              <a:rPr lang="en-US" sz="2000" dirty="0">
+                <a:latin typeface="Adobe Garamond Pro" panose="02020502060506020403"/>
+                <a:ea typeface="Adobe Gothic Std B" panose="020B0800000000000000" pitchFamily="34" charset="-128"/>
+                <a:cs typeface="JasmineUPC" panose="02020603050405020304" pitchFamily="18" charset="-34"/>
+              </a:rPr>
+              <a:t>User</a:t>
+            </a:r>
+            <a:endParaRPr lang="th-TH" sz="2000" dirty="0">
+              <a:latin typeface="Adobe Garamond Pro" panose="02020502060506020403"/>
+              <a:ea typeface="Adobe Gothic Std B" panose="020B0800000000000000" pitchFamily="34" charset="-128"/>
+              <a:cs typeface="JasmineUPC" panose="02020603050405020304" pitchFamily="18" charset="-34"/>
+            </a:endParaRPr>
+          </a:p>
+        </p:txBody>
+      </p:sp>
+      <p:sp>
+        <p:nvSpPr>
+          <p:cNvPr id="16" name="กล่องข้อความ 15"/>
+          <p:cNvSpPr txBox="1"/>
+          <p:nvPr/>
+        </p:nvSpPr>
+        <p:spPr>
+          <a:xfrm>
+            <a:off x="9143495" y="3763601"/>
+            <a:ext cx="610820" cy="400110"/>
+          </a:xfrm>
+          <a:prstGeom prst="rect">
+            <a:avLst/>
+          </a:prstGeom>
+          <a:noFill/>
+        </p:spPr>
+        <p:txBody>
+          <a:bodyPr wrap="square" rtlCol="0">
+            <a:spAutoFit/>
+          </a:bodyPr>
+          <a:lstStyle/>
+          <a:p>
+            <a:r>
+              <a:rPr lang="en-US" sz="2000" dirty="0">
+                <a:latin typeface="Adobe Garamond Pro" panose="02020502060506020403" pitchFamily="18" charset="0"/>
+                <a:cs typeface="JasmineUPC" panose="02020603050405020304" pitchFamily="18" charset="-34"/>
+              </a:rPr>
+              <a:t>Use</a:t>
+            </a:r>
+            <a:endParaRPr lang="th-TH" sz="2000" dirty="0">
+              <a:latin typeface="Adobe Garamond Pro" panose="02020502060506020403" pitchFamily="18" charset="0"/>
+              <a:cs typeface="JasmineUPC" panose="02020603050405020304" pitchFamily="18" charset="-34"/>
+            </a:endParaRPr>
+          </a:p>
+        </p:txBody>
+      </p:sp>
+      <p:pic>
+        <p:nvPicPr>
+          <p:cNvPr id="2" name="รูปภาพ 1"/>
+          <p:cNvPicPr>
+            <a:picLocks noChangeAspect="1"/>
+          </p:cNvPicPr>
+          <p:nvPr/>
+        </p:nvPicPr>
+        <p:blipFill>
+          <a:blip r:embed="rId5" cstate="print">
+            <a:extLst>
+              <a:ext uri="{28A0092B-C50C-407E-A947-70E740481C1C}">
+                <a14:useLocalDpi xmlns:a14="http://schemas.microsoft.com/office/drawing/2010/main" val="0"/>
+              </a:ext>
+            </a:extLst>
+          </a:blip>
+          <a:stretch>
+            <a:fillRect/>
+          </a:stretch>
+        </p:blipFill>
+        <p:spPr>
+          <a:xfrm>
+            <a:off x="2285788" y="5182245"/>
+            <a:ext cx="1390608" cy="1083715"/>
+          </a:xfrm>
+          <a:prstGeom prst="rect">
+            <a:avLst/>
+          </a:prstGeom>
+        </p:spPr>
+      </p:pic>
+      <p:sp>
+        <p:nvSpPr>
+          <p:cNvPr id="3" name="สี่เหลี่ยมผืนผ้า 2"/>
+          <p:cNvSpPr/>
+          <p:nvPr/>
+        </p:nvSpPr>
+        <p:spPr>
+          <a:xfrm>
+            <a:off x="2162663" y="6313855"/>
+            <a:ext cx="1636858" cy="400110"/>
+          </a:xfrm>
+          <a:prstGeom prst="rect">
+            <a:avLst/>
+          </a:prstGeom>
+        </p:spPr>
+        <p:txBody>
+          <a:bodyPr wrap="none">
+            <a:spAutoFit/>
+          </a:bodyPr>
+          <a:lstStyle/>
+          <a:p>
+            <a:r>
+              <a:rPr lang="en-US" sz="2000" dirty="0" err="1">
+                <a:latin typeface="Adobe Garamond Pro" panose="02020502060506020403"/>
+                <a:ea typeface="Adobe Gothic Std B" panose="020B0800000000000000" pitchFamily="34" charset="-128"/>
+              </a:rPr>
+              <a:t>F</a:t>
+            </a:r>
+            <a:r>
+              <a:rPr lang="th-TH" sz="2000" dirty="0" err="1">
+                <a:latin typeface="Adobe Garamond Pro" panose="02020502060506020403"/>
+                <a:ea typeface="Adobe Gothic Std B" panose="020B0800000000000000" pitchFamily="34" charset="-128"/>
+              </a:rPr>
+              <a:t>armer</a:t>
+            </a:r>
+            <a:r>
+              <a:rPr lang="th-TH" sz="2000" dirty="0">
+                <a:latin typeface="Adobe Garamond Pro" panose="02020502060506020403"/>
+                <a:ea typeface="Adobe Gothic Std B" panose="020B0800000000000000" pitchFamily="34" charset="-128"/>
+              </a:rPr>
+              <a:t> </a:t>
+            </a:r>
+            <a:r>
+              <a:rPr lang="en-US" sz="2000" dirty="0" err="1">
+                <a:latin typeface="Adobe Garamond Pro" panose="02020502060506020403"/>
+                <a:ea typeface="Adobe Gothic Std B" panose="020B0800000000000000" pitchFamily="34" charset="-128"/>
+              </a:rPr>
+              <a:t>L</a:t>
+            </a:r>
+            <a:r>
+              <a:rPr lang="th-TH" sz="2000" dirty="0" err="1">
+                <a:latin typeface="Adobe Garamond Pro" panose="02020502060506020403"/>
+                <a:ea typeface="Adobe Gothic Std B" panose="020B0800000000000000" pitchFamily="34" charset="-128"/>
+              </a:rPr>
+              <a:t>eader</a:t>
+            </a:r>
+            <a:endParaRPr lang="th-TH" sz="2000" dirty="0">
+              <a:latin typeface="Adobe Garamond Pro" panose="02020502060506020403"/>
+              <a:ea typeface="Adobe Gothic Std B" panose="020B0800000000000000" pitchFamily="34" charset="-128"/>
+            </a:endParaRPr>
+          </a:p>
+        </p:txBody>
+      </p:sp>
+      <p:sp>
+        <p:nvSpPr>
+          <p:cNvPr id="8" name="สี่เหลี่ยมผืนผ้า 7"/>
+          <p:cNvSpPr/>
+          <p:nvPr/>
+        </p:nvSpPr>
+        <p:spPr>
+          <a:xfrm>
+            <a:off x="1979618" y="4192525"/>
+            <a:ext cx="906915" cy="400110"/>
+          </a:xfrm>
+          <a:prstGeom prst="rect">
+            <a:avLst/>
+          </a:prstGeom>
+        </p:spPr>
+        <p:txBody>
+          <a:bodyPr wrap="square">
+            <a:spAutoFit/>
+          </a:bodyPr>
+          <a:lstStyle/>
+          <a:p>
+            <a:r>
+              <a:rPr lang="en-US" sz="2000" dirty="0">
+                <a:latin typeface="Adobe Garamond Pro" panose="02020502060506020403" pitchFamily="18" charset="0"/>
+              </a:rPr>
+              <a:t>Fill out</a:t>
+            </a:r>
+          </a:p>
+        </p:txBody>
+      </p:sp>
+      <p:cxnSp>
+        <p:nvCxnSpPr>
+          <p:cNvPr id="11" name="Straight Arrow Connector 10">
+            <a:extLst>
+              <a:ext uri="{FF2B5EF4-FFF2-40B4-BE49-F238E27FC236}">
+                <a16:creationId xmlns:a16="http://schemas.microsoft.com/office/drawing/2014/main" id="{FAC6DBC2-B9F1-4B92-82ED-5BECCCCA2927}"/>
+              </a:ext>
+            </a:extLst>
+          </p:cNvPr>
+          <p:cNvCxnSpPr/>
+          <p:nvPr/>
+        </p:nvCxnSpPr>
+        <p:spPr>
+          <a:xfrm>
+            <a:off x="9116729" y="2970885"/>
+            <a:ext cx="0" cy="1985543"/>
+          </a:xfrm>
+          <a:prstGeom prst="straightConnector1">
+            <a:avLst/>
+          </a:prstGeom>
+          <a:ln w="12700">
+            <a:solidFill>
+              <a:schemeClr val="tx1"/>
+            </a:solidFill>
+            <a:tailEnd type="triangle"/>
+          </a:ln>
+        </p:spPr>
+        <p:style>
+          <a:lnRef idx="1">
+            <a:schemeClr val="accent1"/>
+          </a:lnRef>
+          <a:fillRef idx="0">
+            <a:schemeClr val="accent1"/>
+          </a:fillRef>
+          <a:effectRef idx="0">
+            <a:schemeClr val="accent1"/>
+          </a:effectRef>
+          <a:fontRef idx="minor">
+            <a:schemeClr val="tx1"/>
+          </a:fontRef>
+        </p:style>
+      </p:cxnSp>
+      <p:cxnSp>
+        <p:nvCxnSpPr>
+          <p:cNvPr id="14" name="Straight Arrow Connector 13">
+            <a:extLst>
+              <a:ext uri="{FF2B5EF4-FFF2-40B4-BE49-F238E27FC236}">
+                <a16:creationId xmlns:a16="http://schemas.microsoft.com/office/drawing/2014/main" id="{05448465-D2F7-419B-B4AB-0694053EB1DA}"/>
+              </a:ext>
+            </a:extLst>
+          </p:cNvPr>
+          <p:cNvCxnSpPr/>
+          <p:nvPr/>
+        </p:nvCxnSpPr>
+        <p:spPr>
+          <a:xfrm flipV="1">
+            <a:off x="2889195" y="3708580"/>
+            <a:ext cx="0" cy="1368000"/>
+          </a:xfrm>
+          <a:prstGeom prst="straightConnector1">
+            <a:avLst/>
+          </a:prstGeom>
+          <a:ln w="12700">
+            <a:solidFill>
+              <a:schemeClr val="tx1"/>
+            </a:solidFill>
+            <a:tailEnd type="triangle"/>
+          </a:ln>
+        </p:spPr>
+        <p:style>
+          <a:lnRef idx="1">
+            <a:schemeClr val="accent1"/>
+          </a:lnRef>
+          <a:fillRef idx="0">
+            <a:schemeClr val="accent1"/>
+          </a:fillRef>
+          <a:effectRef idx="0">
+            <a:schemeClr val="accent1"/>
+          </a:effectRef>
+          <a:fontRef idx="minor">
+            <a:schemeClr val="tx1"/>
+          </a:fontRef>
+        </p:style>
+      </p:cxnSp>
+      <p:pic>
+        <p:nvPicPr>
+          <p:cNvPr id="13" name="รูปภาพ 85">
+            <a:extLst>
+              <a:ext uri="{FF2B5EF4-FFF2-40B4-BE49-F238E27FC236}">
+                <a16:creationId xmlns:a16="http://schemas.microsoft.com/office/drawing/2014/main" id="{C6462F08-6030-41C4-80A5-8E9DD26BD469}"/>
+              </a:ext>
+            </a:extLst>
+          </p:cNvPr>
+          <p:cNvPicPr>
+            <a:picLocks noChangeAspect="1"/>
+          </p:cNvPicPr>
+          <p:nvPr/>
+        </p:nvPicPr>
+        <p:blipFill rotWithShape="1">
+          <a:blip r:embed="rId6"/>
+          <a:srcRect l="7436" t="19949" r="8127" b="17438"/>
+          <a:stretch/>
+        </p:blipFill>
+        <p:spPr>
+          <a:xfrm>
+            <a:off x="4516006" y="374900"/>
+            <a:ext cx="2866726" cy="965326"/>
+          </a:xfrm>
+          <a:prstGeom prst="rect">
+            <a:avLst/>
+          </a:prstGeom>
+        </p:spPr>
+      </p:pic>
+      <p:cxnSp>
+        <p:nvCxnSpPr>
+          <p:cNvPr id="12" name="Connector: Elbow 11">
+            <a:extLst>
+              <a:ext uri="{FF2B5EF4-FFF2-40B4-BE49-F238E27FC236}">
+                <a16:creationId xmlns:a16="http://schemas.microsoft.com/office/drawing/2014/main" id="{41861F2C-0CD6-4A09-9630-B11216ACE6F3}"/>
+              </a:ext>
+            </a:extLst>
+          </p:cNvPr>
+          <p:cNvCxnSpPr>
+            <a:cxnSpLocks/>
+            <a:endCxn id="13" idx="1"/>
+          </p:cNvCxnSpPr>
+          <p:nvPr/>
+        </p:nvCxnSpPr>
+        <p:spPr>
+          <a:xfrm flipV="1">
+            <a:off x="2886533" y="857563"/>
+            <a:ext cx="1629473" cy="1442824"/>
+          </a:xfrm>
+          <a:prstGeom prst="bentConnector3">
+            <a:avLst>
+              <a:gd name="adj1" fmla="val 314"/>
+            </a:avLst>
+          </a:prstGeom>
+          <a:ln w="12700">
+            <a:solidFill>
+              <a:schemeClr val="tx1"/>
+            </a:solidFill>
+            <a:tailEnd type="triangle"/>
+          </a:ln>
+        </p:spPr>
+        <p:style>
+          <a:lnRef idx="1">
+            <a:schemeClr val="accent1"/>
+          </a:lnRef>
+          <a:fillRef idx="0">
+            <a:schemeClr val="accent1"/>
+          </a:fillRef>
+          <a:effectRef idx="0">
+            <a:schemeClr val="accent1"/>
+          </a:effectRef>
+          <a:fontRef idx="minor">
+            <a:schemeClr val="tx1"/>
+          </a:fontRef>
+        </p:style>
+      </p:cxnSp>
+      <p:sp>
+        <p:nvSpPr>
+          <p:cNvPr id="27" name="สี่เหลี่ยมผืนผ้า 7">
+            <a:extLst>
+              <a:ext uri="{FF2B5EF4-FFF2-40B4-BE49-F238E27FC236}">
+                <a16:creationId xmlns:a16="http://schemas.microsoft.com/office/drawing/2014/main" id="{5E5C1B51-662E-475C-AE96-4CE94E0D7C4B}"/>
+              </a:ext>
+            </a:extLst>
+          </p:cNvPr>
+          <p:cNvSpPr/>
+          <p:nvPr/>
+        </p:nvSpPr>
+        <p:spPr>
+          <a:xfrm>
+            <a:off x="1926889" y="1339328"/>
+            <a:ext cx="1054203" cy="400110"/>
+          </a:xfrm>
+          <a:prstGeom prst="rect">
+            <a:avLst/>
+          </a:prstGeom>
+        </p:spPr>
+        <p:txBody>
+          <a:bodyPr wrap="square">
+            <a:spAutoFit/>
+          </a:bodyPr>
+          <a:lstStyle/>
+          <a:p>
+            <a:r>
+              <a:rPr lang="en-US" sz="2000" dirty="0">
+                <a:latin typeface="Adobe Garamond Pro" panose="02020502060506020403" pitchFamily="18" charset="0"/>
+              </a:rPr>
+              <a:t>Deploy</a:t>
+            </a:r>
+          </a:p>
+        </p:txBody>
+      </p:sp>
+    </p:spTree>
+    <p:extLst>
+      <p:ext uri="{BB962C8B-B14F-4D97-AF65-F5344CB8AC3E}">
+        <p14:creationId xmlns:p14="http://schemas.microsoft.com/office/powerpoint/2010/main" val="2368724144"/>
+      </p:ext>
+    </p:extLst>
+  </p:cSld>
+  <p:clrMapOvr>
+    <a:masterClrMapping/>
+  </p:clrMapOvr>
+</p:sld>
+</file>
+
+<file path=ppt/slides/slide8.xml><?xml version="1.0" encoding="utf-8"?>
+<p:sld xmlns:a="http://schemas.openxmlformats.org/drawingml/2006/main" xmlns:r="http://schemas.openxmlformats.org/officeDocument/2006/relationships" xmlns:p="http://schemas.openxmlformats.org/presentationml/2006/main">
+  <p:cSld>
+    <p:spTree>
+      <p:nvGrpSpPr>
+        <p:cNvPr id="1" name=""/>
+        <p:cNvGrpSpPr/>
+        <p:nvPr/>
+      </p:nvGrpSpPr>
+      <p:grpSpPr>
+        <a:xfrm>
+          <a:off x="0" y="0"/>
+          <a:ext cx="0" cy="0"/>
+          <a:chOff x="0" y="0"/>
+          <a:chExt cx="0" cy="0"/>
+        </a:xfrm>
+      </p:grpSpPr>
       <p:sp>
         <p:nvSpPr>
           <p:cNvPr id="8" name="สี่เหลี่ยมผืนผ้า 7"/>
@@ -5927,7 +9393,7 @@
         </p:blipFill>
         <p:spPr>
           <a:xfrm>
-            <a:off x="6317265" y="1115178"/>
+            <a:off x="6317266" y="1115179"/>
             <a:ext cx="4894353" cy="4285859"/>
           </a:xfrm>
           <a:prstGeom prst="rect">
@@ -5991,7 +9457,7 @@
         </p:nvGraphicFramePr>
         <p:xfrm>
           <a:off x="6507475" y="1395874"/>
-          <a:ext cx="4551438" cy="2229420"/>
+          <a:ext cx="4551438" cy="2560890"/>
         </p:xfrm>
         <a:graphic>
           <a:graphicData uri="http://schemas.openxmlformats.org/drawingml/2006/table">
@@ -6043,7 +9509,7 @@
                   </a:extLst>
                 </a:gridCol>
               </a:tblGrid>
-              <a:tr h="332953">
+              <a:tr h="683990">
                 <a:tc>
                   <a:txBody>
                     <a:bodyPr/>
@@ -6128,7 +9594,7 @@
                   </a:ext>
                 </a:extLst>
               </a:tr>
-              <a:tr h="332953">
+              <a:tr h="375380">
                 <a:tc>
                   <a:txBody>
                     <a:bodyPr/>
@@ -6195,7 +9661,7 @@
                   </a:ext>
                 </a:extLst>
               </a:tr>
-              <a:tr h="332953">
+              <a:tr h="375380">
                 <a:tc>
                   <a:txBody>
                     <a:bodyPr/>
@@ -6262,7 +9728,7 @@
                   </a:ext>
                 </a:extLst>
               </a:tr>
-              <a:tr h="332953">
+              <a:tr h="375380">
                 <a:tc>
                   <a:txBody>
                     <a:bodyPr/>
@@ -6329,7 +9795,7 @@
                   </a:ext>
                 </a:extLst>
               </a:tr>
-              <a:tr h="332953">
+              <a:tr h="375380">
                 <a:tc>
                   <a:txBody>
                     <a:bodyPr/>
@@ -6396,7 +9862,7 @@
                   </a:ext>
                 </a:extLst>
               </a:tr>
-              <a:tr h="332953">
+              <a:tr h="375380">
                 <a:tc>
                   <a:txBody>
                     <a:bodyPr/>
@@ -6480,7 +9946,7 @@
 </p:sld>
 </file>
 
-<file path=ppt/slides/slide5.xml><?xml version="1.0" encoding="utf-8"?>
+<file path=ppt/slides/slide9.xml><?xml version="1.0" encoding="utf-8"?>
 <p:sld xmlns:a="http://schemas.openxmlformats.org/drawingml/2006/main" xmlns:r="http://schemas.openxmlformats.org/officeDocument/2006/relationships" xmlns:p="http://schemas.openxmlformats.org/presentationml/2006/main">
   <p:cSld>
     <p:spTree>
@@ -6597,7 +10063,7 @@
         </p:nvSpPr>
         <p:spPr>
           <a:xfrm>
-            <a:off x="6783172" y="1802047"/>
+            <a:off x="6783173" y="1802047"/>
             <a:ext cx="1374345" cy="610819"/>
           </a:xfrm>
           <a:prstGeom prst="roundRect">
@@ -6705,7 +10171,7 @@
         </p:nvCxnSpPr>
         <p:spPr>
           <a:xfrm>
-            <a:off x="5790590" y="1291130"/>
+            <a:off x="5790591" y="1291130"/>
             <a:ext cx="1679755" cy="0"/>
           </a:xfrm>
           <a:prstGeom prst="line">
@@ -6737,7 +10203,7 @@
         </p:nvCxnSpPr>
         <p:spPr>
           <a:xfrm>
-            <a:off x="4263539" y="1291130"/>
+            <a:off x="4263539" y="1291131"/>
             <a:ext cx="0" cy="510917"/>
           </a:xfrm>
           <a:prstGeom prst="straightConnector1">
@@ -6772,7 +10238,7 @@
         </p:nvCxnSpPr>
         <p:spPr>
           <a:xfrm>
-            <a:off x="7470345" y="1291130"/>
+            <a:off x="7470345" y="1291131"/>
             <a:ext cx="0" cy="510917"/>
           </a:xfrm>
           <a:prstGeom prst="straightConnector1">
@@ -6879,1269 +10345,6 @@
     <p:extLst>
       <p:ext uri="{BB962C8B-B14F-4D97-AF65-F5344CB8AC3E}">
         <p14:creationId xmlns:p14="http://schemas.microsoft.com/office/powerpoint/2010/main" val="1378972824"/>
-      </p:ext>
-    </p:extLst>
-  </p:cSld>
-  <p:clrMapOvr>
-    <a:masterClrMapping/>
-  </p:clrMapOvr>
-</p:sld>
-</file>
-
-<file path=ppt/slides/slide6.xml><?xml version="1.0" encoding="utf-8"?>
-<p:sld xmlns:a="http://schemas.openxmlformats.org/drawingml/2006/main" xmlns:r="http://schemas.openxmlformats.org/officeDocument/2006/relationships" xmlns:p="http://schemas.openxmlformats.org/presentationml/2006/main">
-  <p:cSld>
-    <p:spTree>
-      <p:nvGrpSpPr>
-        <p:cNvPr id="1" name=""/>
-        <p:cNvGrpSpPr/>
-        <p:nvPr/>
-      </p:nvGrpSpPr>
-      <p:grpSpPr>
-        <a:xfrm>
-          <a:off x="0" y="0"/>
-          <a:ext cx="0" cy="0"/>
-          <a:chOff x="0" y="0"/>
-          <a:chExt cx="0" cy="0"/>
-        </a:xfrm>
-      </p:grpSpPr>
-      <p:sp>
-        <p:nvSpPr>
-          <p:cNvPr id="4" name="สี่เหลี่ยมผืนผ้ามุมมน 3"/>
-          <p:cNvSpPr/>
-          <p:nvPr/>
-        </p:nvSpPr>
-        <p:spPr>
-          <a:xfrm>
-            <a:off x="5179770" y="222195"/>
-            <a:ext cx="1679755" cy="610820"/>
-          </a:xfrm>
-          <a:prstGeom prst="roundRect">
-            <a:avLst/>
-          </a:prstGeom>
-          <a:ln>
-            <a:noFill/>
-          </a:ln>
-        </p:spPr>
-        <p:style>
-          <a:lnRef idx="2">
-            <a:schemeClr val="accent6">
-              <a:shade val="50000"/>
-            </a:schemeClr>
-          </a:lnRef>
-          <a:fillRef idx="1">
-            <a:schemeClr val="accent6"/>
-          </a:fillRef>
-          <a:effectRef idx="0">
-            <a:schemeClr val="accent6"/>
-          </a:effectRef>
-          <a:fontRef idx="minor">
-            <a:schemeClr val="lt1"/>
-          </a:fontRef>
-        </p:style>
-        <p:txBody>
-          <a:bodyPr rtlCol="0" anchor="ctr"/>
-          <a:lstStyle/>
-          <a:p>
-            <a:pPr algn="ctr"/>
-            <a:r>
-              <a:rPr lang="th-TH" dirty="0"/>
-              <a:t>ความรู้ทั่วไป</a:t>
-            </a:r>
-          </a:p>
-        </p:txBody>
-      </p:sp>
-      <p:sp>
-        <p:nvSpPr>
-          <p:cNvPr id="5" name="สี่เหลี่ยมผืนผ้ามุมมน 4"/>
-          <p:cNvSpPr/>
-          <p:nvPr/>
-        </p:nvSpPr>
-        <p:spPr>
-          <a:xfrm>
-            <a:off x="2583785" y="1653544"/>
-            <a:ext cx="1068935" cy="577875"/>
-          </a:xfrm>
-          <a:prstGeom prst="roundRect">
-            <a:avLst/>
-          </a:prstGeom>
-          <a:ln>
-            <a:noFill/>
-          </a:ln>
-        </p:spPr>
-        <p:style>
-          <a:lnRef idx="2">
-            <a:schemeClr val="accent1">
-              <a:shade val="50000"/>
-            </a:schemeClr>
-          </a:lnRef>
-          <a:fillRef idx="1">
-            <a:schemeClr val="accent1"/>
-          </a:fillRef>
-          <a:effectRef idx="0">
-            <a:schemeClr val="accent1"/>
-          </a:effectRef>
-          <a:fontRef idx="minor">
-            <a:schemeClr val="lt1"/>
-          </a:fontRef>
-        </p:style>
-        <p:txBody>
-          <a:bodyPr rtlCol="0" anchor="ctr"/>
-          <a:lstStyle/>
-          <a:p>
-            <a:pPr algn="ctr"/>
-            <a:r>
-              <a:rPr lang="th-TH" dirty="0"/>
-              <a:t>ข้าว</a:t>
-            </a:r>
-          </a:p>
-        </p:txBody>
-      </p:sp>
-      <p:sp>
-        <p:nvSpPr>
-          <p:cNvPr id="6" name="สี่เหลี่ยมผืนผ้ามุมมน 5"/>
-          <p:cNvSpPr/>
-          <p:nvPr/>
-        </p:nvSpPr>
-        <p:spPr>
-          <a:xfrm>
-            <a:off x="8386575" y="1620599"/>
-            <a:ext cx="1068935" cy="610820"/>
-          </a:xfrm>
-          <a:prstGeom prst="roundRect">
-            <a:avLst/>
-          </a:prstGeom>
-          <a:ln>
-            <a:noFill/>
-          </a:ln>
-        </p:spPr>
-        <p:style>
-          <a:lnRef idx="2">
-            <a:schemeClr val="accent1">
-              <a:shade val="50000"/>
-            </a:schemeClr>
-          </a:lnRef>
-          <a:fillRef idx="1">
-            <a:schemeClr val="accent1"/>
-          </a:fillRef>
-          <a:effectRef idx="0">
-            <a:schemeClr val="accent1"/>
-          </a:effectRef>
-          <a:fontRef idx="minor">
-            <a:schemeClr val="lt1"/>
-          </a:fontRef>
-        </p:style>
-        <p:txBody>
-          <a:bodyPr rtlCol="0" anchor="ctr"/>
-          <a:lstStyle/>
-          <a:p>
-            <a:pPr algn="ctr"/>
-            <a:r>
-              <a:rPr lang="th-TH" dirty="0"/>
-              <a:t>ข้าวโพด</a:t>
-            </a:r>
-          </a:p>
-        </p:txBody>
-      </p:sp>
-      <p:sp>
-        <p:nvSpPr>
-          <p:cNvPr id="7" name="สี่เหลี่ยมผืนผ้ามุมมน 6"/>
-          <p:cNvSpPr/>
-          <p:nvPr/>
-        </p:nvSpPr>
-        <p:spPr>
-          <a:xfrm>
-            <a:off x="1056735" y="2938589"/>
-            <a:ext cx="1527050" cy="610820"/>
-          </a:xfrm>
-          <a:prstGeom prst="roundRect">
-            <a:avLst/>
-          </a:prstGeom>
-        </p:spPr>
-        <p:style>
-          <a:lnRef idx="3">
-            <a:schemeClr val="lt1"/>
-          </a:lnRef>
-          <a:fillRef idx="1">
-            <a:schemeClr val="accent4"/>
-          </a:fillRef>
-          <a:effectRef idx="1">
-            <a:schemeClr val="accent4"/>
-          </a:effectRef>
-          <a:fontRef idx="minor">
-            <a:schemeClr val="lt1"/>
-          </a:fontRef>
-        </p:style>
-        <p:txBody>
-          <a:bodyPr rtlCol="0" anchor="ctr"/>
-          <a:lstStyle/>
-          <a:p>
-            <a:pPr algn="ctr"/>
-            <a:r>
-              <a:rPr lang="th-TH" dirty="0">
-                <a:solidFill>
-                  <a:schemeClr val="tx1"/>
-                </a:solidFill>
-              </a:rPr>
-              <a:t>ข้าวหอมมะลิ</a:t>
-            </a:r>
-          </a:p>
-        </p:txBody>
-      </p:sp>
-      <p:sp>
-        <p:nvSpPr>
-          <p:cNvPr id="8" name="สี่เหลี่ยมผืนผ้ามุมมน 7"/>
-          <p:cNvSpPr/>
-          <p:nvPr/>
-        </p:nvSpPr>
-        <p:spPr>
-          <a:xfrm>
-            <a:off x="1056735" y="4321869"/>
-            <a:ext cx="1527050" cy="610820"/>
-          </a:xfrm>
-          <a:prstGeom prst="roundRect">
-            <a:avLst/>
-          </a:prstGeom>
-        </p:spPr>
-        <p:style>
-          <a:lnRef idx="3">
-            <a:schemeClr val="lt1"/>
-          </a:lnRef>
-          <a:fillRef idx="1">
-            <a:schemeClr val="accent4"/>
-          </a:fillRef>
-          <a:effectRef idx="1">
-            <a:schemeClr val="accent4"/>
-          </a:effectRef>
-          <a:fontRef idx="minor">
-            <a:schemeClr val="lt1"/>
-          </a:fontRef>
-        </p:style>
-        <p:txBody>
-          <a:bodyPr rtlCol="0" anchor="ctr"/>
-          <a:lstStyle/>
-          <a:p>
-            <a:pPr algn="ctr"/>
-            <a:r>
-              <a:rPr lang="th-TH" dirty="0">
-                <a:solidFill>
-                  <a:schemeClr val="tx1"/>
-                </a:solidFill>
-              </a:rPr>
-              <a:t>ข้าวเหนียว</a:t>
-            </a:r>
-          </a:p>
-        </p:txBody>
-      </p:sp>
-      <p:sp>
-        <p:nvSpPr>
-          <p:cNvPr id="9" name="สี่เหลี่ยมผืนผ้ามุมมน 8"/>
-          <p:cNvSpPr/>
-          <p:nvPr/>
-        </p:nvSpPr>
-        <p:spPr>
-          <a:xfrm>
-            <a:off x="3661598" y="4328708"/>
-            <a:ext cx="1527050" cy="610820"/>
-          </a:xfrm>
-          <a:prstGeom prst="roundRect">
-            <a:avLst/>
-          </a:prstGeom>
-        </p:spPr>
-        <p:style>
-          <a:lnRef idx="3">
-            <a:schemeClr val="lt1"/>
-          </a:lnRef>
-          <a:fillRef idx="1">
-            <a:schemeClr val="accent4"/>
-          </a:fillRef>
-          <a:effectRef idx="1">
-            <a:schemeClr val="accent4"/>
-          </a:effectRef>
-          <a:fontRef idx="minor">
-            <a:schemeClr val="lt1"/>
-          </a:fontRef>
-        </p:style>
-        <p:txBody>
-          <a:bodyPr rtlCol="0" anchor="ctr"/>
-          <a:lstStyle/>
-          <a:p>
-            <a:pPr algn="ctr"/>
-            <a:r>
-              <a:rPr lang="th-TH" dirty="0">
-                <a:solidFill>
-                  <a:schemeClr val="tx1"/>
-                </a:solidFill>
-              </a:rPr>
-              <a:t>ข้าวเปลือก</a:t>
-            </a:r>
-          </a:p>
-        </p:txBody>
-      </p:sp>
-      <p:sp>
-        <p:nvSpPr>
-          <p:cNvPr id="10" name="สี่เหลี่ยมผืนผ้ามุมมน 9"/>
-          <p:cNvSpPr/>
-          <p:nvPr/>
-        </p:nvSpPr>
-        <p:spPr>
-          <a:xfrm>
-            <a:off x="3585247" y="2938589"/>
-            <a:ext cx="1677853" cy="610820"/>
-          </a:xfrm>
-          <a:prstGeom prst="roundRect">
-            <a:avLst/>
-          </a:prstGeom>
-        </p:spPr>
-        <p:style>
-          <a:lnRef idx="3">
-            <a:schemeClr val="lt1"/>
-          </a:lnRef>
-          <a:fillRef idx="1">
-            <a:schemeClr val="accent4"/>
-          </a:fillRef>
-          <a:effectRef idx="1">
-            <a:schemeClr val="accent4"/>
-          </a:effectRef>
-          <a:fontRef idx="minor">
-            <a:schemeClr val="lt1"/>
-          </a:fontRef>
-        </p:style>
-        <p:txBody>
-          <a:bodyPr rtlCol="0" anchor="ctr"/>
-          <a:lstStyle/>
-          <a:p>
-            <a:pPr algn="ctr"/>
-            <a:r>
-              <a:rPr lang="th-TH" dirty="0">
-                <a:solidFill>
-                  <a:schemeClr val="tx1"/>
-                </a:solidFill>
-              </a:rPr>
-              <a:t>ข้าว</a:t>
-            </a:r>
-            <a:r>
-              <a:rPr lang="th-TH" dirty="0" err="1">
-                <a:solidFill>
-                  <a:schemeClr val="tx1"/>
-                </a:solidFill>
-              </a:rPr>
-              <a:t>ไรซ์</a:t>
-            </a:r>
-            <a:r>
-              <a:rPr lang="th-TH" dirty="0">
-                <a:solidFill>
-                  <a:schemeClr val="tx1"/>
-                </a:solidFill>
-              </a:rPr>
-              <a:t>เบอร์รี่</a:t>
-            </a:r>
-          </a:p>
-        </p:txBody>
-      </p:sp>
-      <p:sp>
-        <p:nvSpPr>
-          <p:cNvPr id="11" name="สี่เหลี่ยมผืนผ้ามุมมน 10"/>
-          <p:cNvSpPr/>
-          <p:nvPr/>
-        </p:nvSpPr>
-        <p:spPr>
-          <a:xfrm>
-            <a:off x="6248705" y="2938589"/>
-            <a:ext cx="2002926" cy="610820"/>
-          </a:xfrm>
-          <a:prstGeom prst="roundRect">
-            <a:avLst/>
-          </a:prstGeom>
-        </p:spPr>
-        <p:style>
-          <a:lnRef idx="3">
-            <a:schemeClr val="lt1"/>
-          </a:lnRef>
-          <a:fillRef idx="1">
-            <a:schemeClr val="accent2"/>
-          </a:fillRef>
-          <a:effectRef idx="1">
-            <a:schemeClr val="accent2"/>
-          </a:effectRef>
-          <a:fontRef idx="minor">
-            <a:schemeClr val="lt1"/>
-          </a:fontRef>
-        </p:style>
-        <p:txBody>
-          <a:bodyPr rtlCol="0" anchor="ctr"/>
-          <a:lstStyle/>
-          <a:p>
-            <a:pPr algn="ctr"/>
-            <a:r>
-              <a:rPr lang="th-TH" dirty="0"/>
-              <a:t>ข้าวโพดเลี้ยงสัตว์</a:t>
-            </a:r>
-          </a:p>
-        </p:txBody>
-      </p:sp>
-      <p:sp>
-        <p:nvSpPr>
-          <p:cNvPr id="12" name="สี่เหลี่ยมผืนผ้ามุมมน 11"/>
-          <p:cNvSpPr/>
-          <p:nvPr/>
-        </p:nvSpPr>
-        <p:spPr>
-          <a:xfrm>
-            <a:off x="9608215" y="2938589"/>
-            <a:ext cx="2002926" cy="610820"/>
-          </a:xfrm>
-          <a:prstGeom prst="roundRect">
-            <a:avLst/>
-          </a:prstGeom>
-        </p:spPr>
-        <p:style>
-          <a:lnRef idx="3">
-            <a:schemeClr val="lt1"/>
-          </a:lnRef>
-          <a:fillRef idx="1">
-            <a:schemeClr val="accent2"/>
-          </a:fillRef>
-          <a:effectRef idx="1">
-            <a:schemeClr val="accent2"/>
-          </a:effectRef>
-          <a:fontRef idx="minor">
-            <a:schemeClr val="lt1"/>
-          </a:fontRef>
-        </p:style>
-        <p:txBody>
-          <a:bodyPr rtlCol="0" anchor="ctr"/>
-          <a:lstStyle/>
-          <a:p>
-            <a:pPr algn="ctr"/>
-            <a:r>
-              <a:rPr lang="th-TH" dirty="0"/>
-              <a:t>ข้าวโพดหวาน</a:t>
-            </a:r>
-          </a:p>
-        </p:txBody>
-      </p:sp>
-      <p:sp>
-        <p:nvSpPr>
-          <p:cNvPr id="13" name="สี่เหลี่ยมผืนผ้ามุมมน 12"/>
-          <p:cNvSpPr/>
-          <p:nvPr/>
-        </p:nvSpPr>
-        <p:spPr>
-          <a:xfrm>
-            <a:off x="6776193" y="4179048"/>
-            <a:ext cx="1365465" cy="923817"/>
-          </a:xfrm>
-          <a:prstGeom prst="roundRect">
-            <a:avLst/>
-          </a:prstGeom>
-        </p:spPr>
-        <p:style>
-          <a:lnRef idx="3">
-            <a:schemeClr val="lt1"/>
-          </a:lnRef>
-          <a:fillRef idx="1">
-            <a:schemeClr val="accent2"/>
-          </a:fillRef>
-          <a:effectRef idx="1">
-            <a:schemeClr val="accent2"/>
-          </a:effectRef>
-          <a:fontRef idx="minor">
-            <a:schemeClr val="lt1"/>
-          </a:fontRef>
-        </p:style>
-        <p:txBody>
-          <a:bodyPr rtlCol="0" anchor="ctr"/>
-          <a:lstStyle/>
-          <a:p>
-            <a:pPr algn="ctr"/>
-            <a:r>
-              <a:rPr lang="th-TH" dirty="0"/>
-              <a:t>ข้าวโพดข้าวเหนียว</a:t>
-            </a:r>
-          </a:p>
-        </p:txBody>
-      </p:sp>
-      <p:sp>
-        <p:nvSpPr>
-          <p:cNvPr id="14" name="สี่เหลี่ยมผืนผ้ามุมมน 13"/>
-          <p:cNvSpPr/>
-          <p:nvPr/>
-        </p:nvSpPr>
-        <p:spPr>
-          <a:xfrm>
-            <a:off x="9608215" y="4337643"/>
-            <a:ext cx="2002926" cy="610820"/>
-          </a:xfrm>
-          <a:prstGeom prst="roundRect">
-            <a:avLst/>
-          </a:prstGeom>
-        </p:spPr>
-        <p:style>
-          <a:lnRef idx="3">
-            <a:schemeClr val="lt1"/>
-          </a:lnRef>
-          <a:fillRef idx="1">
-            <a:schemeClr val="accent2"/>
-          </a:fillRef>
-          <a:effectRef idx="1">
-            <a:schemeClr val="accent2"/>
-          </a:effectRef>
-          <a:fontRef idx="minor">
-            <a:schemeClr val="lt1"/>
-          </a:fontRef>
-        </p:style>
-        <p:txBody>
-          <a:bodyPr rtlCol="0" anchor="ctr"/>
-          <a:lstStyle/>
-          <a:p>
-            <a:pPr algn="ctr"/>
-            <a:r>
-              <a:rPr lang="th-TH" dirty="0"/>
-              <a:t>ข้าวโพดฝักอ่อน</a:t>
-            </a:r>
-          </a:p>
-        </p:txBody>
-      </p:sp>
-      <p:cxnSp>
-        <p:nvCxnSpPr>
-          <p:cNvPr id="21" name="ตัวเชื่อมต่อตรง 20"/>
-          <p:cNvCxnSpPr>
-            <a:stCxn id="4" idx="2"/>
-          </p:cNvCxnSpPr>
-          <p:nvPr/>
-        </p:nvCxnSpPr>
-        <p:spPr>
-          <a:xfrm flipH="1">
-            <a:off x="6019647" y="833015"/>
-            <a:ext cx="1" cy="305410"/>
-          </a:xfrm>
-          <a:prstGeom prst="line">
-            <a:avLst/>
-          </a:prstGeom>
-        </p:spPr>
-        <p:style>
-          <a:lnRef idx="1">
-            <a:schemeClr val="dk1"/>
-          </a:lnRef>
-          <a:fillRef idx="0">
-            <a:schemeClr val="dk1"/>
-          </a:fillRef>
-          <a:effectRef idx="0">
-            <a:schemeClr val="dk1"/>
-          </a:effectRef>
-          <a:fontRef idx="minor">
-            <a:schemeClr val="tx1"/>
-          </a:fontRef>
-        </p:style>
-      </p:cxnSp>
-      <p:cxnSp>
-        <p:nvCxnSpPr>
-          <p:cNvPr id="23" name="ตัวเชื่อมต่อตรง 22"/>
-          <p:cNvCxnSpPr/>
-          <p:nvPr/>
-        </p:nvCxnSpPr>
-        <p:spPr>
-          <a:xfrm>
-            <a:off x="3118252" y="1138425"/>
-            <a:ext cx="5802790" cy="0"/>
-          </a:xfrm>
-          <a:prstGeom prst="line">
-            <a:avLst/>
-          </a:prstGeom>
-        </p:spPr>
-        <p:style>
-          <a:lnRef idx="1">
-            <a:schemeClr val="dk1"/>
-          </a:lnRef>
-          <a:fillRef idx="0">
-            <a:schemeClr val="dk1"/>
-          </a:fillRef>
-          <a:effectRef idx="0">
-            <a:schemeClr val="dk1"/>
-          </a:effectRef>
-          <a:fontRef idx="minor">
-            <a:schemeClr val="tx1"/>
-          </a:fontRef>
-        </p:style>
-      </p:cxnSp>
-      <p:cxnSp>
-        <p:nvCxnSpPr>
-          <p:cNvPr id="25" name="ลูกศรเชื่อมต่อแบบตรง 24"/>
-          <p:cNvCxnSpPr>
-            <a:endCxn id="5" idx="0"/>
-          </p:cNvCxnSpPr>
-          <p:nvPr/>
-        </p:nvCxnSpPr>
-        <p:spPr>
-          <a:xfrm>
-            <a:off x="3118252" y="1138425"/>
-            <a:ext cx="1" cy="515119"/>
-          </a:xfrm>
-          <a:prstGeom prst="straightConnector1">
-            <a:avLst/>
-          </a:prstGeom>
-          <a:ln>
-            <a:tailEnd type="triangle"/>
-          </a:ln>
-        </p:spPr>
-        <p:style>
-          <a:lnRef idx="1">
-            <a:schemeClr val="dk1"/>
-          </a:lnRef>
-          <a:fillRef idx="0">
-            <a:schemeClr val="dk1"/>
-          </a:fillRef>
-          <a:effectRef idx="0">
-            <a:schemeClr val="dk1"/>
-          </a:effectRef>
-          <a:fontRef idx="minor">
-            <a:schemeClr val="tx1"/>
-          </a:fontRef>
-        </p:style>
-      </p:cxnSp>
-      <p:cxnSp>
-        <p:nvCxnSpPr>
-          <p:cNvPr id="27" name="ลูกศรเชื่อมต่อแบบตรง 26"/>
-          <p:cNvCxnSpPr>
-            <a:endCxn id="6" idx="0"/>
-          </p:cNvCxnSpPr>
-          <p:nvPr/>
-        </p:nvCxnSpPr>
-        <p:spPr>
-          <a:xfrm>
-            <a:off x="8921042" y="1138425"/>
-            <a:ext cx="1" cy="482174"/>
-          </a:xfrm>
-          <a:prstGeom prst="straightConnector1">
-            <a:avLst/>
-          </a:prstGeom>
-          <a:ln>
-            <a:tailEnd type="triangle"/>
-          </a:ln>
-        </p:spPr>
-        <p:style>
-          <a:lnRef idx="1">
-            <a:schemeClr val="dk1"/>
-          </a:lnRef>
-          <a:fillRef idx="0">
-            <a:schemeClr val="dk1"/>
-          </a:fillRef>
-          <a:effectRef idx="0">
-            <a:schemeClr val="dk1"/>
-          </a:effectRef>
-          <a:fontRef idx="minor">
-            <a:schemeClr val="tx1"/>
-          </a:fontRef>
-        </p:style>
-      </p:cxnSp>
-      <p:cxnSp>
-        <p:nvCxnSpPr>
-          <p:cNvPr id="31" name="ตัวเชื่อมต่อตรง 30"/>
-          <p:cNvCxnSpPr>
-            <a:stCxn id="5" idx="2"/>
-          </p:cNvCxnSpPr>
-          <p:nvPr/>
-        </p:nvCxnSpPr>
-        <p:spPr>
-          <a:xfrm flipH="1">
-            <a:off x="3118251" y="2231419"/>
-            <a:ext cx="2" cy="2395860"/>
-          </a:xfrm>
-          <a:prstGeom prst="line">
-            <a:avLst/>
-          </a:prstGeom>
-        </p:spPr>
-        <p:style>
-          <a:lnRef idx="1">
-            <a:schemeClr val="dk1"/>
-          </a:lnRef>
-          <a:fillRef idx="0">
-            <a:schemeClr val="dk1"/>
-          </a:fillRef>
-          <a:effectRef idx="0">
-            <a:schemeClr val="dk1"/>
-          </a:effectRef>
-          <a:fontRef idx="minor">
-            <a:schemeClr val="tx1"/>
-          </a:fontRef>
-        </p:style>
-      </p:cxnSp>
-      <p:cxnSp>
-        <p:nvCxnSpPr>
-          <p:cNvPr id="35" name="ลูกศรเชื่อมต่อแบบตรง 34"/>
-          <p:cNvCxnSpPr>
-            <a:endCxn id="10" idx="1"/>
-          </p:cNvCxnSpPr>
-          <p:nvPr/>
-        </p:nvCxnSpPr>
-        <p:spPr>
-          <a:xfrm>
-            <a:off x="3118252" y="3243999"/>
-            <a:ext cx="466995" cy="0"/>
-          </a:xfrm>
-          <a:prstGeom prst="straightConnector1">
-            <a:avLst/>
-          </a:prstGeom>
-          <a:ln>
-            <a:tailEnd type="triangle"/>
-          </a:ln>
-        </p:spPr>
-        <p:style>
-          <a:lnRef idx="1">
-            <a:schemeClr val="dk1"/>
-          </a:lnRef>
-          <a:fillRef idx="0">
-            <a:schemeClr val="dk1"/>
-          </a:fillRef>
-          <a:effectRef idx="0">
-            <a:schemeClr val="dk1"/>
-          </a:effectRef>
-          <a:fontRef idx="minor">
-            <a:schemeClr val="tx1"/>
-          </a:fontRef>
-        </p:style>
-      </p:cxnSp>
-      <p:cxnSp>
-        <p:nvCxnSpPr>
-          <p:cNvPr id="38" name="ลูกศรเชื่อมต่อแบบตรง 37"/>
-          <p:cNvCxnSpPr>
-            <a:endCxn id="7" idx="3"/>
-          </p:cNvCxnSpPr>
-          <p:nvPr/>
-        </p:nvCxnSpPr>
-        <p:spPr>
-          <a:xfrm flipH="1">
-            <a:off x="2583785" y="3243999"/>
-            <a:ext cx="534467" cy="0"/>
-          </a:xfrm>
-          <a:prstGeom prst="straightConnector1">
-            <a:avLst/>
-          </a:prstGeom>
-          <a:ln>
-            <a:tailEnd type="triangle"/>
-          </a:ln>
-        </p:spPr>
-        <p:style>
-          <a:lnRef idx="1">
-            <a:schemeClr val="dk1"/>
-          </a:lnRef>
-          <a:fillRef idx="0">
-            <a:schemeClr val="dk1"/>
-          </a:fillRef>
-          <a:effectRef idx="0">
-            <a:schemeClr val="dk1"/>
-          </a:effectRef>
-          <a:fontRef idx="minor">
-            <a:schemeClr val="tx1"/>
-          </a:fontRef>
-        </p:style>
-      </p:cxnSp>
-      <p:cxnSp>
-        <p:nvCxnSpPr>
-          <p:cNvPr id="49" name="ลูกศรเชื่อมต่อแบบตรง 48"/>
-          <p:cNvCxnSpPr>
-            <a:endCxn id="9" idx="1"/>
-          </p:cNvCxnSpPr>
-          <p:nvPr/>
-        </p:nvCxnSpPr>
-        <p:spPr>
-          <a:xfrm>
-            <a:off x="3111592" y="4634118"/>
-            <a:ext cx="550006" cy="0"/>
-          </a:xfrm>
-          <a:prstGeom prst="straightConnector1">
-            <a:avLst/>
-          </a:prstGeom>
-          <a:ln>
-            <a:tailEnd type="triangle"/>
-          </a:ln>
-        </p:spPr>
-        <p:style>
-          <a:lnRef idx="1">
-            <a:schemeClr val="dk1"/>
-          </a:lnRef>
-          <a:fillRef idx="0">
-            <a:schemeClr val="dk1"/>
-          </a:fillRef>
-          <a:effectRef idx="0">
-            <a:schemeClr val="dk1"/>
-          </a:effectRef>
-          <a:fontRef idx="minor">
-            <a:schemeClr val="tx1"/>
-          </a:fontRef>
-        </p:style>
-      </p:cxnSp>
-      <p:cxnSp>
-        <p:nvCxnSpPr>
-          <p:cNvPr id="51" name="ลูกศรเชื่อมต่อแบบตรง 50"/>
-          <p:cNvCxnSpPr>
-            <a:endCxn id="8" idx="3"/>
-          </p:cNvCxnSpPr>
-          <p:nvPr/>
-        </p:nvCxnSpPr>
-        <p:spPr>
-          <a:xfrm flipH="1" flipV="1">
-            <a:off x="2583785" y="4627279"/>
-            <a:ext cx="534466" cy="6839"/>
-          </a:xfrm>
-          <a:prstGeom prst="straightConnector1">
-            <a:avLst/>
-          </a:prstGeom>
-          <a:ln>
-            <a:tailEnd type="triangle"/>
-          </a:ln>
-        </p:spPr>
-        <p:style>
-          <a:lnRef idx="1">
-            <a:schemeClr val="dk1"/>
-          </a:lnRef>
-          <a:fillRef idx="0">
-            <a:schemeClr val="dk1"/>
-          </a:fillRef>
-          <a:effectRef idx="0">
-            <a:schemeClr val="dk1"/>
-          </a:effectRef>
-          <a:fontRef idx="minor">
-            <a:schemeClr val="tx1"/>
-          </a:fontRef>
-        </p:style>
-      </p:cxnSp>
-      <p:cxnSp>
-        <p:nvCxnSpPr>
-          <p:cNvPr id="57" name="ตัวเชื่อมต่อตรง 56"/>
-          <p:cNvCxnSpPr/>
-          <p:nvPr/>
-        </p:nvCxnSpPr>
-        <p:spPr>
-          <a:xfrm flipH="1">
-            <a:off x="8921042" y="2238258"/>
-            <a:ext cx="2" cy="2395860"/>
-          </a:xfrm>
-          <a:prstGeom prst="line">
-            <a:avLst/>
-          </a:prstGeom>
-        </p:spPr>
-        <p:style>
-          <a:lnRef idx="1">
-            <a:schemeClr val="dk1"/>
-          </a:lnRef>
-          <a:fillRef idx="0">
-            <a:schemeClr val="dk1"/>
-          </a:fillRef>
-          <a:effectRef idx="0">
-            <a:schemeClr val="dk1"/>
-          </a:effectRef>
-          <a:fontRef idx="minor">
-            <a:schemeClr val="tx1"/>
-          </a:fontRef>
-        </p:style>
-      </p:cxnSp>
-      <p:cxnSp>
-        <p:nvCxnSpPr>
-          <p:cNvPr id="58" name="ลูกศรเชื่อมต่อแบบตรง 57"/>
-          <p:cNvCxnSpPr>
-            <a:endCxn id="12" idx="1"/>
-          </p:cNvCxnSpPr>
-          <p:nvPr/>
-        </p:nvCxnSpPr>
-        <p:spPr>
-          <a:xfrm flipV="1">
-            <a:off x="8921043" y="3243999"/>
-            <a:ext cx="687172" cy="6839"/>
-          </a:xfrm>
-          <a:prstGeom prst="straightConnector1">
-            <a:avLst/>
-          </a:prstGeom>
-          <a:ln>
-            <a:tailEnd type="triangle"/>
-          </a:ln>
-        </p:spPr>
-        <p:style>
-          <a:lnRef idx="1">
-            <a:schemeClr val="dk1"/>
-          </a:lnRef>
-          <a:fillRef idx="0">
-            <a:schemeClr val="dk1"/>
-          </a:fillRef>
-          <a:effectRef idx="0">
-            <a:schemeClr val="dk1"/>
-          </a:effectRef>
-          <a:fontRef idx="minor">
-            <a:schemeClr val="tx1"/>
-          </a:fontRef>
-        </p:style>
-      </p:cxnSp>
-      <p:cxnSp>
-        <p:nvCxnSpPr>
-          <p:cNvPr id="59" name="ลูกศรเชื่อมต่อแบบตรง 58"/>
-          <p:cNvCxnSpPr>
-            <a:endCxn id="11" idx="3"/>
-          </p:cNvCxnSpPr>
-          <p:nvPr/>
-        </p:nvCxnSpPr>
-        <p:spPr>
-          <a:xfrm flipH="1" flipV="1">
-            <a:off x="8251631" y="3243999"/>
-            <a:ext cx="669413" cy="6839"/>
-          </a:xfrm>
-          <a:prstGeom prst="straightConnector1">
-            <a:avLst/>
-          </a:prstGeom>
-          <a:ln>
-            <a:tailEnd type="triangle"/>
-          </a:ln>
-        </p:spPr>
-        <p:style>
-          <a:lnRef idx="1">
-            <a:schemeClr val="dk1"/>
-          </a:lnRef>
-          <a:fillRef idx="0">
-            <a:schemeClr val="dk1"/>
-          </a:fillRef>
-          <a:effectRef idx="0">
-            <a:schemeClr val="dk1"/>
-          </a:effectRef>
-          <a:fontRef idx="minor">
-            <a:schemeClr val="tx1"/>
-          </a:fontRef>
-        </p:style>
-      </p:cxnSp>
-      <p:cxnSp>
-        <p:nvCxnSpPr>
-          <p:cNvPr id="60" name="ลูกศรเชื่อมต่อแบบตรง 59"/>
-          <p:cNvCxnSpPr>
-            <a:endCxn id="14" idx="1"/>
-          </p:cNvCxnSpPr>
-          <p:nvPr/>
-        </p:nvCxnSpPr>
-        <p:spPr>
-          <a:xfrm>
-            <a:off x="8914383" y="4640957"/>
-            <a:ext cx="693832" cy="2096"/>
-          </a:xfrm>
-          <a:prstGeom prst="straightConnector1">
-            <a:avLst/>
-          </a:prstGeom>
-          <a:ln>
-            <a:tailEnd type="triangle"/>
-          </a:ln>
-        </p:spPr>
-        <p:style>
-          <a:lnRef idx="1">
-            <a:schemeClr val="dk1"/>
-          </a:lnRef>
-          <a:fillRef idx="0">
-            <a:schemeClr val="dk1"/>
-          </a:fillRef>
-          <a:effectRef idx="0">
-            <a:schemeClr val="dk1"/>
-          </a:effectRef>
-          <a:fontRef idx="minor">
-            <a:schemeClr val="tx1"/>
-          </a:fontRef>
-        </p:style>
-      </p:cxnSp>
-      <p:cxnSp>
-        <p:nvCxnSpPr>
-          <p:cNvPr id="61" name="ลูกศรเชื่อมต่อแบบตรง 60"/>
-          <p:cNvCxnSpPr/>
-          <p:nvPr/>
-        </p:nvCxnSpPr>
-        <p:spPr>
-          <a:xfrm flipH="1" flipV="1">
-            <a:off x="8260787" y="4627279"/>
-            <a:ext cx="660255" cy="13679"/>
-          </a:xfrm>
-          <a:prstGeom prst="straightConnector1">
-            <a:avLst/>
-          </a:prstGeom>
-          <a:ln>
-            <a:tailEnd type="triangle"/>
-          </a:ln>
-        </p:spPr>
-        <p:style>
-          <a:lnRef idx="1">
-            <a:schemeClr val="dk1"/>
-          </a:lnRef>
-          <a:fillRef idx="0">
-            <a:schemeClr val="dk1"/>
-          </a:fillRef>
-          <a:effectRef idx="0">
-            <a:schemeClr val="dk1"/>
-          </a:effectRef>
-          <a:fontRef idx="minor">
-            <a:schemeClr val="tx1"/>
-          </a:fontRef>
-        </p:style>
-      </p:cxnSp>
-    </p:spTree>
-    <p:extLst>
-      <p:ext uri="{BB962C8B-B14F-4D97-AF65-F5344CB8AC3E}">
-        <p14:creationId xmlns:p14="http://schemas.microsoft.com/office/powerpoint/2010/main" val="1120545396"/>
-      </p:ext>
-    </p:extLst>
-  </p:cSld>
-  <p:clrMapOvr>
-    <a:masterClrMapping/>
-  </p:clrMapOvr>
-</p:sld>
-</file>
-
-<file path=ppt/slides/slide7.xml><?xml version="1.0" encoding="utf-8"?>
-<p:sld xmlns:a="http://schemas.openxmlformats.org/drawingml/2006/main" xmlns:r="http://schemas.openxmlformats.org/officeDocument/2006/relationships" xmlns:p="http://schemas.openxmlformats.org/presentationml/2006/main">
-  <p:cSld>
-    <p:spTree>
-      <p:nvGrpSpPr>
-        <p:cNvPr id="1" name=""/>
-        <p:cNvGrpSpPr/>
-        <p:nvPr/>
-      </p:nvGrpSpPr>
-      <p:grpSpPr>
-        <a:xfrm>
-          <a:off x="0" y="0"/>
-          <a:ext cx="0" cy="0"/>
-          <a:chOff x="0" y="0"/>
-          <a:chExt cx="0" cy="0"/>
-        </a:xfrm>
-      </p:grpSpPr>
-      <p:sp>
-        <p:nvSpPr>
-          <p:cNvPr id="4" name="สี่เหลี่ยมผืนผ้ามุมมน 3"/>
-          <p:cNvSpPr/>
-          <p:nvPr/>
-        </p:nvSpPr>
-        <p:spPr>
-          <a:xfrm>
-            <a:off x="5027065" y="374900"/>
-            <a:ext cx="2290575" cy="610820"/>
-          </a:xfrm>
-          <a:prstGeom prst="roundRect">
-            <a:avLst/>
-          </a:prstGeom>
-        </p:spPr>
-        <p:style>
-          <a:lnRef idx="3">
-            <a:schemeClr val="lt1"/>
-          </a:lnRef>
-          <a:fillRef idx="1">
-            <a:schemeClr val="accent1"/>
-          </a:fillRef>
-          <a:effectRef idx="1">
-            <a:schemeClr val="accent1"/>
-          </a:effectRef>
-          <a:fontRef idx="minor">
-            <a:schemeClr val="lt1"/>
-          </a:fontRef>
-        </p:style>
-        <p:txBody>
-          <a:bodyPr rtlCol="0" anchor="ctr"/>
-          <a:lstStyle/>
-          <a:p>
-            <a:pPr algn="ctr"/>
-            <a:r>
-              <a:rPr lang="th-TH" dirty="0"/>
-              <a:t>แนะนำ</a:t>
-            </a:r>
-            <a:r>
-              <a:rPr lang="th-TH" dirty="0" err="1"/>
-              <a:t>แอปพลิเค</a:t>
-            </a:r>
-            <a:r>
-              <a:rPr lang="th-TH" dirty="0"/>
-              <a:t>ชัน</a:t>
-            </a:r>
-          </a:p>
-        </p:txBody>
-      </p:sp>
-      <p:sp>
-        <p:nvSpPr>
-          <p:cNvPr id="5" name="สี่เหลี่ยมผืนผ้ามุมมน 4"/>
-          <p:cNvSpPr/>
-          <p:nvPr/>
-        </p:nvSpPr>
-        <p:spPr>
-          <a:xfrm>
-            <a:off x="2202022" y="2818180"/>
-            <a:ext cx="1068935" cy="577875"/>
-          </a:xfrm>
-          <a:prstGeom prst="roundRect">
-            <a:avLst/>
-          </a:prstGeom>
-          <a:ln/>
-        </p:spPr>
-        <p:style>
-          <a:lnRef idx="1">
-            <a:schemeClr val="accent1"/>
-          </a:lnRef>
-          <a:fillRef idx="2">
-            <a:schemeClr val="accent1"/>
-          </a:fillRef>
-          <a:effectRef idx="1">
-            <a:schemeClr val="accent1"/>
-          </a:effectRef>
-          <a:fontRef idx="minor">
-            <a:schemeClr val="dk1"/>
-          </a:fontRef>
-        </p:style>
-        <p:txBody>
-          <a:bodyPr rtlCol="0" anchor="ctr"/>
-          <a:lstStyle/>
-          <a:p>
-            <a:pPr algn="ctr"/>
-            <a:r>
-              <a:rPr lang="th-TH" dirty="0"/>
-              <a:t>ข้าว</a:t>
-            </a:r>
-          </a:p>
-        </p:txBody>
-      </p:sp>
-      <p:sp>
-        <p:nvSpPr>
-          <p:cNvPr id="6" name="สี่เหลี่ยมผืนผ้ามุมมน 5"/>
-          <p:cNvSpPr/>
-          <p:nvPr/>
-        </p:nvSpPr>
-        <p:spPr>
-          <a:xfrm>
-            <a:off x="9073747" y="2818180"/>
-            <a:ext cx="1068935" cy="610820"/>
-          </a:xfrm>
-          <a:prstGeom prst="roundRect">
-            <a:avLst/>
-          </a:prstGeom>
-          <a:ln/>
-        </p:spPr>
-        <p:style>
-          <a:lnRef idx="1">
-            <a:schemeClr val="accent1"/>
-          </a:lnRef>
-          <a:fillRef idx="2">
-            <a:schemeClr val="accent1"/>
-          </a:fillRef>
-          <a:effectRef idx="1">
-            <a:schemeClr val="accent1"/>
-          </a:effectRef>
-          <a:fontRef idx="minor">
-            <a:schemeClr val="dk1"/>
-          </a:fontRef>
-        </p:style>
-        <p:txBody>
-          <a:bodyPr rtlCol="0" anchor="ctr"/>
-          <a:lstStyle/>
-          <a:p>
-            <a:pPr algn="ctr"/>
-            <a:r>
-              <a:rPr lang="th-TH" dirty="0"/>
-              <a:t>ข้าวโพด</a:t>
-            </a:r>
-          </a:p>
-        </p:txBody>
-      </p:sp>
-      <p:cxnSp>
-        <p:nvCxnSpPr>
-          <p:cNvPr id="7" name="ตัวเชื่อมต่อตรง 6"/>
-          <p:cNvCxnSpPr/>
-          <p:nvPr/>
-        </p:nvCxnSpPr>
-        <p:spPr>
-          <a:xfrm flipH="1">
-            <a:off x="6096000" y="981145"/>
-            <a:ext cx="1" cy="305410"/>
-          </a:xfrm>
-          <a:prstGeom prst="line">
-            <a:avLst/>
-          </a:prstGeom>
-        </p:spPr>
-        <p:style>
-          <a:lnRef idx="1">
-            <a:schemeClr val="dk1"/>
-          </a:lnRef>
-          <a:fillRef idx="0">
-            <a:schemeClr val="dk1"/>
-          </a:fillRef>
-          <a:effectRef idx="0">
-            <a:schemeClr val="dk1"/>
-          </a:effectRef>
-          <a:fontRef idx="minor">
-            <a:schemeClr val="tx1"/>
-          </a:fontRef>
-        </p:style>
-      </p:cxnSp>
-      <p:cxnSp>
-        <p:nvCxnSpPr>
-          <p:cNvPr id="8" name="ตัวเชื่อมต่อตรง 7"/>
-          <p:cNvCxnSpPr/>
-          <p:nvPr/>
-        </p:nvCxnSpPr>
-        <p:spPr>
-          <a:xfrm>
-            <a:off x="3270957" y="3123590"/>
-            <a:ext cx="5802790" cy="0"/>
-          </a:xfrm>
-          <a:prstGeom prst="line">
-            <a:avLst/>
-          </a:prstGeom>
-        </p:spPr>
-        <p:style>
-          <a:lnRef idx="1">
-            <a:schemeClr val="dk1"/>
-          </a:lnRef>
-          <a:fillRef idx="0">
-            <a:schemeClr val="dk1"/>
-          </a:fillRef>
-          <a:effectRef idx="0">
-            <a:schemeClr val="dk1"/>
-          </a:effectRef>
-          <a:fontRef idx="minor">
-            <a:schemeClr val="tx1"/>
-          </a:fontRef>
-        </p:style>
-      </p:cxnSp>
-      <p:pic>
-        <p:nvPicPr>
-          <p:cNvPr id="11" name="รูปภาพ 10"/>
-          <p:cNvPicPr>
-            <a:picLocks noChangeAspect="1"/>
-          </p:cNvPicPr>
-          <p:nvPr/>
-        </p:nvPicPr>
-        <p:blipFill>
-          <a:blip r:embed="rId2" cstate="print">
-            <a:extLst>
-              <a:ext uri="{28A0092B-C50C-407E-A947-70E740481C1C}">
-                <a14:useLocalDpi xmlns:a14="http://schemas.microsoft.com/office/drawing/2010/main" val="0"/>
-              </a:ext>
-            </a:extLst>
-          </a:blip>
-          <a:stretch>
-            <a:fillRect/>
-          </a:stretch>
-        </p:blipFill>
-        <p:spPr>
-          <a:xfrm>
-            <a:off x="5068929" y="1286555"/>
-            <a:ext cx="2206846" cy="3921750"/>
-          </a:xfrm>
-          <a:prstGeom prst="rect">
-            <a:avLst/>
-          </a:prstGeom>
-          <a:ln>
-            <a:noFill/>
-          </a:ln>
-          <a:effectLst>
-            <a:outerShdw blurRad="190500" algn="tl" rotWithShape="0">
-              <a:srgbClr val="000000">
-                <a:alpha val="70000"/>
-              </a:srgbClr>
-            </a:outerShdw>
-          </a:effectLst>
-        </p:spPr>
-      </p:pic>
-    </p:spTree>
-    <p:extLst>
-      <p:ext uri="{BB962C8B-B14F-4D97-AF65-F5344CB8AC3E}">
-        <p14:creationId xmlns:p14="http://schemas.microsoft.com/office/powerpoint/2010/main" val="3849718184"/>
       </p:ext>
     </p:extLst>
   </p:cSld>
